--- a/Thompson_Kevin_Presentation.pptx
+++ b/Thompson_Kevin_Presentation.pptx
@@ -31,6 +31,11 @@
     <p:sldId id="277" r:id="rId26"/>
     <p:sldId id="278" r:id="rId27"/>
     <p:sldId id="279" r:id="rId28"/>
+    <p:sldId id="280" r:id="rId29"/>
+    <p:sldId id="281" r:id="rId30"/>
+    <p:sldId id="282" r:id="rId31"/>
+    <p:sldId id="283" r:id="rId32"/>
+    <p:sldId id="284" r:id="rId33"/>
   </p:sldIdLst>
   <p:sldSz cx="10080625" cy="7559675"/>
   <p:notesSz cx="7772400" cy="10058400"/>
@@ -88,8 +93,8 @@
         </p:nvSpPr>
         <p:spPr>
           <a:xfrm>
-            <a:off x="504000" y="-11160"/>
-            <a:ext cx="9071280" cy="1262160"/>
+            <a:off x="504000" y="301320"/>
+            <a:ext cx="9072000" cy="1261800"/>
           </a:xfrm>
           <a:prstGeom prst="rect">
             <a:avLst/>
@@ -119,8 +124,8 @@
         </p:nvSpPr>
         <p:spPr>
           <a:xfrm>
-            <a:off x="504000" y="1769040"/>
-            <a:ext cx="9071280" cy="2090880"/>
+            <a:off x="504000" y="1768680"/>
+            <a:ext cx="9072000" cy="2090880"/>
           </a:xfrm>
           <a:prstGeom prst="rect">
             <a:avLst/>
@@ -149,8 +154,8 @@
         </p:nvSpPr>
         <p:spPr>
           <a:xfrm>
-            <a:off x="504000" y="4059000"/>
-            <a:ext cx="9071280" cy="2090880"/>
+            <a:off x="504000" y="4058640"/>
+            <a:ext cx="9072000" cy="2090880"/>
           </a:xfrm>
           <a:prstGeom prst="rect">
             <a:avLst/>
@@ -201,8 +206,8 @@
         </p:nvSpPr>
         <p:spPr>
           <a:xfrm>
-            <a:off x="504000" y="-11160"/>
-            <a:ext cx="9071280" cy="1262160"/>
+            <a:off x="504000" y="301320"/>
+            <a:ext cx="9072000" cy="1261800"/>
           </a:xfrm>
           <a:prstGeom prst="rect">
             <a:avLst/>
@@ -232,8 +237,8 @@
         </p:nvSpPr>
         <p:spPr>
           <a:xfrm>
-            <a:off x="504000" y="1769040"/>
-            <a:ext cx="4426560" cy="2090880"/>
+            <a:off x="504000" y="1768680"/>
+            <a:ext cx="4426920" cy="2090880"/>
           </a:xfrm>
           <a:prstGeom prst="rect">
             <a:avLst/>
@@ -262,8 +267,8 @@
         </p:nvSpPr>
         <p:spPr>
           <a:xfrm>
-            <a:off x="5152320" y="1769040"/>
-            <a:ext cx="4426560" cy="2090880"/>
+            <a:off x="5152680" y="1768680"/>
+            <a:ext cx="4426920" cy="2090880"/>
           </a:xfrm>
           <a:prstGeom prst="rect">
             <a:avLst/>
@@ -292,8 +297,8 @@
         </p:nvSpPr>
         <p:spPr>
           <a:xfrm>
-            <a:off x="504000" y="4059000"/>
-            <a:ext cx="4426560" cy="2090880"/>
+            <a:off x="504000" y="4058640"/>
+            <a:ext cx="4426920" cy="2090880"/>
           </a:xfrm>
           <a:prstGeom prst="rect">
             <a:avLst/>
@@ -322,8 +327,8 @@
         </p:nvSpPr>
         <p:spPr>
           <a:xfrm>
-            <a:off x="5152320" y="4059000"/>
-            <a:ext cx="4426560" cy="2090880"/>
+            <a:off x="5152680" y="4058640"/>
+            <a:ext cx="4426920" cy="2090880"/>
           </a:xfrm>
           <a:prstGeom prst="rect">
             <a:avLst/>
@@ -374,8 +379,8 @@
         </p:nvSpPr>
         <p:spPr>
           <a:xfrm>
-            <a:off x="504000" y="-11160"/>
-            <a:ext cx="9071280" cy="1262160"/>
+            <a:off x="504000" y="301320"/>
+            <a:ext cx="9072000" cy="1261800"/>
           </a:xfrm>
           <a:prstGeom prst="rect">
             <a:avLst/>
@@ -405,8 +410,8 @@
         </p:nvSpPr>
         <p:spPr>
           <a:xfrm>
-            <a:off x="504000" y="1769040"/>
-            <a:ext cx="2920680" cy="2090880"/>
+            <a:off x="504000" y="1768680"/>
+            <a:ext cx="2921040" cy="2090880"/>
           </a:xfrm>
           <a:prstGeom prst="rect">
             <a:avLst/>
@@ -435,8 +440,8 @@
         </p:nvSpPr>
         <p:spPr>
           <a:xfrm>
-            <a:off x="3571200" y="1769040"/>
-            <a:ext cx="2920680" cy="2090880"/>
+            <a:off x="3571560" y="1768680"/>
+            <a:ext cx="2921040" cy="2090880"/>
           </a:xfrm>
           <a:prstGeom prst="rect">
             <a:avLst/>
@@ -465,8 +470,8 @@
         </p:nvSpPr>
         <p:spPr>
           <a:xfrm>
-            <a:off x="6638040" y="1769040"/>
-            <a:ext cx="2920680" cy="2090880"/>
+            <a:off x="6639120" y="1768680"/>
+            <a:ext cx="2921040" cy="2090880"/>
           </a:xfrm>
           <a:prstGeom prst="rect">
             <a:avLst/>
@@ -495,8 +500,8 @@
         </p:nvSpPr>
         <p:spPr>
           <a:xfrm>
-            <a:off x="504000" y="4059000"/>
-            <a:ext cx="2920680" cy="2090880"/>
+            <a:off x="504000" y="4058640"/>
+            <a:ext cx="2921040" cy="2090880"/>
           </a:xfrm>
           <a:prstGeom prst="rect">
             <a:avLst/>
@@ -525,8 +530,8 @@
         </p:nvSpPr>
         <p:spPr>
           <a:xfrm>
-            <a:off x="3571200" y="4059000"/>
-            <a:ext cx="2920680" cy="2090880"/>
+            <a:off x="3571560" y="4058640"/>
+            <a:ext cx="2921040" cy="2090880"/>
           </a:xfrm>
           <a:prstGeom prst="rect">
             <a:avLst/>
@@ -555,8 +560,8 @@
         </p:nvSpPr>
         <p:spPr>
           <a:xfrm>
-            <a:off x="6638040" y="4059000"/>
-            <a:ext cx="2920680" cy="2090880"/>
+            <a:off x="6639120" y="4058640"/>
+            <a:ext cx="2921040" cy="2090880"/>
           </a:xfrm>
           <a:prstGeom prst="rect">
             <a:avLst/>
@@ -629,8 +634,8 @@
         </p:nvSpPr>
         <p:spPr>
           <a:xfrm>
-            <a:off x="504000" y="-11160"/>
-            <a:ext cx="9071280" cy="1262160"/>
+            <a:off x="504000" y="301320"/>
+            <a:ext cx="9072000" cy="1261800"/>
           </a:xfrm>
           <a:prstGeom prst="rect">
             <a:avLst/>
@@ -660,8 +665,8 @@
         </p:nvSpPr>
         <p:spPr>
           <a:xfrm>
-            <a:off x="504000" y="1769040"/>
-            <a:ext cx="9071280" cy="4384080"/>
+            <a:off x="504000" y="1768680"/>
+            <a:ext cx="9072000" cy="4384080"/>
           </a:xfrm>
           <a:prstGeom prst="rect">
             <a:avLst/>
@@ -713,8 +718,8 @@
         </p:nvSpPr>
         <p:spPr>
           <a:xfrm>
-            <a:off x="504000" y="-11160"/>
-            <a:ext cx="9071280" cy="1262160"/>
+            <a:off x="504000" y="301320"/>
+            <a:ext cx="9072000" cy="1261800"/>
           </a:xfrm>
           <a:prstGeom prst="rect">
             <a:avLst/>
@@ -744,8 +749,8 @@
         </p:nvSpPr>
         <p:spPr>
           <a:xfrm>
-            <a:off x="504000" y="1769040"/>
-            <a:ext cx="9071280" cy="4384080"/>
+            <a:off x="504000" y="1768680"/>
+            <a:ext cx="9072000" cy="4384080"/>
           </a:xfrm>
           <a:prstGeom prst="rect">
             <a:avLst/>
@@ -796,8 +801,8 @@
         </p:nvSpPr>
         <p:spPr>
           <a:xfrm>
-            <a:off x="504000" y="-11160"/>
-            <a:ext cx="9071280" cy="1262160"/>
+            <a:off x="504000" y="301320"/>
+            <a:ext cx="9072000" cy="1261800"/>
           </a:xfrm>
           <a:prstGeom prst="rect">
             <a:avLst/>
@@ -827,8 +832,8 @@
         </p:nvSpPr>
         <p:spPr>
           <a:xfrm>
-            <a:off x="504000" y="1769040"/>
-            <a:ext cx="4426560" cy="4384080"/>
+            <a:off x="504000" y="1768680"/>
+            <a:ext cx="4426920" cy="4384080"/>
           </a:xfrm>
           <a:prstGeom prst="rect">
             <a:avLst/>
@@ -857,8 +862,8 @@
         </p:nvSpPr>
         <p:spPr>
           <a:xfrm>
-            <a:off x="5152320" y="1769040"/>
-            <a:ext cx="4426560" cy="4384080"/>
+            <a:off x="5152680" y="1768680"/>
+            <a:ext cx="4426920" cy="4384080"/>
           </a:xfrm>
           <a:prstGeom prst="rect">
             <a:avLst/>
@@ -909,8 +914,8 @@
         </p:nvSpPr>
         <p:spPr>
           <a:xfrm>
-            <a:off x="504000" y="-11160"/>
-            <a:ext cx="9071280" cy="1262160"/>
+            <a:off x="504000" y="301320"/>
+            <a:ext cx="9072000" cy="1261800"/>
           </a:xfrm>
           <a:prstGeom prst="rect">
             <a:avLst/>
@@ -962,8 +967,8 @@
         </p:nvSpPr>
         <p:spPr>
           <a:xfrm>
-            <a:off x="504000" y="-11160"/>
-            <a:ext cx="9071280" cy="5851800"/>
+            <a:off x="504000" y="301320"/>
+            <a:ext cx="9072000" cy="5850360"/>
           </a:xfrm>
           <a:prstGeom prst="rect">
             <a:avLst/>
@@ -1015,8 +1020,8 @@
         </p:nvSpPr>
         <p:spPr>
           <a:xfrm>
-            <a:off x="504000" y="-11160"/>
-            <a:ext cx="9071280" cy="1262160"/>
+            <a:off x="504000" y="301320"/>
+            <a:ext cx="9072000" cy="1261800"/>
           </a:xfrm>
           <a:prstGeom prst="rect">
             <a:avLst/>
@@ -1046,8 +1051,8 @@
         </p:nvSpPr>
         <p:spPr>
           <a:xfrm>
-            <a:off x="504000" y="1769040"/>
-            <a:ext cx="4426560" cy="2090880"/>
+            <a:off x="504000" y="1768680"/>
+            <a:ext cx="4426920" cy="2090880"/>
           </a:xfrm>
           <a:prstGeom prst="rect">
             <a:avLst/>
@@ -1076,8 +1081,8 @@
         </p:nvSpPr>
         <p:spPr>
           <a:xfrm>
-            <a:off x="5152320" y="1769040"/>
-            <a:ext cx="4426560" cy="4384080"/>
+            <a:off x="5152680" y="1768680"/>
+            <a:ext cx="4426920" cy="4384080"/>
           </a:xfrm>
           <a:prstGeom prst="rect">
             <a:avLst/>
@@ -1106,8 +1111,8 @@
         </p:nvSpPr>
         <p:spPr>
           <a:xfrm>
-            <a:off x="504000" y="4059000"/>
-            <a:ext cx="4426560" cy="2090880"/>
+            <a:off x="504000" y="4058640"/>
+            <a:ext cx="4426920" cy="2090880"/>
           </a:xfrm>
           <a:prstGeom prst="rect">
             <a:avLst/>
@@ -1158,8 +1163,8 @@
         </p:nvSpPr>
         <p:spPr>
           <a:xfrm>
-            <a:off x="504000" y="-11160"/>
-            <a:ext cx="9071280" cy="1262160"/>
+            <a:off x="504000" y="301320"/>
+            <a:ext cx="9072000" cy="1261800"/>
           </a:xfrm>
           <a:prstGeom prst="rect">
             <a:avLst/>
@@ -1189,8 +1194,8 @@
         </p:nvSpPr>
         <p:spPr>
           <a:xfrm>
-            <a:off x="504000" y="1769040"/>
-            <a:ext cx="9071280" cy="4384080"/>
+            <a:off x="504000" y="1768680"/>
+            <a:ext cx="9072000" cy="4384080"/>
           </a:xfrm>
           <a:prstGeom prst="rect">
             <a:avLst/>
@@ -1242,8 +1247,8 @@
         </p:nvSpPr>
         <p:spPr>
           <a:xfrm>
-            <a:off x="504000" y="-11160"/>
-            <a:ext cx="9071280" cy="1262160"/>
+            <a:off x="504000" y="301320"/>
+            <a:ext cx="9072000" cy="1261800"/>
           </a:xfrm>
           <a:prstGeom prst="rect">
             <a:avLst/>
@@ -1273,8 +1278,8 @@
         </p:nvSpPr>
         <p:spPr>
           <a:xfrm>
-            <a:off x="504000" y="1769040"/>
-            <a:ext cx="4426560" cy="4384080"/>
+            <a:off x="504000" y="1768680"/>
+            <a:ext cx="4426920" cy="4384080"/>
           </a:xfrm>
           <a:prstGeom prst="rect">
             <a:avLst/>
@@ -1303,8 +1308,8 @@
         </p:nvSpPr>
         <p:spPr>
           <a:xfrm>
-            <a:off x="5152320" y="1769040"/>
-            <a:ext cx="4426560" cy="2090880"/>
+            <a:off x="5152680" y="1768680"/>
+            <a:ext cx="4426920" cy="2090880"/>
           </a:xfrm>
           <a:prstGeom prst="rect">
             <a:avLst/>
@@ -1333,8 +1338,8 @@
         </p:nvSpPr>
         <p:spPr>
           <a:xfrm>
-            <a:off x="5152320" y="4059000"/>
-            <a:ext cx="4426560" cy="2090880"/>
+            <a:off x="5152680" y="4058640"/>
+            <a:ext cx="4426920" cy="2090880"/>
           </a:xfrm>
           <a:prstGeom prst="rect">
             <a:avLst/>
@@ -1385,8 +1390,8 @@
         </p:nvSpPr>
         <p:spPr>
           <a:xfrm>
-            <a:off x="504000" y="-11160"/>
-            <a:ext cx="9071280" cy="1262160"/>
+            <a:off x="504000" y="301320"/>
+            <a:ext cx="9072000" cy="1261800"/>
           </a:xfrm>
           <a:prstGeom prst="rect">
             <a:avLst/>
@@ -1416,8 +1421,8 @@
         </p:nvSpPr>
         <p:spPr>
           <a:xfrm>
-            <a:off x="504000" y="1769040"/>
-            <a:ext cx="4426560" cy="2090880"/>
+            <a:off x="504000" y="1768680"/>
+            <a:ext cx="4426920" cy="2090880"/>
           </a:xfrm>
           <a:prstGeom prst="rect">
             <a:avLst/>
@@ -1446,8 +1451,8 @@
         </p:nvSpPr>
         <p:spPr>
           <a:xfrm>
-            <a:off x="5152320" y="1769040"/>
-            <a:ext cx="4426560" cy="2090880"/>
+            <a:off x="5152680" y="1768680"/>
+            <a:ext cx="4426920" cy="2090880"/>
           </a:xfrm>
           <a:prstGeom prst="rect">
             <a:avLst/>
@@ -1476,8 +1481,8 @@
         </p:nvSpPr>
         <p:spPr>
           <a:xfrm>
-            <a:off x="504000" y="4059000"/>
-            <a:ext cx="9071280" cy="2090880"/>
+            <a:off x="504000" y="4058640"/>
+            <a:ext cx="9072000" cy="2090880"/>
           </a:xfrm>
           <a:prstGeom prst="rect">
             <a:avLst/>
@@ -1528,8 +1533,8 @@
         </p:nvSpPr>
         <p:spPr>
           <a:xfrm>
-            <a:off x="504000" y="-11160"/>
-            <a:ext cx="9071280" cy="1262160"/>
+            <a:off x="504000" y="301320"/>
+            <a:ext cx="9072000" cy="1261800"/>
           </a:xfrm>
           <a:prstGeom prst="rect">
             <a:avLst/>
@@ -1559,8 +1564,8 @@
         </p:nvSpPr>
         <p:spPr>
           <a:xfrm>
-            <a:off x="504000" y="1769040"/>
-            <a:ext cx="9071280" cy="2090880"/>
+            <a:off x="504000" y="1768680"/>
+            <a:ext cx="9072000" cy="2090880"/>
           </a:xfrm>
           <a:prstGeom prst="rect">
             <a:avLst/>
@@ -1589,8 +1594,8 @@
         </p:nvSpPr>
         <p:spPr>
           <a:xfrm>
-            <a:off x="504000" y="4059000"/>
-            <a:ext cx="9071280" cy="2090880"/>
+            <a:off x="504000" y="4058640"/>
+            <a:ext cx="9072000" cy="2090880"/>
           </a:xfrm>
           <a:prstGeom prst="rect">
             <a:avLst/>
@@ -1641,8 +1646,8 @@
         </p:nvSpPr>
         <p:spPr>
           <a:xfrm>
-            <a:off x="504000" y="-11160"/>
-            <a:ext cx="9071280" cy="1262160"/>
+            <a:off x="504000" y="301320"/>
+            <a:ext cx="9072000" cy="1261800"/>
           </a:xfrm>
           <a:prstGeom prst="rect">
             <a:avLst/>
@@ -1672,8 +1677,8 @@
         </p:nvSpPr>
         <p:spPr>
           <a:xfrm>
-            <a:off x="504000" y="1769040"/>
-            <a:ext cx="4426560" cy="2090880"/>
+            <a:off x="504000" y="1768680"/>
+            <a:ext cx="4426920" cy="2090880"/>
           </a:xfrm>
           <a:prstGeom prst="rect">
             <a:avLst/>
@@ -1702,8 +1707,8 @@
         </p:nvSpPr>
         <p:spPr>
           <a:xfrm>
-            <a:off x="5152320" y="1769040"/>
-            <a:ext cx="4426560" cy="2090880"/>
+            <a:off x="5152680" y="1768680"/>
+            <a:ext cx="4426920" cy="2090880"/>
           </a:xfrm>
           <a:prstGeom prst="rect">
             <a:avLst/>
@@ -1732,8 +1737,8 @@
         </p:nvSpPr>
         <p:spPr>
           <a:xfrm>
-            <a:off x="504000" y="4059000"/>
-            <a:ext cx="4426560" cy="2090880"/>
+            <a:off x="504000" y="4058640"/>
+            <a:ext cx="4426920" cy="2090880"/>
           </a:xfrm>
           <a:prstGeom prst="rect">
             <a:avLst/>
@@ -1762,8 +1767,8 @@
         </p:nvSpPr>
         <p:spPr>
           <a:xfrm>
-            <a:off x="5152320" y="4059000"/>
-            <a:ext cx="4426560" cy="2090880"/>
+            <a:off x="5152680" y="4058640"/>
+            <a:ext cx="4426920" cy="2090880"/>
           </a:xfrm>
           <a:prstGeom prst="rect">
             <a:avLst/>
@@ -1814,8 +1819,8 @@
         </p:nvSpPr>
         <p:spPr>
           <a:xfrm>
-            <a:off x="504000" y="-11160"/>
-            <a:ext cx="9071280" cy="1262160"/>
+            <a:off x="504000" y="301320"/>
+            <a:ext cx="9072000" cy="1261800"/>
           </a:xfrm>
           <a:prstGeom prst="rect">
             <a:avLst/>
@@ -1845,8 +1850,8 @@
         </p:nvSpPr>
         <p:spPr>
           <a:xfrm>
-            <a:off x="504000" y="1769040"/>
-            <a:ext cx="2920680" cy="2090880"/>
+            <a:off x="504000" y="1768680"/>
+            <a:ext cx="2921040" cy="2090880"/>
           </a:xfrm>
           <a:prstGeom prst="rect">
             <a:avLst/>
@@ -1875,8 +1880,8 @@
         </p:nvSpPr>
         <p:spPr>
           <a:xfrm>
-            <a:off x="3571200" y="1769040"/>
-            <a:ext cx="2920680" cy="2090880"/>
+            <a:off x="3571560" y="1768680"/>
+            <a:ext cx="2921040" cy="2090880"/>
           </a:xfrm>
           <a:prstGeom prst="rect">
             <a:avLst/>
@@ -1905,8 +1910,8 @@
         </p:nvSpPr>
         <p:spPr>
           <a:xfrm>
-            <a:off x="6638040" y="1769040"/>
-            <a:ext cx="2920680" cy="2090880"/>
+            <a:off x="6639120" y="1768680"/>
+            <a:ext cx="2921040" cy="2090880"/>
           </a:xfrm>
           <a:prstGeom prst="rect">
             <a:avLst/>
@@ -1935,8 +1940,8 @@
         </p:nvSpPr>
         <p:spPr>
           <a:xfrm>
-            <a:off x="504000" y="4059000"/>
-            <a:ext cx="2920680" cy="2090880"/>
+            <a:off x="504000" y="4058640"/>
+            <a:ext cx="2921040" cy="2090880"/>
           </a:xfrm>
           <a:prstGeom prst="rect">
             <a:avLst/>
@@ -1965,8 +1970,8 @@
         </p:nvSpPr>
         <p:spPr>
           <a:xfrm>
-            <a:off x="3571200" y="4059000"/>
-            <a:ext cx="2920680" cy="2090880"/>
+            <a:off x="3571560" y="4058640"/>
+            <a:ext cx="2921040" cy="2090880"/>
           </a:xfrm>
           <a:prstGeom prst="rect">
             <a:avLst/>
@@ -1995,8 +2000,8 @@
         </p:nvSpPr>
         <p:spPr>
           <a:xfrm>
-            <a:off x="6638040" y="4059000"/>
-            <a:ext cx="2920680" cy="2090880"/>
+            <a:off x="6639120" y="4058640"/>
+            <a:ext cx="2921040" cy="2090880"/>
           </a:xfrm>
           <a:prstGeom prst="rect">
             <a:avLst/>
@@ -2069,8 +2074,8 @@
         </p:nvSpPr>
         <p:spPr>
           <a:xfrm>
-            <a:off x="504000" y="-11160"/>
-            <a:ext cx="9071280" cy="1262160"/>
+            <a:off x="504000" y="301320"/>
+            <a:ext cx="9072000" cy="1261800"/>
           </a:xfrm>
           <a:prstGeom prst="rect">
             <a:avLst/>
@@ -2100,8 +2105,8 @@
         </p:nvSpPr>
         <p:spPr>
           <a:xfrm>
-            <a:off x="504000" y="1769040"/>
-            <a:ext cx="9071280" cy="4384080"/>
+            <a:off x="504000" y="1768680"/>
+            <a:ext cx="9072000" cy="4384080"/>
           </a:xfrm>
           <a:prstGeom prst="rect">
             <a:avLst/>
@@ -2153,8 +2158,8 @@
         </p:nvSpPr>
         <p:spPr>
           <a:xfrm>
-            <a:off x="504000" y="-11160"/>
-            <a:ext cx="9071280" cy="1262160"/>
+            <a:off x="504000" y="301320"/>
+            <a:ext cx="9072000" cy="1261800"/>
           </a:xfrm>
           <a:prstGeom prst="rect">
             <a:avLst/>
@@ -2184,8 +2189,8 @@
         </p:nvSpPr>
         <p:spPr>
           <a:xfrm>
-            <a:off x="504000" y="1769040"/>
-            <a:ext cx="9071280" cy="4384080"/>
+            <a:off x="504000" y="1768680"/>
+            <a:ext cx="9072000" cy="4384080"/>
           </a:xfrm>
           <a:prstGeom prst="rect">
             <a:avLst/>
@@ -2236,8 +2241,8 @@
         </p:nvSpPr>
         <p:spPr>
           <a:xfrm>
-            <a:off x="504000" y="-11160"/>
-            <a:ext cx="9071280" cy="1262160"/>
+            <a:off x="504000" y="301320"/>
+            <a:ext cx="9072000" cy="1261800"/>
           </a:xfrm>
           <a:prstGeom prst="rect">
             <a:avLst/>
@@ -2267,8 +2272,8 @@
         </p:nvSpPr>
         <p:spPr>
           <a:xfrm>
-            <a:off x="504000" y="1769040"/>
-            <a:ext cx="4426560" cy="4384080"/>
+            <a:off x="504000" y="1768680"/>
+            <a:ext cx="4426920" cy="4384080"/>
           </a:xfrm>
           <a:prstGeom prst="rect">
             <a:avLst/>
@@ -2297,8 +2302,8 @@
         </p:nvSpPr>
         <p:spPr>
           <a:xfrm>
-            <a:off x="5152320" y="1769040"/>
-            <a:ext cx="4426560" cy="4384080"/>
+            <a:off x="5152680" y="1768680"/>
+            <a:ext cx="4426920" cy="4384080"/>
           </a:xfrm>
           <a:prstGeom prst="rect">
             <a:avLst/>
@@ -2349,8 +2354,8 @@
         </p:nvSpPr>
         <p:spPr>
           <a:xfrm>
-            <a:off x="504000" y="-11160"/>
-            <a:ext cx="9071280" cy="1262160"/>
+            <a:off x="504000" y="301320"/>
+            <a:ext cx="9072000" cy="1261800"/>
           </a:xfrm>
           <a:prstGeom prst="rect">
             <a:avLst/>
@@ -2402,8 +2407,8 @@
         </p:nvSpPr>
         <p:spPr>
           <a:xfrm>
-            <a:off x="504000" y="-11160"/>
-            <a:ext cx="9071280" cy="1262160"/>
+            <a:off x="504000" y="301320"/>
+            <a:ext cx="9072000" cy="1261800"/>
           </a:xfrm>
           <a:prstGeom prst="rect">
             <a:avLst/>
@@ -2433,8 +2438,8 @@
         </p:nvSpPr>
         <p:spPr>
           <a:xfrm>
-            <a:off x="504000" y="1769040"/>
-            <a:ext cx="9071280" cy="4384080"/>
+            <a:off x="504000" y="1768680"/>
+            <a:ext cx="9072000" cy="4384080"/>
           </a:xfrm>
           <a:prstGeom prst="rect">
             <a:avLst/>
@@ -2485,8 +2490,8 @@
         </p:nvSpPr>
         <p:spPr>
           <a:xfrm>
-            <a:off x="504000" y="-11160"/>
-            <a:ext cx="9071280" cy="5851800"/>
+            <a:off x="504000" y="301320"/>
+            <a:ext cx="9072000" cy="5850360"/>
           </a:xfrm>
           <a:prstGeom prst="rect">
             <a:avLst/>
@@ -2538,8 +2543,8 @@
         </p:nvSpPr>
         <p:spPr>
           <a:xfrm>
-            <a:off x="504000" y="-11160"/>
-            <a:ext cx="9071280" cy="1262160"/>
+            <a:off x="504000" y="301320"/>
+            <a:ext cx="9072000" cy="1261800"/>
           </a:xfrm>
           <a:prstGeom prst="rect">
             <a:avLst/>
@@ -2569,8 +2574,8 @@
         </p:nvSpPr>
         <p:spPr>
           <a:xfrm>
-            <a:off x="504000" y="1769040"/>
-            <a:ext cx="4426560" cy="2090880"/>
+            <a:off x="504000" y="1768680"/>
+            <a:ext cx="4426920" cy="2090880"/>
           </a:xfrm>
           <a:prstGeom prst="rect">
             <a:avLst/>
@@ -2599,8 +2604,8 @@
         </p:nvSpPr>
         <p:spPr>
           <a:xfrm>
-            <a:off x="5152320" y="1769040"/>
-            <a:ext cx="4426560" cy="4384080"/>
+            <a:off x="5152680" y="1768680"/>
+            <a:ext cx="4426920" cy="4384080"/>
           </a:xfrm>
           <a:prstGeom prst="rect">
             <a:avLst/>
@@ -2629,8 +2634,8 @@
         </p:nvSpPr>
         <p:spPr>
           <a:xfrm>
-            <a:off x="504000" y="4059000"/>
-            <a:ext cx="4426560" cy="2090880"/>
+            <a:off x="504000" y="4058640"/>
+            <a:ext cx="4426920" cy="2090880"/>
           </a:xfrm>
           <a:prstGeom prst="rect">
             <a:avLst/>
@@ -2681,8 +2686,8 @@
         </p:nvSpPr>
         <p:spPr>
           <a:xfrm>
-            <a:off x="504000" y="-11160"/>
-            <a:ext cx="9071280" cy="1262160"/>
+            <a:off x="504000" y="301320"/>
+            <a:ext cx="9072000" cy="1261800"/>
           </a:xfrm>
           <a:prstGeom prst="rect">
             <a:avLst/>
@@ -2712,8 +2717,8 @@
         </p:nvSpPr>
         <p:spPr>
           <a:xfrm>
-            <a:off x="504000" y="1769040"/>
-            <a:ext cx="4426560" cy="4384080"/>
+            <a:off x="504000" y="1768680"/>
+            <a:ext cx="4426920" cy="4384080"/>
           </a:xfrm>
           <a:prstGeom prst="rect">
             <a:avLst/>
@@ -2742,8 +2747,8 @@
         </p:nvSpPr>
         <p:spPr>
           <a:xfrm>
-            <a:off x="5152320" y="1769040"/>
-            <a:ext cx="4426560" cy="2090880"/>
+            <a:off x="5152680" y="1768680"/>
+            <a:ext cx="4426920" cy="2090880"/>
           </a:xfrm>
           <a:prstGeom prst="rect">
             <a:avLst/>
@@ -2772,8 +2777,8 @@
         </p:nvSpPr>
         <p:spPr>
           <a:xfrm>
-            <a:off x="5152320" y="4059000"/>
-            <a:ext cx="4426560" cy="2090880"/>
+            <a:off x="5152680" y="4058640"/>
+            <a:ext cx="4426920" cy="2090880"/>
           </a:xfrm>
           <a:prstGeom prst="rect">
             <a:avLst/>
@@ -2824,8 +2829,8 @@
         </p:nvSpPr>
         <p:spPr>
           <a:xfrm>
-            <a:off x="504000" y="-11160"/>
-            <a:ext cx="9071280" cy="1262160"/>
+            <a:off x="504000" y="301320"/>
+            <a:ext cx="9072000" cy="1261800"/>
           </a:xfrm>
           <a:prstGeom prst="rect">
             <a:avLst/>
@@ -2855,8 +2860,8 @@
         </p:nvSpPr>
         <p:spPr>
           <a:xfrm>
-            <a:off x="504000" y="1769040"/>
-            <a:ext cx="4426560" cy="2090880"/>
+            <a:off x="504000" y="1768680"/>
+            <a:ext cx="4426920" cy="2090880"/>
           </a:xfrm>
           <a:prstGeom prst="rect">
             <a:avLst/>
@@ -2885,8 +2890,8 @@
         </p:nvSpPr>
         <p:spPr>
           <a:xfrm>
-            <a:off x="5152320" y="1769040"/>
-            <a:ext cx="4426560" cy="2090880"/>
+            <a:off x="5152680" y="1768680"/>
+            <a:ext cx="4426920" cy="2090880"/>
           </a:xfrm>
           <a:prstGeom prst="rect">
             <a:avLst/>
@@ -2915,8 +2920,8 @@
         </p:nvSpPr>
         <p:spPr>
           <a:xfrm>
-            <a:off x="504000" y="4059000"/>
-            <a:ext cx="9071280" cy="2090880"/>
+            <a:off x="504000" y="4058640"/>
+            <a:ext cx="9072000" cy="2090880"/>
           </a:xfrm>
           <a:prstGeom prst="rect">
             <a:avLst/>
@@ -2967,8 +2972,8 @@
         </p:nvSpPr>
         <p:spPr>
           <a:xfrm>
-            <a:off x="504000" y="-11160"/>
-            <a:ext cx="9071280" cy="1262160"/>
+            <a:off x="504000" y="301320"/>
+            <a:ext cx="9072000" cy="1261800"/>
           </a:xfrm>
           <a:prstGeom prst="rect">
             <a:avLst/>
@@ -2998,8 +3003,8 @@
         </p:nvSpPr>
         <p:spPr>
           <a:xfrm>
-            <a:off x="504000" y="1769040"/>
-            <a:ext cx="9071280" cy="2090880"/>
+            <a:off x="504000" y="1768680"/>
+            <a:ext cx="9072000" cy="2090880"/>
           </a:xfrm>
           <a:prstGeom prst="rect">
             <a:avLst/>
@@ -3028,8 +3033,8 @@
         </p:nvSpPr>
         <p:spPr>
           <a:xfrm>
-            <a:off x="504000" y="4059000"/>
-            <a:ext cx="9071280" cy="2090880"/>
+            <a:off x="504000" y="4058640"/>
+            <a:ext cx="9072000" cy="2090880"/>
           </a:xfrm>
           <a:prstGeom prst="rect">
             <a:avLst/>
@@ -3080,8 +3085,8 @@
         </p:nvSpPr>
         <p:spPr>
           <a:xfrm>
-            <a:off x="504000" y="-11160"/>
-            <a:ext cx="9071280" cy="1262160"/>
+            <a:off x="504000" y="301320"/>
+            <a:ext cx="9072000" cy="1261800"/>
           </a:xfrm>
           <a:prstGeom prst="rect">
             <a:avLst/>
@@ -3111,8 +3116,8 @@
         </p:nvSpPr>
         <p:spPr>
           <a:xfrm>
-            <a:off x="504000" y="1769040"/>
-            <a:ext cx="4426560" cy="2090880"/>
+            <a:off x="504000" y="1768680"/>
+            <a:ext cx="4426920" cy="2090880"/>
           </a:xfrm>
           <a:prstGeom prst="rect">
             <a:avLst/>
@@ -3141,8 +3146,8 @@
         </p:nvSpPr>
         <p:spPr>
           <a:xfrm>
-            <a:off x="5152320" y="1769040"/>
-            <a:ext cx="4426560" cy="2090880"/>
+            <a:off x="5152680" y="1768680"/>
+            <a:ext cx="4426920" cy="2090880"/>
           </a:xfrm>
           <a:prstGeom prst="rect">
             <a:avLst/>
@@ -3171,8 +3176,8 @@
         </p:nvSpPr>
         <p:spPr>
           <a:xfrm>
-            <a:off x="504000" y="4059000"/>
-            <a:ext cx="4426560" cy="2090880"/>
+            <a:off x="504000" y="4058640"/>
+            <a:ext cx="4426920" cy="2090880"/>
           </a:xfrm>
           <a:prstGeom prst="rect">
             <a:avLst/>
@@ -3201,8 +3206,8 @@
         </p:nvSpPr>
         <p:spPr>
           <a:xfrm>
-            <a:off x="5152320" y="4059000"/>
-            <a:ext cx="4426560" cy="2090880"/>
+            <a:off x="5152680" y="4058640"/>
+            <a:ext cx="4426920" cy="2090880"/>
           </a:xfrm>
           <a:prstGeom prst="rect">
             <a:avLst/>
@@ -3253,8 +3258,8 @@
         </p:nvSpPr>
         <p:spPr>
           <a:xfrm>
-            <a:off x="504000" y="-11160"/>
-            <a:ext cx="9071280" cy="1262160"/>
+            <a:off x="504000" y="301320"/>
+            <a:ext cx="9072000" cy="1261800"/>
           </a:xfrm>
           <a:prstGeom prst="rect">
             <a:avLst/>
@@ -3284,8 +3289,8 @@
         </p:nvSpPr>
         <p:spPr>
           <a:xfrm>
-            <a:off x="504000" y="1769040"/>
-            <a:ext cx="2920680" cy="2090880"/>
+            <a:off x="504000" y="1768680"/>
+            <a:ext cx="2921040" cy="2090880"/>
           </a:xfrm>
           <a:prstGeom prst="rect">
             <a:avLst/>
@@ -3314,8 +3319,8 @@
         </p:nvSpPr>
         <p:spPr>
           <a:xfrm>
-            <a:off x="3571200" y="1769040"/>
-            <a:ext cx="2920680" cy="2090880"/>
+            <a:off x="3571560" y="1768680"/>
+            <a:ext cx="2921040" cy="2090880"/>
           </a:xfrm>
           <a:prstGeom prst="rect">
             <a:avLst/>
@@ -3344,8 +3349,8 @@
         </p:nvSpPr>
         <p:spPr>
           <a:xfrm>
-            <a:off x="6638040" y="1769040"/>
-            <a:ext cx="2920680" cy="2090880"/>
+            <a:off x="6639120" y="1768680"/>
+            <a:ext cx="2921040" cy="2090880"/>
           </a:xfrm>
           <a:prstGeom prst="rect">
             <a:avLst/>
@@ -3374,8 +3379,8 @@
         </p:nvSpPr>
         <p:spPr>
           <a:xfrm>
-            <a:off x="504000" y="4059000"/>
-            <a:ext cx="2920680" cy="2090880"/>
+            <a:off x="504000" y="4058640"/>
+            <a:ext cx="2921040" cy="2090880"/>
           </a:xfrm>
           <a:prstGeom prst="rect">
             <a:avLst/>
@@ -3404,8 +3409,8 @@
         </p:nvSpPr>
         <p:spPr>
           <a:xfrm>
-            <a:off x="3571200" y="4059000"/>
-            <a:ext cx="2920680" cy="2090880"/>
+            <a:off x="3571560" y="4058640"/>
+            <a:ext cx="2921040" cy="2090880"/>
           </a:xfrm>
           <a:prstGeom prst="rect">
             <a:avLst/>
@@ -3434,8 +3439,8 @@
         </p:nvSpPr>
         <p:spPr>
           <a:xfrm>
-            <a:off x="6638040" y="4059000"/>
-            <a:ext cx="2920680" cy="2090880"/>
+            <a:off x="6639120" y="4058640"/>
+            <a:ext cx="2921040" cy="2090880"/>
           </a:xfrm>
           <a:prstGeom prst="rect">
             <a:avLst/>
@@ -3486,8 +3491,8 @@
         </p:nvSpPr>
         <p:spPr>
           <a:xfrm>
-            <a:off x="504000" y="-11160"/>
-            <a:ext cx="9071280" cy="1262160"/>
+            <a:off x="504000" y="301320"/>
+            <a:ext cx="9072000" cy="1261800"/>
           </a:xfrm>
           <a:prstGeom prst="rect">
             <a:avLst/>
@@ -3517,8 +3522,8 @@
         </p:nvSpPr>
         <p:spPr>
           <a:xfrm>
-            <a:off x="504000" y="1769040"/>
-            <a:ext cx="4426560" cy="4384080"/>
+            <a:off x="504000" y="1768680"/>
+            <a:ext cx="4426920" cy="4384080"/>
           </a:xfrm>
           <a:prstGeom prst="rect">
             <a:avLst/>
@@ -3547,8 +3552,8 @@
         </p:nvSpPr>
         <p:spPr>
           <a:xfrm>
-            <a:off x="5152320" y="1769040"/>
-            <a:ext cx="4426560" cy="4384080"/>
+            <a:off x="5152680" y="1768680"/>
+            <a:ext cx="4426920" cy="4384080"/>
           </a:xfrm>
           <a:prstGeom prst="rect">
             <a:avLst/>
@@ -3599,8 +3604,8 @@
         </p:nvSpPr>
         <p:spPr>
           <a:xfrm>
-            <a:off x="504000" y="-11160"/>
-            <a:ext cx="9071280" cy="1262160"/>
+            <a:off x="504000" y="301320"/>
+            <a:ext cx="9072000" cy="1261800"/>
           </a:xfrm>
           <a:prstGeom prst="rect">
             <a:avLst/>
@@ -3652,8 +3657,8 @@
         </p:nvSpPr>
         <p:spPr>
           <a:xfrm>
-            <a:off x="504000" y="-11160"/>
-            <a:ext cx="9071280" cy="5851800"/>
+            <a:off x="504000" y="301320"/>
+            <a:ext cx="9072000" cy="5850360"/>
           </a:xfrm>
           <a:prstGeom prst="rect">
             <a:avLst/>
@@ -3705,8 +3710,8 @@
         </p:nvSpPr>
         <p:spPr>
           <a:xfrm>
-            <a:off x="504000" y="-11160"/>
-            <a:ext cx="9071280" cy="1262160"/>
+            <a:off x="504000" y="301320"/>
+            <a:ext cx="9072000" cy="1261800"/>
           </a:xfrm>
           <a:prstGeom prst="rect">
             <a:avLst/>
@@ -3736,8 +3741,8 @@
         </p:nvSpPr>
         <p:spPr>
           <a:xfrm>
-            <a:off x="504000" y="1769040"/>
-            <a:ext cx="4426560" cy="2090880"/>
+            <a:off x="504000" y="1768680"/>
+            <a:ext cx="4426920" cy="2090880"/>
           </a:xfrm>
           <a:prstGeom prst="rect">
             <a:avLst/>
@@ -3766,8 +3771,8 @@
         </p:nvSpPr>
         <p:spPr>
           <a:xfrm>
-            <a:off x="5152320" y="1769040"/>
-            <a:ext cx="4426560" cy="4384080"/>
+            <a:off x="5152680" y="1768680"/>
+            <a:ext cx="4426920" cy="4384080"/>
           </a:xfrm>
           <a:prstGeom prst="rect">
             <a:avLst/>
@@ -3796,8 +3801,8 @@
         </p:nvSpPr>
         <p:spPr>
           <a:xfrm>
-            <a:off x="504000" y="4059000"/>
-            <a:ext cx="4426560" cy="2090880"/>
+            <a:off x="504000" y="4058640"/>
+            <a:ext cx="4426920" cy="2090880"/>
           </a:xfrm>
           <a:prstGeom prst="rect">
             <a:avLst/>
@@ -3848,8 +3853,8 @@
         </p:nvSpPr>
         <p:spPr>
           <a:xfrm>
-            <a:off x="504000" y="-11160"/>
-            <a:ext cx="9071280" cy="1262160"/>
+            <a:off x="504000" y="301320"/>
+            <a:ext cx="9072000" cy="1261800"/>
           </a:xfrm>
           <a:prstGeom prst="rect">
             <a:avLst/>
@@ -3879,8 +3884,8 @@
         </p:nvSpPr>
         <p:spPr>
           <a:xfrm>
-            <a:off x="504000" y="1769040"/>
-            <a:ext cx="4426560" cy="4384080"/>
+            <a:off x="504000" y="1768680"/>
+            <a:ext cx="4426920" cy="4384080"/>
           </a:xfrm>
           <a:prstGeom prst="rect">
             <a:avLst/>
@@ -3909,8 +3914,8 @@
         </p:nvSpPr>
         <p:spPr>
           <a:xfrm>
-            <a:off x="5152320" y="1769040"/>
-            <a:ext cx="4426560" cy="2090880"/>
+            <a:off x="5152680" y="1768680"/>
+            <a:ext cx="4426920" cy="2090880"/>
           </a:xfrm>
           <a:prstGeom prst="rect">
             <a:avLst/>
@@ -3939,8 +3944,8 @@
         </p:nvSpPr>
         <p:spPr>
           <a:xfrm>
-            <a:off x="5152320" y="4059000"/>
-            <a:ext cx="4426560" cy="2090880"/>
+            <a:off x="5152680" y="4058640"/>
+            <a:ext cx="4426920" cy="2090880"/>
           </a:xfrm>
           <a:prstGeom prst="rect">
             <a:avLst/>
@@ -3991,8 +3996,8 @@
         </p:nvSpPr>
         <p:spPr>
           <a:xfrm>
-            <a:off x="504000" y="-11160"/>
-            <a:ext cx="9071280" cy="1262160"/>
+            <a:off x="504000" y="301320"/>
+            <a:ext cx="9072000" cy="1261800"/>
           </a:xfrm>
           <a:prstGeom prst="rect">
             <a:avLst/>
@@ -4022,8 +4027,8 @@
         </p:nvSpPr>
         <p:spPr>
           <a:xfrm>
-            <a:off x="504000" y="1769040"/>
-            <a:ext cx="4426560" cy="2090880"/>
+            <a:off x="504000" y="1768680"/>
+            <a:ext cx="4426920" cy="2090880"/>
           </a:xfrm>
           <a:prstGeom prst="rect">
             <a:avLst/>
@@ -4052,8 +4057,8 @@
         </p:nvSpPr>
         <p:spPr>
           <a:xfrm>
-            <a:off x="5152320" y="1769040"/>
-            <a:ext cx="4426560" cy="2090880"/>
+            <a:off x="5152680" y="1768680"/>
+            <a:ext cx="4426920" cy="2090880"/>
           </a:xfrm>
           <a:prstGeom prst="rect">
             <a:avLst/>
@@ -4082,8 +4087,8 @@
         </p:nvSpPr>
         <p:spPr>
           <a:xfrm>
-            <a:off x="504000" y="4059000"/>
-            <a:ext cx="9071280" cy="2090880"/>
+            <a:off x="504000" y="4058640"/>
+            <a:ext cx="9072000" cy="2090880"/>
           </a:xfrm>
           <a:prstGeom prst="rect">
             <a:avLst/>
@@ -4135,7 +4140,7 @@
         <p:spPr>
           <a:xfrm>
             <a:off x="0" y="5806440"/>
-            <a:ext cx="10079280" cy="1753920"/>
+            <a:ext cx="10078920" cy="1753560"/>
           </a:xfrm>
           <a:prstGeom prst="rect">
             <a:avLst/>
@@ -4158,7 +4163,7 @@
         <p:spPr>
           <a:xfrm>
             <a:off x="504000" y="-11160"/>
-            <a:ext cx="9071280" cy="1262160"/>
+            <a:ext cx="9070920" cy="1262160"/>
           </a:xfrm>
           <a:prstGeom prst="rect">
             <a:avLst/>
@@ -4173,19 +4178,7 @@
               <a:rPr b="0" lang="en-US" sz="1800" spc="-1" strike="noStrike">
                 <a:latin typeface="Arial"/>
               </a:rPr>
-              <a:t>Click to edit </a:t>
-            </a:r>
-            <a:r>
-              <a:rPr b="0" lang="en-US" sz="1800" spc="-1" strike="noStrike">
-                <a:latin typeface="Arial"/>
-              </a:rPr>
-              <a:t>the title text </a:t>
-            </a:r>
-            <a:r>
-              <a:rPr b="0" lang="en-US" sz="1800" spc="-1" strike="noStrike">
-                <a:latin typeface="Arial"/>
-              </a:rPr>
-              <a:t>format</a:t>
+              <a:t>Click to edit the title text format</a:t>
             </a:r>
             <a:endParaRPr b="0" lang="en-US" sz="1800" spc="-1" strike="noStrike">
               <a:latin typeface="Arial"/>
@@ -4422,7 +4415,7 @@
         <p:spPr>
           <a:xfrm>
             <a:off x="0" y="5806440"/>
-            <a:ext cx="10079280" cy="1753920"/>
+            <a:ext cx="10078920" cy="1753560"/>
           </a:xfrm>
           <a:prstGeom prst="rect">
             <a:avLst/>
@@ -4461,7 +4454,49 @@
               <a:rPr b="0" lang="en-US" sz="4400" spc="-1" strike="noStrike">
                 <a:latin typeface="Arial"/>
               </a:rPr>
-              <a:t>Click to edit the title text format</a:t>
+              <a:t>Click </a:t>
+            </a:r>
+            <a:r>
+              <a:rPr b="0" lang="en-US" sz="4400" spc="-1" strike="noStrike">
+                <a:latin typeface="Arial"/>
+              </a:rPr>
+              <a:t>to </a:t>
+            </a:r>
+            <a:r>
+              <a:rPr b="0" lang="en-US" sz="4400" spc="-1" strike="noStrike">
+                <a:latin typeface="Arial"/>
+              </a:rPr>
+              <a:t>edit </a:t>
+            </a:r>
+            <a:r>
+              <a:rPr b="0" lang="en-US" sz="4400" spc="-1" strike="noStrike">
+                <a:latin typeface="Arial"/>
+              </a:rPr>
+              <a:t>the </a:t>
+            </a:r>
+            <a:r>
+              <a:rPr b="0" lang="en-US" sz="4400" spc="-1" strike="noStrike">
+                <a:latin typeface="Arial"/>
+              </a:rPr>
+              <a:t>title </a:t>
+            </a:r>
+            <a:r>
+              <a:rPr b="0" lang="en-US" sz="4400" spc="-1" strike="noStrike">
+                <a:latin typeface="Arial"/>
+              </a:rPr>
+              <a:t>text </a:t>
+            </a:r>
+            <a:r>
+              <a:rPr b="0" lang="en-US" sz="4400" spc="-1" strike="noStrike">
+                <a:latin typeface="Arial"/>
+              </a:rPr>
+              <a:t>form</a:t>
+            </a:r>
+            <a:r>
+              <a:rPr b="0" lang="en-US" sz="4400" spc="-1" strike="noStrike">
+                <a:latin typeface="Arial"/>
+              </a:rPr>
+              <a:t>at</a:t>
             </a:r>
             <a:endParaRPr b="0" lang="en-US" sz="4400" spc="-1" strike="noStrike">
               <a:latin typeface="Arial"/>
@@ -4694,7 +4729,7 @@
         <p:spPr>
           <a:xfrm>
             <a:off x="0" y="0"/>
-            <a:ext cx="10076400" cy="941400"/>
+            <a:ext cx="10076040" cy="941040"/>
           </a:xfrm>
           <a:prstGeom prst="rect">
             <a:avLst/>
@@ -4730,7 +4765,7 @@
         <p:spPr>
           <a:xfrm>
             <a:off x="0" y="6620400"/>
-            <a:ext cx="10076400" cy="941400"/>
+            <a:ext cx="10076040" cy="941040"/>
           </a:xfrm>
           <a:prstGeom prst="rect">
             <a:avLst/>
@@ -4769,8 +4804,8 @@
         </p:nvSpPr>
         <p:spPr>
           <a:xfrm>
-            <a:off x="504000" y="-11160"/>
-            <a:ext cx="9071280" cy="1262160"/>
+            <a:off x="504000" y="301320"/>
+            <a:ext cx="9072000" cy="1261800"/>
           </a:xfrm>
           <a:prstGeom prst="rect">
             <a:avLst/>
@@ -4778,16 +4813,17 @@
         </p:spPr>
         <p:txBody>
           <a:bodyPr lIns="0" rIns="0" tIns="0" bIns="0" anchor="ctr">
-            <a:spAutoFit/>
-          </a:bodyPr>
-          <a:p>
-            <a:r>
-              <a:rPr b="0" lang="en-US" sz="1800" spc="-1" strike="noStrike">
+            <a:noAutofit/>
+          </a:bodyPr>
+          <a:p>
+            <a:pPr algn="ctr"/>
+            <a:r>
+              <a:rPr b="0" lang="en-US" sz="4400" spc="-1" strike="noStrike">
                 <a:latin typeface="Arial"/>
               </a:rPr>
               <a:t>Click to edit the title text format</a:t>
             </a:r>
-            <a:endParaRPr b="0" lang="en-US" sz="1800" spc="-1" strike="noStrike">
+            <a:endParaRPr b="0" lang="en-US" sz="4400" spc="-1" strike="noStrike">
               <a:latin typeface="Arial"/>
             </a:endParaRPr>
           </a:p>
@@ -4805,8 +4841,8 @@
         </p:nvSpPr>
         <p:spPr>
           <a:xfrm>
-            <a:off x="504000" y="1769040"/>
-            <a:ext cx="9071280" cy="4384080"/>
+            <a:off x="504000" y="1768680"/>
+            <a:ext cx="9072000" cy="4384080"/>
           </a:xfrm>
           <a:prstGeom prst="rect">
             <a:avLst/>
@@ -4814,7 +4850,7 @@
         </p:spPr>
         <p:txBody>
           <a:bodyPr lIns="0" rIns="0" tIns="0" bIns="0">
-            <a:noAutofit/>
+            <a:normAutofit/>
           </a:bodyPr>
           <a:p>
             <a:pPr marL="432000" indent="-324000">
@@ -4829,12 +4865,12 @@
               <a:buChar char=""/>
             </a:pPr>
             <a:r>
-              <a:rPr b="0" lang="en-US" sz="1800" spc="-1" strike="noStrike">
+              <a:rPr b="0" lang="en-US" sz="3200" spc="-1" strike="noStrike">
                 <a:latin typeface="Arial"/>
               </a:rPr>
               <a:t>Click to edit the outline text format</a:t>
             </a:r>
-            <a:endParaRPr b="0" lang="en-US" sz="1800" spc="-1" strike="noStrike">
+            <a:endParaRPr b="0" lang="en-US" sz="3200" spc="-1" strike="noStrike">
               <a:latin typeface="Arial"/>
             </a:endParaRPr>
           </a:p>
@@ -4851,12 +4887,12 @@
               <a:buChar char=""/>
             </a:pPr>
             <a:r>
-              <a:rPr b="0" lang="en-US" sz="1800" spc="-1" strike="noStrike">
+              <a:rPr b="0" lang="en-US" sz="2800" spc="-1" strike="noStrike">
                 <a:latin typeface="Arial"/>
               </a:rPr>
               <a:t>Second Outline Level</a:t>
             </a:r>
-            <a:endParaRPr b="0" lang="en-US" sz="1800" spc="-1" strike="noStrike">
+            <a:endParaRPr b="0" lang="en-US" sz="2800" spc="-1" strike="noStrike">
               <a:latin typeface="Arial"/>
             </a:endParaRPr>
           </a:p>
@@ -4873,12 +4909,12 @@
               <a:buChar char=""/>
             </a:pPr>
             <a:r>
-              <a:rPr b="0" lang="en-US" sz="1800" spc="-1" strike="noStrike">
+              <a:rPr b="0" lang="en-US" sz="2400" spc="-1" strike="noStrike">
                 <a:latin typeface="Arial"/>
               </a:rPr>
               <a:t>Third Outline Level</a:t>
             </a:r>
-            <a:endParaRPr b="0" lang="en-US" sz="1800" spc="-1" strike="noStrike">
+            <a:endParaRPr b="0" lang="en-US" sz="2400" spc="-1" strike="noStrike">
               <a:latin typeface="Arial"/>
             </a:endParaRPr>
           </a:p>
@@ -4895,12 +4931,12 @@
               <a:buChar char=""/>
             </a:pPr>
             <a:r>
-              <a:rPr b="0" lang="en-US" sz="1800" spc="-1" strike="noStrike">
+              <a:rPr b="0" lang="en-US" sz="2000" spc="-1" strike="noStrike">
                 <a:latin typeface="Arial"/>
               </a:rPr>
               <a:t>Fourth Outline Level</a:t>
             </a:r>
-            <a:endParaRPr b="0" lang="en-US" sz="1800" spc="-1" strike="noStrike">
+            <a:endParaRPr b="0" lang="en-US" sz="2000" spc="-1" strike="noStrike">
               <a:latin typeface="Arial"/>
             </a:endParaRPr>
           </a:p>
@@ -4917,12 +4953,12 @@
               <a:buChar char=""/>
             </a:pPr>
             <a:r>
-              <a:rPr b="0" lang="en-US" sz="1800" spc="-1" strike="noStrike">
+              <a:rPr b="0" lang="en-US" sz="2000" spc="-1" strike="noStrike">
                 <a:latin typeface="Arial"/>
               </a:rPr>
               <a:t>Fifth Outline Level</a:t>
             </a:r>
-            <a:endParaRPr b="0" lang="en-US" sz="1800" spc="-1" strike="noStrike">
+            <a:endParaRPr b="0" lang="en-US" sz="2000" spc="-1" strike="noStrike">
               <a:latin typeface="Arial"/>
             </a:endParaRPr>
           </a:p>
@@ -4939,12 +4975,12 @@
               <a:buChar char=""/>
             </a:pPr>
             <a:r>
-              <a:rPr b="0" lang="en-US" sz="1800" spc="-1" strike="noStrike">
+              <a:rPr b="0" lang="en-US" sz="2000" spc="-1" strike="noStrike">
                 <a:latin typeface="Arial"/>
               </a:rPr>
               <a:t>Sixth Outline Level</a:t>
             </a:r>
-            <a:endParaRPr b="0" lang="en-US" sz="1800" spc="-1" strike="noStrike">
+            <a:endParaRPr b="0" lang="en-US" sz="2000" spc="-1" strike="noStrike">
               <a:latin typeface="Arial"/>
             </a:endParaRPr>
           </a:p>
@@ -4961,12 +4997,12 @@
               <a:buChar char=""/>
             </a:pPr>
             <a:r>
-              <a:rPr b="0" lang="en-US" sz="1800" spc="-1" strike="noStrike">
+              <a:rPr b="0" lang="en-US" sz="2000" spc="-1" strike="noStrike">
                 <a:latin typeface="Arial"/>
               </a:rPr>
               <a:t>Seventh Outline Level</a:t>
             </a:r>
-            <a:endParaRPr b="0" lang="en-US" sz="1800" spc="-1" strike="noStrike">
+            <a:endParaRPr b="0" lang="en-US" sz="2000" spc="-1" strike="noStrike">
               <a:latin typeface="Arial"/>
             </a:endParaRPr>
           </a:p>
@@ -5018,7 +5054,7 @@
         <p:spPr>
           <a:xfrm>
             <a:off x="0" y="2636280"/>
-            <a:ext cx="9071280" cy="671040"/>
+            <a:ext cx="9070920" cy="670680"/>
           </a:xfrm>
           <a:prstGeom prst="rect">
             <a:avLst/>
@@ -5050,6 +5086,7 @@
                   <a:srgbClr val="006699"/>
                 </a:solidFill>
                 <a:latin typeface="Arial"/>
+                <a:ea typeface="DejaVu Sans"/>
               </a:rPr>
               <a:t>Beer and Brewery Analysis</a:t>
             </a:r>
@@ -5068,7 +5105,7 @@
         <p:spPr>
           <a:xfrm>
             <a:off x="2011680" y="4023360"/>
-            <a:ext cx="5486040" cy="363960"/>
+            <a:ext cx="5485680" cy="363960"/>
           </a:xfrm>
           <a:prstGeom prst="rect">
             <a:avLst/>
@@ -5096,19 +5133,31 @@
             </a:pPr>
             <a:r>
               <a:rPr b="0" lang="en-US" sz="1800" spc="-1" strike="noStrike">
-                <a:latin typeface="Arial"/>
+                <a:solidFill>
+                  <a:srgbClr val="000000"/>
+                </a:solidFill>
+                <a:latin typeface="Arial"/>
+                <a:ea typeface="DejaVu Sans"/>
               </a:rPr>
               <a:t>	</a:t>
             </a:r>
             <a:r>
               <a:rPr b="0" lang="en-US" sz="1800" spc="-1" strike="noStrike">
-                <a:latin typeface="Arial"/>
+                <a:solidFill>
+                  <a:srgbClr val="000000"/>
+                </a:solidFill>
+                <a:latin typeface="Arial"/>
+                <a:ea typeface="DejaVu Sans"/>
               </a:rPr>
               <a:t>     </a:t>
             </a:r>
             <a:r>
               <a:rPr b="0" lang="en-US" sz="1800" spc="-1" strike="noStrike">
-                <a:latin typeface="Arial"/>
+                <a:solidFill>
+                  <a:srgbClr val="000000"/>
+                </a:solidFill>
+                <a:latin typeface="Arial"/>
+                <a:ea typeface="DejaVu Sans"/>
               </a:rPr>
               <a:t>By Kevin Thompson and Stuart Miller</a:t>
             </a:r>
@@ -5184,7 +5233,7 @@
         <p:spPr>
           <a:xfrm>
             <a:off x="504000" y="285120"/>
-            <a:ext cx="9071280" cy="669600"/>
+            <a:ext cx="9070920" cy="669600"/>
           </a:xfrm>
           <a:prstGeom prst="rect">
             <a:avLst/>
@@ -5216,6 +5265,7 @@
                   <a:srgbClr val="ffffff"/>
                 </a:solidFill>
                 <a:latin typeface="Arial"/>
+                <a:ea typeface="DejaVu Sans"/>
               </a:rPr>
               <a:t>Exploratory Analysis</a:t>
             </a:r>
@@ -5234,7 +5284,7 @@
         <p:spPr>
           <a:xfrm>
             <a:off x="0" y="938880"/>
-            <a:ext cx="9966600" cy="5553000"/>
+            <a:ext cx="9966240" cy="5552640"/>
           </a:xfrm>
           <a:prstGeom prst="rect">
             <a:avLst/>
@@ -5269,6 +5319,7 @@
                   <a:srgbClr val="0066cc"/>
                 </a:solidFill>
                 <a:latin typeface="Arial"/>
+                <a:ea typeface="DejaVu Sans"/>
               </a:rPr>
               <a:t>	</a:t>
             </a:r>
@@ -5278,6 +5329,7 @@
                   <a:srgbClr val="0066cc"/>
                 </a:solidFill>
                 <a:latin typeface="Arial"/>
+                <a:ea typeface="DejaVu Sans"/>
               </a:rPr>
               <a:t>	</a:t>
             </a:r>
@@ -5300,6 +5352,7 @@
                   <a:srgbClr val="0066cc"/>
                 </a:solidFill>
                 <a:latin typeface="Arial"/>
+                <a:ea typeface="DejaVu Sans"/>
               </a:rPr>
               <a:t>	</a:t>
             </a:r>
@@ -5309,6 +5362,7 @@
                   <a:srgbClr val="0066cc"/>
                 </a:solidFill>
                 <a:latin typeface="Arial"/>
+                <a:ea typeface="DejaVu Sans"/>
               </a:rPr>
               <a:t>	</a:t>
             </a:r>
@@ -5318,6 +5372,7 @@
                   <a:srgbClr val="0066cc"/>
                 </a:solidFill>
                 <a:latin typeface="Arial"/>
+                <a:ea typeface="DejaVu Sans"/>
               </a:rPr>
               <a:t>Style By State</a:t>
             </a:r>
@@ -5379,7 +5434,7 @@
         <p:spPr>
           <a:xfrm>
             <a:off x="548640" y="1996200"/>
-            <a:ext cx="4206240" cy="3490200"/>
+            <a:ext cx="4205880" cy="3489840"/>
           </a:xfrm>
           <a:prstGeom prst="rect">
             <a:avLst/>
@@ -5402,7 +5457,7 @@
         <p:spPr>
           <a:xfrm>
             <a:off x="5486400" y="2051280"/>
-            <a:ext cx="4044600" cy="3343680"/>
+            <a:ext cx="4044240" cy="3343320"/>
           </a:xfrm>
           <a:prstGeom prst="rect">
             <a:avLst/>
@@ -5478,7 +5533,7 @@
         <p:spPr>
           <a:xfrm>
             <a:off x="504000" y="285120"/>
-            <a:ext cx="9071280" cy="669600"/>
+            <a:ext cx="9070920" cy="669600"/>
           </a:xfrm>
           <a:prstGeom prst="rect">
             <a:avLst/>
@@ -5510,6 +5565,7 @@
                   <a:srgbClr val="ffffff"/>
                 </a:solidFill>
                 <a:latin typeface="Arial"/>
+                <a:ea typeface="DejaVu Sans"/>
               </a:rPr>
               <a:t>Exploratory Analysis</a:t>
             </a:r>
@@ -5528,7 +5584,7 @@
         <p:spPr>
           <a:xfrm>
             <a:off x="0" y="938880"/>
-            <a:ext cx="9966600" cy="5553000"/>
+            <a:ext cx="9966240" cy="5552640"/>
           </a:xfrm>
           <a:prstGeom prst="rect">
             <a:avLst/>
@@ -5563,6 +5619,7 @@
                   <a:srgbClr val="0066cc"/>
                 </a:solidFill>
                 <a:latin typeface="Arial"/>
+                <a:ea typeface="DejaVu Sans"/>
               </a:rPr>
               <a:t>	</a:t>
             </a:r>
@@ -5572,6 +5629,7 @@
                   <a:srgbClr val="0066cc"/>
                 </a:solidFill>
                 <a:latin typeface="Arial"/>
+                <a:ea typeface="DejaVu Sans"/>
               </a:rPr>
               <a:t>	</a:t>
             </a:r>
@@ -5594,6 +5652,7 @@
                   <a:srgbClr val="0066cc"/>
                 </a:solidFill>
                 <a:latin typeface="Arial"/>
+                <a:ea typeface="DejaVu Sans"/>
               </a:rPr>
               <a:t>	</a:t>
             </a:r>
@@ -5603,6 +5662,7 @@
                   <a:srgbClr val="0066cc"/>
                 </a:solidFill>
                 <a:latin typeface="Arial"/>
+                <a:ea typeface="DejaVu Sans"/>
               </a:rPr>
               <a:t>	</a:t>
             </a:r>
@@ -5612,6 +5672,7 @@
                   <a:srgbClr val="0066cc"/>
                 </a:solidFill>
                 <a:latin typeface="Arial"/>
+                <a:ea typeface="DejaVu Sans"/>
               </a:rPr>
               <a:t>Style By State</a:t>
             </a:r>
@@ -5673,7 +5734,7 @@
         <p:spPr>
           <a:xfrm>
             <a:off x="548640" y="1996200"/>
-            <a:ext cx="4206240" cy="3490200"/>
+            <a:ext cx="4205880" cy="3489840"/>
           </a:xfrm>
           <a:prstGeom prst="rect">
             <a:avLst/>
@@ -5696,7 +5757,7 @@
         <p:spPr>
           <a:xfrm>
             <a:off x="5486400" y="2051280"/>
-            <a:ext cx="4044600" cy="3343680"/>
+            <a:ext cx="4044240" cy="3343320"/>
           </a:xfrm>
           <a:prstGeom prst="rect">
             <a:avLst/>
@@ -5708,14 +5769,14 @@
       </p:pic>
       <p:sp>
         <p:nvSpPr>
-          <p:cNvPr id="138" name="TextShape 3"/>
-          <p:cNvSpPr txBox="1"/>
+          <p:cNvPr id="138" name="CustomShape 3"/>
+          <p:cNvSpPr/>
           <p:nvPr/>
         </p:nvSpPr>
         <p:spPr>
           <a:xfrm>
             <a:off x="1097280" y="5669280"/>
-            <a:ext cx="7040880" cy="346320"/>
+            <a:ext cx="7040520" cy="363960"/>
           </a:xfrm>
           <a:prstGeom prst="rect">
             <a:avLst/>
@@ -5725,11 +5786,22 @@
             <a:noFill/>
           </a:ln>
         </p:spPr>
+        <p:style>
+          <a:lnRef idx="0"/>
+          <a:fillRef idx="0"/>
+          <a:effectRef idx="0"/>
+          <a:fontRef idx="minor"/>
+        </p:style>
         <p:txBody>
           <a:bodyPr lIns="90000" rIns="90000" tIns="45000" bIns="45000">
             <a:spAutoFit/>
           </a:bodyPr>
           <a:p>
+            <a:pPr>
+              <a:lnSpc>
+                <a:spcPct val="100000"/>
+              </a:lnSpc>
+            </a:pPr>
             <a:r>
               <a:rPr b="0" lang="en-US" sz="1800" spc="-1" strike="noStrike">
                 <a:latin typeface="Arial"/>
@@ -5808,7 +5880,7 @@
         <p:spPr>
           <a:xfrm>
             <a:off x="504000" y="285120"/>
-            <a:ext cx="9071280" cy="669600"/>
+            <a:ext cx="9070920" cy="669600"/>
           </a:xfrm>
           <a:prstGeom prst="rect">
             <a:avLst/>
@@ -5840,6 +5912,7 @@
                   <a:srgbClr val="ffffff"/>
                 </a:solidFill>
                 <a:latin typeface="Arial"/>
+                <a:ea typeface="DejaVu Sans"/>
               </a:rPr>
               <a:t>Exploratory Analysis</a:t>
             </a:r>
@@ -5858,7 +5931,7 @@
         <p:spPr>
           <a:xfrm>
             <a:off x="0" y="938880"/>
-            <a:ext cx="9966600" cy="5553000"/>
+            <a:ext cx="9966240" cy="5552640"/>
           </a:xfrm>
           <a:prstGeom prst="rect">
             <a:avLst/>
@@ -5879,7 +5952,7 @@
             <a:noAutofit/>
           </a:bodyPr>
           <a:p>
-            <a:pPr marL="432000" indent="-323640">
+            <a:pPr marL="432000" indent="-323280">
               <a:lnSpc>
                 <a:spcPct val="100000"/>
               </a:lnSpc>
@@ -5899,6 +5972,7 @@
                   <a:srgbClr val="0066cc"/>
                 </a:solidFill>
                 <a:latin typeface="Arial"/>
+                <a:ea typeface="DejaVu Sans"/>
               </a:rPr>
               <a:t>Ounces And Style</a:t>
             </a:r>
@@ -5921,7 +5995,7 @@
         <p:spPr>
           <a:xfrm>
             <a:off x="1119600" y="1316160"/>
-            <a:ext cx="7749720" cy="5267520"/>
+            <a:ext cx="7749360" cy="5267160"/>
           </a:xfrm>
           <a:prstGeom prst="rect">
             <a:avLst/>
@@ -5996,8 +6070,8 @@
         </p:nvSpPr>
         <p:spPr>
           <a:xfrm>
-            <a:off x="504000" y="285120"/>
-            <a:ext cx="9071280" cy="669600"/>
+            <a:off x="504000" y="314640"/>
+            <a:ext cx="9070920" cy="610200"/>
           </a:xfrm>
           <a:prstGeom prst="rect">
             <a:avLst/>
@@ -6024,15 +6098,16 @@
               </a:lnSpc>
             </a:pPr>
             <a:r>
-              <a:rPr b="0" lang="en-US" sz="4400" spc="-1" strike="noStrike">
+              <a:rPr b="0" lang="en-US" sz="4000" spc="-1" strike="noStrike">
                 <a:solidFill>
                   <a:srgbClr val="ffffff"/>
                 </a:solidFill>
                 <a:latin typeface="Arial"/>
-              </a:rPr>
-              <a:t>Exploratory Analysis: Missingness</a:t>
-            </a:r>
-            <a:endParaRPr b="0" lang="en-US" sz="4400" spc="-1" strike="noStrike">
+                <a:ea typeface="DejaVu Sans"/>
+              </a:rPr>
+              <a:t>Exploratory Analysis: IBU Missingness</a:t>
+            </a:r>
+            <a:endParaRPr b="0" lang="en-US" sz="4000" spc="-1" strike="noStrike">
               <a:latin typeface="Arial"/>
             </a:endParaRPr>
           </a:p>
@@ -6047,7 +6122,7 @@
         <p:spPr>
           <a:xfrm>
             <a:off x="347040" y="1371600"/>
-            <a:ext cx="9071280" cy="4384080"/>
+            <a:ext cx="9070920" cy="4383720"/>
           </a:xfrm>
           <a:prstGeom prst="rect">
             <a:avLst/>
@@ -6068,7 +6143,7 @@
             <a:noAutofit/>
           </a:bodyPr>
           <a:p>
-            <a:pPr marL="432000" indent="-323640">
+            <a:pPr marL="432000" indent="-323280">
               <a:lnSpc>
                 <a:spcPct val="100000"/>
               </a:lnSpc>
@@ -6088,6 +6163,7 @@
                   <a:srgbClr val="0066cc"/>
                 </a:solidFill>
                 <a:latin typeface="Arial"/>
+                <a:ea typeface="DejaVu Sans"/>
               </a:rPr>
               <a:t>Missingness By State, Style, Ounces</a:t>
             </a:r>
@@ -6175,7 +6251,7 @@
         <p:spPr>
           <a:xfrm>
             <a:off x="6651000" y="2377440"/>
-            <a:ext cx="3428640" cy="2834280"/>
+            <a:ext cx="3428280" cy="2833920"/>
           </a:xfrm>
           <a:prstGeom prst="rect">
             <a:avLst/>
@@ -6197,8 +6273,8 @@
         </p:blipFill>
         <p:spPr>
           <a:xfrm rot="21595200">
-            <a:off x="188640" y="2364120"/>
-            <a:ext cx="3287520" cy="2717640"/>
+            <a:off x="188640" y="2363760"/>
+            <a:ext cx="3287160" cy="2717280"/>
           </a:xfrm>
           <a:prstGeom prst="rect">
             <a:avLst/>
@@ -6221,7 +6297,7 @@
         <p:spPr>
           <a:xfrm>
             <a:off x="3017520" y="2286000"/>
-            <a:ext cx="3674880" cy="3038040"/>
+            <a:ext cx="3674520" cy="3037680"/>
           </a:xfrm>
           <a:prstGeom prst="rect">
             <a:avLst/>
@@ -6297,7 +6373,7 @@
         <p:spPr>
           <a:xfrm>
             <a:off x="504000" y="285120"/>
-            <a:ext cx="9071280" cy="669600"/>
+            <a:ext cx="9070920" cy="669600"/>
           </a:xfrm>
           <a:prstGeom prst="rect">
             <a:avLst/>
@@ -6329,6 +6405,7 @@
                   <a:srgbClr val="ffffff"/>
                 </a:solidFill>
                 <a:latin typeface="Arial"/>
+                <a:ea typeface="DejaVu Sans"/>
               </a:rPr>
               <a:t>Exploratory Analysis: Missingness</a:t>
             </a:r>
@@ -6347,7 +6424,7 @@
         <p:spPr>
           <a:xfrm>
             <a:off x="347040" y="1376640"/>
-            <a:ext cx="9071280" cy="4384080"/>
+            <a:ext cx="9070920" cy="4383720"/>
           </a:xfrm>
           <a:prstGeom prst="rect">
             <a:avLst/>
@@ -6368,7 +6445,7 @@
             <a:noAutofit/>
           </a:bodyPr>
           <a:p>
-            <a:pPr marL="432000" indent="-323640">
+            <a:pPr marL="432000" indent="-323280">
               <a:lnSpc>
                 <a:spcPct val="100000"/>
               </a:lnSpc>
@@ -6388,6 +6465,7 @@
                   <a:srgbClr val="0066cc"/>
                 </a:solidFill>
                 <a:latin typeface="Arial"/>
+                <a:ea typeface="DejaVu Sans"/>
               </a:rPr>
               <a:t>Missingness By State, Style, Ounces</a:t>
             </a:r>
@@ -6461,7 +6539,7 @@
             </a:endParaRPr>
           </a:p>
           <a:p>
-            <a:pPr marL="432000" indent="-323640">
+            <a:pPr marL="432000" indent="-323280">
               <a:lnSpc>
                 <a:spcPct val="100000"/>
               </a:lnSpc>
@@ -6481,8 +6559,9 @@
                   <a:srgbClr val="0066cc"/>
                 </a:solidFill>
                 <a:latin typeface="Arial"/>
-              </a:rPr>
-              <a:t>1) Missingness isn’t MCAR</a:t>
+                <a:ea typeface="DejaVu Sans"/>
+              </a:rPr>
+              <a:t>1) Missingness isn’t completely at random</a:t>
             </a:r>
             <a:endParaRPr b="0" lang="en-US" sz="2600" spc="-1" strike="noStrike">
               <a:latin typeface="Arial"/>
@@ -6503,7 +6582,7 @@
         <p:spPr>
           <a:xfrm>
             <a:off x="6651000" y="2377440"/>
-            <a:ext cx="3428640" cy="2834280"/>
+            <a:ext cx="3428280" cy="2833920"/>
           </a:xfrm>
           <a:prstGeom prst="rect">
             <a:avLst/>
@@ -6525,8 +6604,8 @@
         </p:blipFill>
         <p:spPr>
           <a:xfrm rot="21595200">
-            <a:off x="188640" y="2364120"/>
-            <a:ext cx="3287520" cy="2717640"/>
+            <a:off x="188640" y="2363760"/>
+            <a:ext cx="3287160" cy="2717280"/>
           </a:xfrm>
           <a:prstGeom prst="rect">
             <a:avLst/>
@@ -6549,7 +6628,7 @@
         <p:spPr>
           <a:xfrm>
             <a:off x="3017520" y="2286000"/>
-            <a:ext cx="3674880" cy="3038040"/>
+            <a:ext cx="3674520" cy="3037680"/>
           </a:xfrm>
           <a:prstGeom prst="rect">
             <a:avLst/>
@@ -6625,7 +6704,7 @@
         <p:spPr>
           <a:xfrm>
             <a:off x="504000" y="285120"/>
-            <a:ext cx="9071280" cy="669600"/>
+            <a:ext cx="9070920" cy="669600"/>
           </a:xfrm>
           <a:prstGeom prst="rect">
             <a:avLst/>
@@ -6657,6 +6736,7 @@
                   <a:srgbClr val="ffffff"/>
                 </a:solidFill>
                 <a:latin typeface="Arial"/>
+                <a:ea typeface="DejaVu Sans"/>
               </a:rPr>
               <a:t>Exploratory Analysis: Missingness</a:t>
             </a:r>
@@ -6675,7 +6755,7 @@
         <p:spPr>
           <a:xfrm>
             <a:off x="347040" y="1371600"/>
-            <a:ext cx="9071280" cy="4384080"/>
+            <a:ext cx="9070920" cy="4383720"/>
           </a:xfrm>
           <a:prstGeom prst="rect">
             <a:avLst/>
@@ -6696,7 +6776,7 @@
             <a:noAutofit/>
           </a:bodyPr>
           <a:p>
-            <a:pPr marL="432000" indent="-323640">
+            <a:pPr marL="432000" indent="-323280">
               <a:lnSpc>
                 <a:spcPct val="100000"/>
               </a:lnSpc>
@@ -6716,6 +6796,7 @@
                   <a:srgbClr val="0066cc"/>
                 </a:solidFill>
                 <a:latin typeface="Arial"/>
+                <a:ea typeface="DejaVu Sans"/>
               </a:rPr>
               <a:t>Missingness By State, Style, Ounces</a:t>
             </a:r>
@@ -6789,7 +6870,7 @@
             </a:endParaRPr>
           </a:p>
           <a:p>
-            <a:pPr marL="432000" indent="-323640">
+            <a:pPr marL="432000" indent="-323280">
               <a:lnSpc>
                 <a:spcPct val="100000"/>
               </a:lnSpc>
@@ -6809,15 +6890,16 @@
                   <a:srgbClr val="0066cc"/>
                 </a:solidFill>
                 <a:latin typeface="Arial"/>
-              </a:rPr>
-              <a:t>1) Missingness isn’t MCAR                  </a:t>
+                <a:ea typeface="DejaVu Sans"/>
+              </a:rPr>
+              <a:t>1) Missingness isn’t completely at random                  </a:t>
             </a:r>
             <a:endParaRPr b="0" lang="en-US" sz="2600" spc="-1" strike="noStrike">
               <a:latin typeface="Arial"/>
             </a:endParaRPr>
           </a:p>
           <a:p>
-            <a:pPr marL="432000" indent="-323640">
+            <a:pPr marL="432000" indent="-323280">
               <a:lnSpc>
                 <a:spcPct val="100000"/>
               </a:lnSpc>
@@ -6837,6 +6919,7 @@
                   <a:srgbClr val="0066cc"/>
                 </a:solidFill>
                 <a:latin typeface="Arial"/>
+                <a:ea typeface="DejaVu Sans"/>
               </a:rPr>
               <a:t>2) Missingness depends largely on State and Style</a:t>
             </a:r>
@@ -6859,7 +6942,7 @@
         <p:spPr>
           <a:xfrm>
             <a:off x="6651000" y="2377440"/>
-            <a:ext cx="3428640" cy="2834280"/>
+            <a:ext cx="3428280" cy="2833920"/>
           </a:xfrm>
           <a:prstGeom prst="rect">
             <a:avLst/>
@@ -6881,8 +6964,8 @@
         </p:blipFill>
         <p:spPr>
           <a:xfrm rot="21595200">
-            <a:off x="188640" y="2364120"/>
-            <a:ext cx="3287520" cy="2717640"/>
+            <a:off x="188640" y="2363760"/>
+            <a:ext cx="3287160" cy="2717280"/>
           </a:xfrm>
           <a:prstGeom prst="rect">
             <a:avLst/>
@@ -6905,7 +6988,7 @@
         <p:spPr>
           <a:xfrm>
             <a:off x="3017520" y="2286000"/>
-            <a:ext cx="3674880" cy="3038040"/>
+            <a:ext cx="3674520" cy="3037680"/>
           </a:xfrm>
           <a:prstGeom prst="rect">
             <a:avLst/>
@@ -6981,7 +7064,7 @@
         <p:spPr>
           <a:xfrm>
             <a:off x="504000" y="285120"/>
-            <a:ext cx="9071280" cy="669600"/>
+            <a:ext cx="9070920" cy="669600"/>
           </a:xfrm>
           <a:prstGeom prst="rect">
             <a:avLst/>
@@ -7013,6 +7096,7 @@
                   <a:srgbClr val="ffffff"/>
                 </a:solidFill>
                 <a:latin typeface="Arial"/>
+                <a:ea typeface="DejaVu Sans"/>
               </a:rPr>
               <a:t>Exploratory Analysis: ABV</a:t>
             </a:r>
@@ -7031,7 +7115,7 @@
         <p:spPr>
           <a:xfrm>
             <a:off x="504000" y="1769040"/>
-            <a:ext cx="9071280" cy="4384080"/>
+            <a:ext cx="9070920" cy="4383720"/>
           </a:xfrm>
           <a:prstGeom prst="rect">
             <a:avLst/>
@@ -7052,7 +7136,7 @@
             <a:noAutofit/>
           </a:bodyPr>
           <a:p>
-            <a:pPr marL="432000" indent="-323640">
+            <a:pPr marL="432000" indent="-323280">
               <a:lnSpc>
                 <a:spcPct val="100000"/>
               </a:lnSpc>
@@ -7072,6 +7156,7 @@
                   <a:srgbClr val="0066cc"/>
                 </a:solidFill>
                 <a:latin typeface="Arial"/>
+                <a:ea typeface="DejaVu Sans"/>
               </a:rPr>
               <a:t>Ounces and Style on ABV</a:t>
             </a:r>
@@ -7159,7 +7244,7 @@
         <p:spPr>
           <a:xfrm>
             <a:off x="91440" y="2434320"/>
-            <a:ext cx="5303520" cy="3966480"/>
+            <a:ext cx="5303160" cy="3966120"/>
           </a:xfrm>
           <a:prstGeom prst="rect">
             <a:avLst/>
@@ -7182,7 +7267,7 @@
         <p:spPr>
           <a:xfrm>
             <a:off x="5527440" y="2468880"/>
-            <a:ext cx="4553280" cy="3840480"/>
+            <a:ext cx="4552920" cy="3840120"/>
           </a:xfrm>
           <a:prstGeom prst="rect">
             <a:avLst/>
@@ -7258,7 +7343,7 @@
         <p:spPr>
           <a:xfrm>
             <a:off x="504000" y="285120"/>
-            <a:ext cx="9071280" cy="669600"/>
+            <a:ext cx="9070920" cy="669600"/>
           </a:xfrm>
           <a:prstGeom prst="rect">
             <a:avLst/>
@@ -7290,6 +7375,7 @@
                   <a:srgbClr val="ffffff"/>
                 </a:solidFill>
                 <a:latin typeface="Arial"/>
+                <a:ea typeface="DejaVu Sans"/>
               </a:rPr>
               <a:t>Exploratory Analysis: ABV</a:t>
             </a:r>
@@ -7308,7 +7394,7 @@
         <p:spPr>
           <a:xfrm>
             <a:off x="504000" y="1769040"/>
-            <a:ext cx="9071280" cy="4384080"/>
+            <a:ext cx="9070920" cy="4383720"/>
           </a:xfrm>
           <a:prstGeom prst="rect">
             <a:avLst/>
@@ -7329,19 +7415,13 @@
             <a:noAutofit/>
           </a:bodyPr>
           <a:p>
-            <a:pPr marL="432000" indent="-323640">
+            <a:pPr>
               <a:lnSpc>
                 <a:spcPct val="100000"/>
               </a:lnSpc>
               <a:spcBef>
                 <a:spcPts val="1417"/>
               </a:spcBef>
-              <a:buClr>
-                <a:srgbClr val="000000"/>
-              </a:buClr>
-              <a:buSzPct val="45000"/>
-              <a:buFont typeface="Wingdings" charset="2"/>
-              <a:buChar char=""/>
             </a:pPr>
             <a:endParaRPr b="0" lang="en-US" sz="1800" spc="-1" strike="noStrike">
               <a:latin typeface="Arial"/>
@@ -7427,7 +7507,7 @@
         <p:spPr>
           <a:xfrm>
             <a:off x="91440" y="1905480"/>
-            <a:ext cx="6217920" cy="4495320"/>
+            <a:ext cx="6217560" cy="4494960"/>
           </a:xfrm>
           <a:prstGeom prst="rect">
             <a:avLst/>
@@ -7439,14 +7519,14 @@
       </p:pic>
       <p:sp>
         <p:nvSpPr>
-          <p:cNvPr id="164" name="TextShape 3"/>
-          <p:cNvSpPr txBox="1"/>
+          <p:cNvPr id="164" name="CustomShape 3"/>
+          <p:cNvSpPr/>
           <p:nvPr/>
         </p:nvSpPr>
         <p:spPr>
           <a:xfrm>
             <a:off x="274320" y="1208160"/>
-            <a:ext cx="5577840" cy="346320"/>
+            <a:ext cx="5577480" cy="363960"/>
           </a:xfrm>
           <a:prstGeom prst="rect">
             <a:avLst/>
@@ -7456,33 +7536,44 @@
             <a:noFill/>
           </a:ln>
         </p:spPr>
+        <p:style>
+          <a:lnRef idx="0"/>
+          <a:fillRef idx="0"/>
+          <a:effectRef idx="0"/>
+          <a:fontRef idx="minor"/>
+        </p:style>
         <p:txBody>
           <a:bodyPr lIns="90000" rIns="90000" tIns="45000" bIns="45000">
             <a:spAutoFit/>
           </a:bodyPr>
           <a:p>
+            <a:pPr>
+              <a:lnSpc>
+                <a:spcPct val="100000"/>
+              </a:lnSpc>
+            </a:pPr>
             <a:r>
               <a:rPr b="1" lang="en-US" sz="1800" spc="-1" strike="noStrike">
                 <a:latin typeface="Arial"/>
               </a:rPr>
               <a:t>Is there a relationship between Ounces and ABV?</a:t>
             </a:r>
-            <a:endParaRPr b="1" lang="en-US" sz="1800" spc="-1" strike="noStrike">
-              <a:latin typeface="Arial"/>
-            </a:endParaRPr>
-          </a:p>
-        </p:txBody>
-      </p:sp>
-      <p:sp>
-        <p:nvSpPr>
-          <p:cNvPr id="165" name="TextShape 4"/>
-          <p:cNvSpPr txBox="1"/>
+            <a:endParaRPr b="0" lang="en-US" sz="1800" spc="-1" strike="noStrike">
+              <a:latin typeface="Arial"/>
+            </a:endParaRPr>
+          </a:p>
+        </p:txBody>
+      </p:sp>
+      <p:sp>
+        <p:nvSpPr>
+          <p:cNvPr id="165" name="CustomShape 4"/>
+          <p:cNvSpPr/>
           <p:nvPr/>
         </p:nvSpPr>
         <p:spPr>
           <a:xfrm>
             <a:off x="6309360" y="1446120"/>
-            <a:ext cx="3723120" cy="4441680"/>
+            <a:ext cx="3722760" cy="4753080"/>
           </a:xfrm>
           <a:prstGeom prst="rect">
             <a:avLst/>
@@ -7492,11 +7583,22 @@
             <a:noFill/>
           </a:ln>
         </p:spPr>
+        <p:style>
+          <a:lnRef idx="0"/>
+          <a:fillRef idx="0"/>
+          <a:effectRef idx="0"/>
+          <a:fontRef idx="minor"/>
+        </p:style>
         <p:txBody>
           <a:bodyPr lIns="90000" rIns="90000" tIns="45000" bIns="45000">
             <a:spAutoFit/>
           </a:bodyPr>
           <a:p>
+            <a:pPr>
+              <a:lnSpc>
+                <a:spcPct val="100000"/>
+              </a:lnSpc>
+            </a:pPr>
             <a:r>
               <a:rPr b="0" lang="en-US" sz="1800" spc="-1" strike="noStrike">
                 <a:latin typeface="Arial"/>
@@ -7508,16 +7610,31 @@
             </a:endParaRPr>
           </a:p>
           <a:p>
+            <a:pPr>
+              <a:lnSpc>
+                <a:spcPct val="100000"/>
+              </a:lnSpc>
+            </a:pPr>
             <a:endParaRPr b="0" lang="en-US" sz="1800" spc="-1" strike="noStrike">
               <a:latin typeface="Arial"/>
             </a:endParaRPr>
           </a:p>
           <a:p>
+            <a:pPr>
+              <a:lnSpc>
+                <a:spcPct val="100000"/>
+              </a:lnSpc>
+            </a:pPr>
             <a:endParaRPr b="0" lang="en-US" sz="1800" spc="-1" strike="noStrike">
               <a:latin typeface="Arial"/>
             </a:endParaRPr>
           </a:p>
           <a:p>
+            <a:pPr>
+              <a:lnSpc>
+                <a:spcPct val="100000"/>
+              </a:lnSpc>
+            </a:pPr>
             <a:r>
               <a:rPr b="0" lang="en-US" sz="1800" spc="-1" strike="noStrike">
                 <a:latin typeface="Arial"/>
@@ -7529,16 +7646,31 @@
             </a:endParaRPr>
           </a:p>
           <a:p>
+            <a:pPr>
+              <a:lnSpc>
+                <a:spcPct val="100000"/>
+              </a:lnSpc>
+            </a:pPr>
             <a:endParaRPr b="0" lang="en-US" sz="1800" spc="-1" strike="noStrike">
               <a:latin typeface="Arial"/>
             </a:endParaRPr>
           </a:p>
           <a:p>
+            <a:pPr>
+              <a:lnSpc>
+                <a:spcPct val="100000"/>
+              </a:lnSpc>
+            </a:pPr>
             <a:endParaRPr b="0" lang="en-US" sz="1800" spc="-1" strike="noStrike">
               <a:latin typeface="Arial"/>
             </a:endParaRPr>
           </a:p>
           <a:p>
+            <a:pPr>
+              <a:lnSpc>
+                <a:spcPct val="100000"/>
+              </a:lnSpc>
+            </a:pPr>
             <a:r>
               <a:rPr b="0" lang="en-US" sz="1800" spc="-1" strike="noStrike">
                 <a:latin typeface="Arial"/>
@@ -7617,7 +7749,7 @@
         <p:spPr>
           <a:xfrm>
             <a:off x="504000" y="284400"/>
-            <a:ext cx="9071280" cy="671040"/>
+            <a:ext cx="9070920" cy="670680"/>
           </a:xfrm>
           <a:prstGeom prst="rect">
             <a:avLst/>
@@ -7649,6 +7781,7 @@
                   <a:srgbClr val="ffffff"/>
                 </a:solidFill>
                 <a:latin typeface="Arial"/>
+                <a:ea typeface="DejaVu Sans"/>
               </a:rPr>
               <a:t>Exploratory Analysis: ABV</a:t>
             </a:r>
@@ -7667,7 +7800,7 @@
         <p:spPr>
           <a:xfrm>
             <a:off x="504000" y="1769040"/>
-            <a:ext cx="9071280" cy="4384080"/>
+            <a:ext cx="9070920" cy="4383720"/>
           </a:xfrm>
           <a:prstGeom prst="rect">
             <a:avLst/>
@@ -7688,19 +7821,13 @@
             <a:noAutofit/>
           </a:bodyPr>
           <a:p>
-            <a:pPr marL="432000" indent="-323640">
+            <a:pPr>
               <a:lnSpc>
                 <a:spcPct val="100000"/>
               </a:lnSpc>
               <a:spcBef>
                 <a:spcPts val="1417"/>
               </a:spcBef>
-              <a:buClr>
-                <a:srgbClr val="000000"/>
-              </a:buClr>
-              <a:buSzPct val="45000"/>
-              <a:buFont typeface="Wingdings" charset="2"/>
-              <a:buChar char=""/>
             </a:pPr>
             <a:endParaRPr b="0" lang="en-US" sz="1800" spc="-1" strike="noStrike">
               <a:latin typeface="Arial"/>
@@ -7775,14 +7902,14 @@
       </p:sp>
       <p:sp>
         <p:nvSpPr>
-          <p:cNvPr id="168" name="TextShape 3"/>
-          <p:cNvSpPr txBox="1"/>
+          <p:cNvPr id="168" name="CustomShape 3"/>
+          <p:cNvSpPr/>
           <p:nvPr/>
         </p:nvSpPr>
         <p:spPr>
           <a:xfrm>
             <a:off x="457200" y="1280160"/>
-            <a:ext cx="5486400" cy="346320"/>
+            <a:ext cx="5486040" cy="363960"/>
           </a:xfrm>
           <a:prstGeom prst="rect">
             <a:avLst/>
@@ -7792,18 +7919,29 @@
             <a:noFill/>
           </a:ln>
         </p:spPr>
+        <p:style>
+          <a:lnRef idx="0"/>
+          <a:fillRef idx="0"/>
+          <a:effectRef idx="0"/>
+          <a:fontRef idx="minor"/>
+        </p:style>
         <p:txBody>
           <a:bodyPr lIns="90000" rIns="90000" tIns="45000" bIns="45000">
             <a:spAutoFit/>
           </a:bodyPr>
           <a:p>
+            <a:pPr>
+              <a:lnSpc>
+                <a:spcPct val="100000"/>
+              </a:lnSpc>
+            </a:pPr>
             <a:r>
               <a:rPr b="1" lang="en-US" sz="1800" spc="-1" strike="noStrike">
                 <a:latin typeface="Arial"/>
               </a:rPr>
               <a:t>ABV and Missingness of IBU</a:t>
             </a:r>
-            <a:endParaRPr b="1" lang="en-US" sz="1800" spc="-1" strike="noStrike">
+            <a:endParaRPr b="0" lang="en-US" sz="1800" spc="-1" strike="noStrike">
               <a:latin typeface="Arial"/>
             </a:endParaRPr>
           </a:p>
@@ -7822,7 +7960,7 @@
         <p:spPr>
           <a:xfrm>
             <a:off x="645480" y="1645920"/>
-            <a:ext cx="5572440" cy="4817880"/>
+            <a:ext cx="5572080" cy="4817520"/>
           </a:xfrm>
           <a:prstGeom prst="rect">
             <a:avLst/>
@@ -7898,7 +8036,7 @@
         <p:spPr>
           <a:xfrm>
             <a:off x="504000" y="284400"/>
-            <a:ext cx="9071280" cy="671040"/>
+            <a:ext cx="9070920" cy="670680"/>
           </a:xfrm>
           <a:prstGeom prst="rect">
             <a:avLst/>
@@ -7930,6 +8068,7 @@
                   <a:srgbClr val="ffffff"/>
                 </a:solidFill>
                 <a:latin typeface="Arial"/>
+                <a:ea typeface="DejaVu Sans"/>
               </a:rPr>
               <a:t>Exploratory Analysis: ABV</a:t>
             </a:r>
@@ -7948,7 +8087,7 @@
         <p:spPr>
           <a:xfrm>
             <a:off x="504000" y="1769040"/>
-            <a:ext cx="9071280" cy="4384080"/>
+            <a:ext cx="9070920" cy="4383720"/>
           </a:xfrm>
           <a:prstGeom prst="rect">
             <a:avLst/>
@@ -7969,19 +8108,13 @@
             <a:noAutofit/>
           </a:bodyPr>
           <a:p>
-            <a:pPr marL="432000" indent="-323640">
+            <a:pPr>
               <a:lnSpc>
                 <a:spcPct val="100000"/>
               </a:lnSpc>
               <a:spcBef>
                 <a:spcPts val="1417"/>
               </a:spcBef>
-              <a:buClr>
-                <a:srgbClr val="000000"/>
-              </a:buClr>
-              <a:buSzPct val="45000"/>
-              <a:buFont typeface="Wingdings" charset="2"/>
-              <a:buChar char=""/>
             </a:pPr>
             <a:endParaRPr b="0" lang="en-US" sz="1800" spc="-1" strike="noStrike">
               <a:latin typeface="Arial"/>
@@ -8056,14 +8189,14 @@
       </p:sp>
       <p:sp>
         <p:nvSpPr>
-          <p:cNvPr id="172" name="TextShape 3"/>
-          <p:cNvSpPr txBox="1"/>
+          <p:cNvPr id="172" name="CustomShape 3"/>
+          <p:cNvSpPr/>
           <p:nvPr/>
         </p:nvSpPr>
         <p:spPr>
           <a:xfrm>
             <a:off x="457200" y="1280160"/>
-            <a:ext cx="5486400" cy="346320"/>
+            <a:ext cx="5486040" cy="363960"/>
           </a:xfrm>
           <a:prstGeom prst="rect">
             <a:avLst/>
@@ -8073,18 +8206,29 @@
             <a:noFill/>
           </a:ln>
         </p:spPr>
+        <p:style>
+          <a:lnRef idx="0"/>
+          <a:fillRef idx="0"/>
+          <a:effectRef idx="0"/>
+          <a:fontRef idx="minor"/>
+        </p:style>
         <p:txBody>
           <a:bodyPr lIns="90000" rIns="90000" tIns="45000" bIns="45000">
             <a:spAutoFit/>
           </a:bodyPr>
           <a:p>
+            <a:pPr>
+              <a:lnSpc>
+                <a:spcPct val="100000"/>
+              </a:lnSpc>
+            </a:pPr>
             <a:r>
               <a:rPr b="1" lang="en-US" sz="1800" spc="-1" strike="noStrike">
                 <a:latin typeface="Arial"/>
               </a:rPr>
               <a:t>ABV and Missingness of IBU</a:t>
             </a:r>
-            <a:endParaRPr b="1" lang="en-US" sz="1800" spc="-1" strike="noStrike">
+            <a:endParaRPr b="0" lang="en-US" sz="1800" spc="-1" strike="noStrike">
               <a:latin typeface="Arial"/>
             </a:endParaRPr>
           </a:p>
@@ -8103,7 +8247,7 @@
         <p:spPr>
           <a:xfrm>
             <a:off x="645480" y="1645920"/>
-            <a:ext cx="5572440" cy="4817880"/>
+            <a:ext cx="5572080" cy="4817520"/>
           </a:xfrm>
           <a:prstGeom prst="rect">
             <a:avLst/>
@@ -8115,14 +8259,14 @@
       </p:pic>
       <p:sp>
         <p:nvSpPr>
-          <p:cNvPr id="174" name="TextShape 4"/>
-          <p:cNvSpPr txBox="1"/>
+          <p:cNvPr id="174" name="CustomShape 4"/>
+          <p:cNvSpPr/>
           <p:nvPr/>
         </p:nvSpPr>
         <p:spPr>
           <a:xfrm>
             <a:off x="6309360" y="1737360"/>
-            <a:ext cx="3383280" cy="2377440"/>
+            <a:ext cx="3382920" cy="1431000"/>
           </a:xfrm>
           <a:prstGeom prst="rect">
             <a:avLst/>
@@ -8132,11 +8276,22 @@
             <a:noFill/>
           </a:ln>
         </p:spPr>
+        <p:style>
+          <a:lnRef idx="0"/>
+          <a:fillRef idx="0"/>
+          <a:effectRef idx="0"/>
+          <a:fontRef idx="minor"/>
+        </p:style>
         <p:txBody>
           <a:bodyPr lIns="90000" rIns="90000" tIns="45000" bIns="45000">
             <a:spAutoFit/>
           </a:bodyPr>
           <a:p>
+            <a:pPr>
+              <a:lnSpc>
+                <a:spcPct val="100000"/>
+              </a:lnSpc>
+            </a:pPr>
             <a:r>
               <a:rPr b="0" lang="en-US" sz="2200" spc="-1" strike="noStrike">
                 <a:latin typeface="Arial"/>
@@ -8215,7 +8370,7 @@
         <p:spPr>
           <a:xfrm>
             <a:off x="822960" y="1097280"/>
-            <a:ext cx="7954920" cy="455400"/>
+            <a:ext cx="7954560" cy="455400"/>
           </a:xfrm>
           <a:prstGeom prst="rect">
             <a:avLst/>
@@ -8243,8 +8398,12 @@
             </a:pPr>
             <a:r>
               <a:rPr b="1" lang="en-US" sz="2400" spc="-1" strike="noStrike" u="sng">
+                <a:solidFill>
+                  <a:srgbClr val="000000"/>
+                </a:solidFill>
                 <a:uFillTx/>
                 <a:latin typeface="Arial"/>
+                <a:ea typeface="DejaVu Sans"/>
               </a:rPr>
               <a:t>Overview</a:t>
             </a:r>
@@ -8320,7 +8479,7 @@
         <p:spPr>
           <a:xfrm>
             <a:off x="504000" y="284400"/>
-            <a:ext cx="9071280" cy="671040"/>
+            <a:ext cx="9070920" cy="670680"/>
           </a:xfrm>
           <a:prstGeom prst="rect">
             <a:avLst/>
@@ -8352,6 +8511,7 @@
                   <a:srgbClr val="ffffff"/>
                 </a:solidFill>
                 <a:latin typeface="Arial"/>
+                <a:ea typeface="DejaVu Sans"/>
               </a:rPr>
               <a:t>IBU and ABV by State</a:t>
             </a:r>
@@ -8370,7 +8530,7 @@
         <p:spPr>
           <a:xfrm>
             <a:off x="504000" y="1769040"/>
-            <a:ext cx="9071280" cy="4384080"/>
+            <a:ext cx="9070920" cy="4383720"/>
           </a:xfrm>
           <a:prstGeom prst="rect">
             <a:avLst/>
@@ -8391,19 +8551,13 @@
             <a:noAutofit/>
           </a:bodyPr>
           <a:p>
-            <a:pPr marL="432000" indent="-323640">
+            <a:pPr>
               <a:lnSpc>
                 <a:spcPct val="100000"/>
               </a:lnSpc>
               <a:spcBef>
                 <a:spcPts val="1417"/>
               </a:spcBef>
-              <a:buClr>
-                <a:srgbClr val="000000"/>
-              </a:buClr>
-              <a:buSzPct val="45000"/>
-              <a:buFont typeface="Wingdings" charset="2"/>
-              <a:buChar char=""/>
             </a:pPr>
             <a:endParaRPr b="0" lang="en-US" sz="1800" spc="-1" strike="noStrike">
               <a:latin typeface="Arial"/>
@@ -8489,7 +8643,7 @@
         <p:spPr>
           <a:xfrm>
             <a:off x="169560" y="1371600"/>
-            <a:ext cx="5076720" cy="4389120"/>
+            <a:ext cx="5076360" cy="4388760"/>
           </a:xfrm>
           <a:prstGeom prst="rect">
             <a:avLst/>
@@ -8512,7 +8666,7 @@
         <p:spPr>
           <a:xfrm>
             <a:off x="5394960" y="1554480"/>
-            <a:ext cx="4572000" cy="3952800"/>
+            <a:ext cx="4571640" cy="3952440"/>
           </a:xfrm>
           <a:prstGeom prst="rect">
             <a:avLst/>
@@ -8588,7 +8742,7 @@
         <p:spPr>
           <a:xfrm>
             <a:off x="504000" y="285120"/>
-            <a:ext cx="9071280" cy="669600"/>
+            <a:ext cx="9070920" cy="669600"/>
           </a:xfrm>
           <a:prstGeom prst="rect">
             <a:avLst/>
@@ -8620,6 +8774,7 @@
                   <a:srgbClr val="ffffff"/>
                 </a:solidFill>
                 <a:latin typeface="Arial"/>
+                <a:ea typeface="DejaVu Sans"/>
               </a:rPr>
               <a:t>What We Have Learned</a:t>
             </a:r>
@@ -8638,7 +8793,7 @@
         <p:spPr>
           <a:xfrm>
             <a:off x="504000" y="1769040"/>
-            <a:ext cx="9071280" cy="4384080"/>
+            <a:ext cx="9070920" cy="4383720"/>
           </a:xfrm>
           <a:prstGeom prst="rect">
             <a:avLst/>
@@ -8668,7 +8823,7 @@
         <p:spPr>
           <a:xfrm>
             <a:off x="1645920" y="1554480"/>
-            <a:ext cx="7040880" cy="4480560"/>
+            <a:ext cx="7040520" cy="4480200"/>
           </a:xfrm>
           <a:prstGeom prst="rect">
             <a:avLst/>
@@ -8744,7 +8899,7 @@
         <p:spPr>
           <a:xfrm>
             <a:off x="504000" y="285120"/>
-            <a:ext cx="9071280" cy="669600"/>
+            <a:ext cx="9070920" cy="669600"/>
           </a:xfrm>
           <a:prstGeom prst="rect">
             <a:avLst/>
@@ -8776,6 +8931,7 @@
                   <a:srgbClr val="ffffff"/>
                 </a:solidFill>
                 <a:latin typeface="Arial"/>
+                <a:ea typeface="DejaVu Sans"/>
               </a:rPr>
               <a:t>Estimation: ABV vs IBU</a:t>
             </a:r>
@@ -8794,7 +8950,7 @@
         <p:spPr>
           <a:xfrm>
             <a:off x="504000" y="1769040"/>
-            <a:ext cx="9071280" cy="4384080"/>
+            <a:ext cx="9070920" cy="4383720"/>
           </a:xfrm>
           <a:prstGeom prst="rect">
             <a:avLst/>
@@ -8813,14 +8969,14 @@
       </p:sp>
       <p:sp>
         <p:nvSpPr>
-          <p:cNvPr id="184" name="TextShape 3"/>
-          <p:cNvSpPr txBox="1"/>
+          <p:cNvPr id="184" name="CustomShape 3"/>
+          <p:cNvSpPr/>
           <p:nvPr/>
         </p:nvSpPr>
         <p:spPr>
           <a:xfrm>
             <a:off x="1463040" y="1463040"/>
-            <a:ext cx="6675120" cy="2649960"/>
+            <a:ext cx="6674760" cy="2832840"/>
           </a:xfrm>
           <a:prstGeom prst="rect">
             <a:avLst/>
@@ -8830,11 +8986,22 @@
             <a:noFill/>
           </a:ln>
         </p:spPr>
+        <p:style>
+          <a:lnRef idx="0"/>
+          <a:fillRef idx="0"/>
+          <a:effectRef idx="0"/>
+          <a:fontRef idx="minor"/>
+        </p:style>
         <p:txBody>
           <a:bodyPr lIns="90000" rIns="90000" tIns="45000" bIns="45000">
             <a:spAutoFit/>
           </a:bodyPr>
           <a:p>
+            <a:pPr>
+              <a:lnSpc>
+                <a:spcPct val="100000"/>
+              </a:lnSpc>
+            </a:pPr>
             <a:r>
               <a:rPr b="0" lang="en-US" sz="1800" spc="-1" strike="noStrike">
                 <a:latin typeface="Arial"/>
@@ -8846,26 +9013,51 @@
             </a:endParaRPr>
           </a:p>
           <a:p>
+            <a:pPr>
+              <a:lnSpc>
+                <a:spcPct val="100000"/>
+              </a:lnSpc>
+            </a:pPr>
             <a:endParaRPr b="0" lang="en-US" sz="1800" spc="-1" strike="noStrike">
               <a:latin typeface="Arial"/>
             </a:endParaRPr>
           </a:p>
           <a:p>
+            <a:pPr>
+              <a:lnSpc>
+                <a:spcPct val="100000"/>
+              </a:lnSpc>
+            </a:pPr>
             <a:endParaRPr b="0" lang="en-US" sz="1800" spc="-1" strike="noStrike">
               <a:latin typeface="Arial"/>
             </a:endParaRPr>
           </a:p>
           <a:p>
+            <a:pPr>
+              <a:lnSpc>
+                <a:spcPct val="100000"/>
+              </a:lnSpc>
+            </a:pPr>
             <a:endParaRPr b="0" lang="en-US" sz="1800" spc="-1" strike="noStrike">
               <a:latin typeface="Arial"/>
             </a:endParaRPr>
           </a:p>
           <a:p>
+            <a:pPr>
+              <a:lnSpc>
+                <a:spcPct val="100000"/>
+              </a:lnSpc>
+            </a:pPr>
             <a:endParaRPr b="0" lang="en-US" sz="1800" spc="-1" strike="noStrike">
               <a:latin typeface="Arial"/>
             </a:endParaRPr>
           </a:p>
           <a:p>
+            <a:pPr>
+              <a:lnSpc>
+                <a:spcPct val="100000"/>
+              </a:lnSpc>
+            </a:pPr>
             <a:r>
               <a:rPr b="0" lang="en-US" sz="1800" spc="-1" strike="noStrike">
                 <a:latin typeface="Arial"/>
@@ -8877,16 +9069,31 @@
             </a:endParaRPr>
           </a:p>
           <a:p>
+            <a:pPr>
+              <a:lnSpc>
+                <a:spcPct val="100000"/>
+              </a:lnSpc>
+            </a:pPr>
             <a:endParaRPr b="0" lang="en-US" sz="1800" spc="-1" strike="noStrike">
               <a:latin typeface="Arial"/>
             </a:endParaRPr>
           </a:p>
           <a:p>
+            <a:pPr>
+              <a:lnSpc>
+                <a:spcPct val="100000"/>
+              </a:lnSpc>
+            </a:pPr>
             <a:endParaRPr b="0" lang="en-US" sz="1800" spc="-1" strike="noStrike">
               <a:latin typeface="Arial"/>
             </a:endParaRPr>
           </a:p>
           <a:p>
+            <a:pPr>
+              <a:lnSpc>
+                <a:spcPct val="100000"/>
+              </a:lnSpc>
+            </a:pPr>
             <a:endParaRPr b="0" lang="en-US" sz="1800" spc="-1" strike="noStrike">
               <a:latin typeface="Arial"/>
             </a:endParaRPr>
@@ -8900,8 +9107,8 @@
           <p:nvPr/>
         </p:nvGraphicFramePr>
         <p:xfrm>
-          <a:off x="1963080" y="2702880"/>
-          <a:ext cx="5914080" cy="2243520"/>
+          <a:off x="279360" y="2416680"/>
+          <a:ext cx="5913720" cy="2243160"/>
         </p:xfrm>
         <a:graphic>
           <a:graphicData uri="http://schemas.openxmlformats.org/drawingml/2006/table">
@@ -8916,10 +9123,15 @@
               <a:tr h="1222200">
                 <a:tc>
                   <a:txBody>
-                    <a:bodyPr lIns="90000" rIns="90000" tIns="46800" bIns="46800">
+                    <a:bodyPr lIns="90000" rIns="90000">
                       <a:noAutofit/>
                     </a:bodyPr>
                     <a:p>
+                      <a:pPr>
+                        <a:lnSpc>
+                          <a:spcPct val="100000"/>
+                        </a:lnSpc>
+                      </a:pPr>
                       <a:r>
                         <a:rPr b="0" lang="en-US" sz="1800" spc="-1" strike="noStrike">
                           <a:latin typeface="Arial"/>
@@ -8959,10 +9171,15 @@
                 </a:tc>
                 <a:tc>
                   <a:txBody>
-                    <a:bodyPr lIns="90000" rIns="90000" tIns="46800" bIns="46800">
+                    <a:bodyPr lIns="90000" rIns="90000">
                       <a:noAutofit/>
                     </a:bodyPr>
                     <a:p>
+                      <a:pPr>
+                        <a:lnSpc>
+                          <a:spcPct val="100000"/>
+                        </a:lnSpc>
+                      </a:pPr>
                       <a:r>
                         <a:rPr b="0" lang="en-US" sz="1800" spc="-1" strike="noStrike">
                           <a:latin typeface="Arial"/>
@@ -8974,6 +9191,11 @@
                       </a:endParaRPr>
                     </a:p>
                     <a:p>
+                      <a:pPr>
+                        <a:lnSpc>
+                          <a:spcPct val="100000"/>
+                        </a:lnSpc>
+                      </a:pPr>
                       <a:r>
                         <a:rPr b="0" lang="en-US" sz="1800" spc="-1" strike="noStrike">
                           <a:latin typeface="Arial"/>
@@ -9013,10 +9235,15 @@
                 </a:tc>
                 <a:tc>
                   <a:txBody>
-                    <a:bodyPr lIns="90000" rIns="90000" tIns="46800" bIns="46800">
+                    <a:bodyPr lIns="90000" rIns="90000">
                       <a:noAutofit/>
                     </a:bodyPr>
                     <a:p>
+                      <a:pPr>
+                        <a:lnSpc>
+                          <a:spcPct val="100000"/>
+                        </a:lnSpc>
+                      </a:pPr>
                       <a:r>
                         <a:rPr b="0" lang="en-US" sz="1800" spc="-1" strike="noStrike">
                           <a:latin typeface="Arial"/>
@@ -9028,6 +9255,11 @@
                       </a:endParaRPr>
                     </a:p>
                     <a:p>
+                      <a:pPr>
+                        <a:lnSpc>
+                          <a:spcPct val="100000"/>
+                        </a:lnSpc>
+                      </a:pPr>
                       <a:r>
                         <a:rPr b="0" lang="en-US" sz="1800" spc="-1" strike="noStrike">
                           <a:latin typeface="Arial"/>
@@ -9067,10 +9299,15 @@
                 </a:tc>
                 <a:tc>
                   <a:txBody>
-                    <a:bodyPr lIns="90000" rIns="90000" tIns="46800" bIns="46800">
+                    <a:bodyPr lIns="90000" rIns="90000">
                       <a:noAutofit/>
                     </a:bodyPr>
                     <a:p>
+                      <a:pPr>
+                        <a:lnSpc>
+                          <a:spcPct val="100000"/>
+                        </a:lnSpc>
+                      </a:pPr>
                       <a:r>
                         <a:rPr b="0" lang="en-US" sz="1800" spc="-1" strike="noStrike">
                           <a:latin typeface="Arial"/>
@@ -9112,10 +9349,15 @@
               <a:tr h="1021320">
                 <a:tc>
                   <a:txBody>
-                    <a:bodyPr lIns="90000" rIns="90000" tIns="46800" bIns="46800">
+                    <a:bodyPr lIns="90000" rIns="90000">
                       <a:noAutofit/>
                     </a:bodyPr>
                     <a:p>
+                      <a:pPr>
+                        <a:lnSpc>
+                          <a:spcPct val="100000"/>
+                        </a:lnSpc>
+                      </a:pPr>
                       <a:r>
                         <a:rPr b="0" lang="en-US" sz="1800" spc="-1" strike="noStrike">
                           <a:latin typeface="Arial"/>
@@ -9127,6 +9369,11 @@
                       </a:endParaRPr>
                     </a:p>
                     <a:p>
+                      <a:pPr>
+                        <a:lnSpc>
+                          <a:spcPct val="100000"/>
+                        </a:lnSpc>
+                      </a:pPr>
                       <a:r>
                         <a:rPr b="0" lang="en-US" sz="1800" spc="-1" strike="noStrike">
                           <a:latin typeface="Arial"/>
@@ -9166,10 +9413,15 @@
                 </a:tc>
                 <a:tc>
                   <a:txBody>
-                    <a:bodyPr lIns="90000" rIns="90000" tIns="46800" bIns="46800">
+                    <a:bodyPr lIns="90000" rIns="90000">
                       <a:noAutofit/>
                     </a:bodyPr>
                     <a:p>
+                      <a:pPr>
+                        <a:lnSpc>
+                          <a:spcPct val="100000"/>
+                        </a:lnSpc>
+                      </a:pPr>
                       <a:r>
                         <a:rPr b="0" lang="en-US" sz="1800" spc="-1" strike="noStrike">
                           <a:latin typeface="Arial"/>
@@ -9181,6 +9433,11 @@
                       </a:endParaRPr>
                     </a:p>
                     <a:p>
+                      <a:pPr>
+                        <a:lnSpc>
+                          <a:spcPct val="100000"/>
+                        </a:lnSpc>
+                      </a:pPr>
                       <a:r>
                         <a:rPr b="0" lang="en-US" sz="1800" spc="-1" strike="noStrike">
                           <a:latin typeface="Arial"/>
@@ -9220,10 +9477,15 @@
                 </a:tc>
                 <a:tc>
                   <a:txBody>
-                    <a:bodyPr lIns="90000" rIns="90000" tIns="46800" bIns="46800">
+                    <a:bodyPr lIns="90000" rIns="90000">
                       <a:noAutofit/>
                     </a:bodyPr>
                     <a:p>
+                      <a:pPr>
+                        <a:lnSpc>
+                          <a:spcPct val="100000"/>
+                        </a:lnSpc>
+                      </a:pPr>
                       <a:r>
                         <a:rPr b="0" lang="en-US" sz="1800" spc="-1" strike="noStrike">
                           <a:latin typeface="Arial"/>
@@ -9235,6 +9497,11 @@
                       </a:endParaRPr>
                     </a:p>
                     <a:p>
+                      <a:pPr>
+                        <a:lnSpc>
+                          <a:spcPct val="100000"/>
+                        </a:lnSpc>
+                      </a:pPr>
                       <a:r>
                         <a:rPr b="0" lang="en-US" sz="1800" spc="-1" strike="noStrike">
                           <a:latin typeface="Arial"/>
@@ -9274,10 +9541,15 @@
                 </a:tc>
                 <a:tc>
                   <a:txBody>
-                    <a:bodyPr lIns="90000" rIns="90000" tIns="46800" bIns="46800">
+                    <a:bodyPr lIns="90000" rIns="90000">
                       <a:noAutofit/>
                     </a:bodyPr>
                     <a:p>
+                      <a:pPr>
+                        <a:lnSpc>
+                          <a:spcPct val="100000"/>
+                        </a:lnSpc>
+                      </a:pPr>
                       <a:r>
                         <a:rPr b="0" lang="en-US" sz="1800" spc="-1" strike="noStrike">
                           <a:latin typeface="Arial"/>
@@ -9289,6 +9561,11 @@
                       </a:endParaRPr>
                     </a:p>
                     <a:p>
+                      <a:pPr>
+                        <a:lnSpc>
+                          <a:spcPct val="100000"/>
+                        </a:lnSpc>
+                      </a:pPr>
                       <a:r>
                         <a:rPr b="0" lang="en-US" sz="1800" spc="-1" strike="noStrike">
                           <a:latin typeface="Arial"/>
@@ -9333,14 +9610,14 @@
       </p:graphicFrame>
       <p:sp>
         <p:nvSpPr>
-          <p:cNvPr id="186" name="TextShape 5"/>
-          <p:cNvSpPr txBox="1"/>
+          <p:cNvPr id="186" name="CustomShape 5"/>
+          <p:cNvSpPr/>
           <p:nvPr/>
         </p:nvSpPr>
         <p:spPr>
           <a:xfrm>
             <a:off x="1005840" y="5303520"/>
-            <a:ext cx="7863840" cy="858240"/>
+            <a:ext cx="7863480" cy="912600"/>
           </a:xfrm>
           <a:prstGeom prst="rect">
             <a:avLst/>
@@ -9350,11 +9627,22 @@
             <a:noFill/>
           </a:ln>
         </p:spPr>
+        <p:style>
+          <a:lnRef idx="0"/>
+          <a:fillRef idx="0"/>
+          <a:effectRef idx="0"/>
+          <a:fontRef idx="minor"/>
+        </p:style>
         <p:txBody>
           <a:bodyPr lIns="90000" rIns="90000" tIns="45000" bIns="45000">
             <a:spAutoFit/>
           </a:bodyPr>
           <a:p>
+            <a:pPr>
+              <a:lnSpc>
+                <a:spcPct val="100000"/>
+              </a:lnSpc>
+            </a:pPr>
             <a:r>
               <a:rPr b="0" lang="en-US" sz="1800" spc="-1" strike="noStrike">
                 <a:latin typeface="Arial"/>
@@ -9367,6 +9655,29 @@
           </a:p>
         </p:txBody>
       </p:sp>
+      <p:pic>
+        <p:nvPicPr>
+          <p:cNvPr id="187" name="" descr=""/>
+          <p:cNvPicPr/>
+          <p:nvPr/>
+        </p:nvPicPr>
+        <p:blipFill>
+          <a:blip r:embed="rId1"/>
+          <a:stretch/>
+        </p:blipFill>
+        <p:spPr>
+          <a:xfrm>
+            <a:off x="6217920" y="2062080"/>
+            <a:ext cx="3749040" cy="3241440"/>
+          </a:xfrm>
+          <a:prstGeom prst="rect">
+            <a:avLst/>
+          </a:prstGeom>
+          <a:ln>
+            <a:noFill/>
+          </a:ln>
+        </p:spPr>
+      </p:pic>
     </p:spTree>
   </p:cSld>
   <mc:AlternateContent>
@@ -9426,14 +9737,14 @@
       </p:grpSpPr>
       <p:sp>
         <p:nvSpPr>
-          <p:cNvPr id="187" name="CustomShape 1"/>
+          <p:cNvPr id="188" name="CustomShape 1"/>
           <p:cNvSpPr/>
           <p:nvPr/>
         </p:nvSpPr>
         <p:spPr>
           <a:xfrm>
             <a:off x="504000" y="285120"/>
-            <a:ext cx="9071280" cy="669600"/>
+            <a:ext cx="9070920" cy="669600"/>
           </a:xfrm>
           <a:prstGeom prst="rect">
             <a:avLst/>
@@ -9465,6 +9776,7 @@
                   <a:srgbClr val="ffffff"/>
                 </a:solidFill>
                 <a:latin typeface="Arial"/>
+                <a:ea typeface="DejaVu Sans"/>
               </a:rPr>
               <a:t>Interesting Facts</a:t>
             </a:r>
@@ -9476,14 +9788,14 @@
       </p:sp>
       <p:sp>
         <p:nvSpPr>
-          <p:cNvPr id="188" name="CustomShape 2"/>
+          <p:cNvPr id="189" name="CustomShape 2"/>
           <p:cNvSpPr/>
           <p:nvPr/>
         </p:nvSpPr>
         <p:spPr>
           <a:xfrm>
             <a:off x="504000" y="1769040"/>
-            <a:ext cx="9071280" cy="4384080"/>
+            <a:ext cx="9070920" cy="4383720"/>
           </a:xfrm>
           <a:prstGeom prst="rect">
             <a:avLst/>
@@ -9500,6 +9812,553 @@
           <a:fontRef idx="minor"/>
         </p:style>
       </p:sp>
+      <p:graphicFrame>
+        <p:nvGraphicFramePr>
+          <p:cNvPr id="190" name="Table 3"/>
+          <p:cNvGraphicFramePr/>
+          <p:nvPr/>
+        </p:nvGraphicFramePr>
+        <p:xfrm>
+          <a:off x="2507040" y="2337480"/>
+          <a:ext cx="5075280" cy="2879280"/>
+        </p:xfrm>
+        <a:graphic>
+          <a:graphicData uri="http://schemas.openxmlformats.org/drawingml/2006/table">
+            <a:tbl>
+              <a:tblPr/>
+              <a:tblGrid>
+                <a:gridCol w="1691640"/>
+                <a:gridCol w="1691640"/>
+                <a:gridCol w="1692360"/>
+              </a:tblGrid>
+              <a:tr h="719640">
+                <a:tc>
+                  <a:txBody>
+                    <a:bodyPr lIns="90000" rIns="90000" tIns="46800" bIns="46800">
+                      <a:noAutofit/>
+                    </a:bodyPr>
+                    <a:p>
+                      <a:r>
+                        <a:rPr b="0" lang="en-US" sz="1800" spc="-1" strike="noStrike">
+                          <a:latin typeface="Arial"/>
+                        </a:rPr>
+                        <a:t>Measurement</a:t>
+                      </a:r>
+                      <a:endParaRPr b="0" lang="en-US" sz="1800" spc="-1" strike="noStrike">
+                        <a:latin typeface="Arial"/>
+                      </a:endParaRPr>
+                    </a:p>
+                  </a:txBody>
+                  <a:tcPr marL="90000" marR="90000">
+                    <a:lnL w="720">
+                      <a:solidFill>
+                        <a:srgbClr val="ffffff"/>
+                      </a:solidFill>
+                    </a:lnL>
+                    <a:lnR w="720">
+                      <a:solidFill>
+                        <a:srgbClr val="ffffff"/>
+                      </a:solidFill>
+                    </a:lnR>
+                    <a:lnT w="720">
+                      <a:solidFill>
+                        <a:srgbClr val="ffffff"/>
+                      </a:solidFill>
+                    </a:lnT>
+                    <a:lnB w="720">
+                      <a:solidFill>
+                        <a:srgbClr val="ffffff"/>
+                      </a:solidFill>
+                    </a:lnB>
+                    <a:solidFill>
+                      <a:srgbClr val="b3b3b3"/>
+                    </a:solidFill>
+                  </a:tcPr>
+                </a:tc>
+                <a:tc>
+                  <a:txBody>
+                    <a:bodyPr lIns="90000" rIns="90000" tIns="46800" bIns="46800">
+                      <a:noAutofit/>
+                    </a:bodyPr>
+                    <a:p>
+                      <a:r>
+                        <a:rPr b="0" lang="en-US" sz="1800" spc="-1" strike="noStrike">
+                          <a:latin typeface="Arial"/>
+                        </a:rPr>
+                        <a:t>State</a:t>
+                      </a:r>
+                      <a:endParaRPr b="0" lang="en-US" sz="1800" spc="-1" strike="noStrike">
+                        <a:latin typeface="Arial"/>
+                      </a:endParaRPr>
+                    </a:p>
+                  </a:txBody>
+                  <a:tcPr marL="90000" marR="90000">
+                    <a:lnL w="720">
+                      <a:solidFill>
+                        <a:srgbClr val="ffffff"/>
+                      </a:solidFill>
+                    </a:lnL>
+                    <a:lnR w="720">
+                      <a:solidFill>
+                        <a:srgbClr val="ffffff"/>
+                      </a:solidFill>
+                    </a:lnR>
+                    <a:lnT w="720">
+                      <a:solidFill>
+                        <a:srgbClr val="ffffff"/>
+                      </a:solidFill>
+                    </a:lnT>
+                    <a:lnB w="720">
+                      <a:solidFill>
+                        <a:srgbClr val="ffffff"/>
+                      </a:solidFill>
+                    </a:lnB>
+                    <a:solidFill>
+                      <a:srgbClr val="b3b3b3"/>
+                    </a:solidFill>
+                  </a:tcPr>
+                </a:tc>
+                <a:tc>
+                  <a:txBody>
+                    <a:bodyPr lIns="90000" rIns="90000" tIns="46800" bIns="46800">
+                      <a:noAutofit/>
+                    </a:bodyPr>
+                    <a:p>
+                      <a:r>
+                        <a:rPr b="0" lang="en-US" sz="1800" spc="-1" strike="noStrike">
+                          <a:latin typeface="Arial"/>
+                        </a:rPr>
+                        <a:t>Maximum   Value</a:t>
+                      </a:r>
+                      <a:endParaRPr b="0" lang="en-US" sz="1800" spc="-1" strike="noStrike">
+                        <a:latin typeface="Arial"/>
+                      </a:endParaRPr>
+                    </a:p>
+                  </a:txBody>
+                  <a:tcPr marL="90000" marR="90000">
+                    <a:lnL w="720">
+                      <a:solidFill>
+                        <a:srgbClr val="ffffff"/>
+                      </a:solidFill>
+                    </a:lnL>
+                    <a:lnR w="720">
+                      <a:solidFill>
+                        <a:srgbClr val="ffffff"/>
+                      </a:solidFill>
+                    </a:lnR>
+                    <a:lnT w="720">
+                      <a:solidFill>
+                        <a:srgbClr val="ffffff"/>
+                      </a:solidFill>
+                    </a:lnT>
+                    <a:lnB w="720">
+                      <a:solidFill>
+                        <a:srgbClr val="ffffff"/>
+                      </a:solidFill>
+                    </a:lnB>
+                    <a:solidFill>
+                      <a:srgbClr val="b3b3b3"/>
+                    </a:solidFill>
+                  </a:tcPr>
+                </a:tc>
+              </a:tr>
+              <a:tr h="719640">
+                <a:tc>
+                  <a:txBody>
+                    <a:bodyPr lIns="90000" rIns="90000" tIns="46800" bIns="46800">
+                      <a:noAutofit/>
+                    </a:bodyPr>
+                    <a:p>
+                      <a:r>
+                        <a:rPr b="0" lang="en-US" sz="1800" spc="-1" strike="noStrike">
+                          <a:latin typeface="Arial"/>
+                        </a:rPr>
+                        <a:t>Breweries Per State</a:t>
+                      </a:r>
+                      <a:endParaRPr b="0" lang="en-US" sz="1800" spc="-1" strike="noStrike">
+                        <a:latin typeface="Arial"/>
+                      </a:endParaRPr>
+                    </a:p>
+                  </a:txBody>
+                  <a:tcPr marL="90000" marR="90000">
+                    <a:lnL w="720">
+                      <a:solidFill>
+                        <a:srgbClr val="ffffff"/>
+                      </a:solidFill>
+                    </a:lnL>
+                    <a:lnR w="720">
+                      <a:solidFill>
+                        <a:srgbClr val="ffffff"/>
+                      </a:solidFill>
+                    </a:lnR>
+                    <a:lnT w="720">
+                      <a:solidFill>
+                        <a:srgbClr val="ffffff"/>
+                      </a:solidFill>
+                    </a:lnT>
+                    <a:lnB w="720">
+                      <a:solidFill>
+                        <a:srgbClr val="ffffff"/>
+                      </a:solidFill>
+                    </a:lnB>
+                    <a:solidFill>
+                      <a:srgbClr val="cccccc"/>
+                    </a:solidFill>
+                  </a:tcPr>
+                </a:tc>
+                <a:tc>
+                  <a:txBody>
+                    <a:bodyPr lIns="90000" rIns="90000" tIns="46800" bIns="46800">
+                      <a:noAutofit/>
+                    </a:bodyPr>
+                    <a:p>
+                      <a:r>
+                        <a:rPr b="0" lang="en-US" sz="1800" spc="-1" strike="noStrike">
+                          <a:latin typeface="Arial"/>
+                        </a:rPr>
+                        <a:t>Colorado</a:t>
+                      </a:r>
+                      <a:endParaRPr b="0" lang="en-US" sz="1800" spc="-1" strike="noStrike">
+                        <a:latin typeface="Arial"/>
+                      </a:endParaRPr>
+                    </a:p>
+                  </a:txBody>
+                  <a:tcPr marL="90000" marR="90000">
+                    <a:lnL w="720">
+                      <a:solidFill>
+                        <a:srgbClr val="ffffff"/>
+                      </a:solidFill>
+                    </a:lnL>
+                    <a:lnR w="720">
+                      <a:solidFill>
+                        <a:srgbClr val="ffffff"/>
+                      </a:solidFill>
+                    </a:lnR>
+                    <a:lnT w="720">
+                      <a:solidFill>
+                        <a:srgbClr val="ffffff"/>
+                      </a:solidFill>
+                    </a:lnT>
+                    <a:lnB w="720">
+                      <a:solidFill>
+                        <a:srgbClr val="ffffff"/>
+                      </a:solidFill>
+                    </a:lnB>
+                    <a:solidFill>
+                      <a:srgbClr val="cccccc"/>
+                    </a:solidFill>
+                  </a:tcPr>
+                </a:tc>
+                <a:tc>
+                  <a:txBody>
+                    <a:bodyPr lIns="90000" rIns="90000" tIns="46800" bIns="46800">
+                      <a:noAutofit/>
+                    </a:bodyPr>
+                    <a:p>
+                      <a:r>
+                        <a:rPr b="0" lang="en-US" sz="1800" spc="-1" strike="noStrike">
+                          <a:latin typeface="Arial"/>
+                        </a:rPr>
+                        <a:t>47</a:t>
+                      </a:r>
+                      <a:endParaRPr b="0" lang="en-US" sz="1800" spc="-1" strike="noStrike">
+                        <a:latin typeface="Arial"/>
+                      </a:endParaRPr>
+                    </a:p>
+                  </a:txBody>
+                  <a:tcPr marL="90000" marR="90000">
+                    <a:lnL w="720">
+                      <a:solidFill>
+                        <a:srgbClr val="ffffff"/>
+                      </a:solidFill>
+                    </a:lnL>
+                    <a:lnR w="720">
+                      <a:solidFill>
+                        <a:srgbClr val="ffffff"/>
+                      </a:solidFill>
+                    </a:lnR>
+                    <a:lnT w="720">
+                      <a:solidFill>
+                        <a:srgbClr val="ffffff"/>
+                      </a:solidFill>
+                    </a:lnT>
+                    <a:lnB w="720">
+                      <a:solidFill>
+                        <a:srgbClr val="ffffff"/>
+                      </a:solidFill>
+                    </a:lnB>
+                    <a:solidFill>
+                      <a:srgbClr val="cccccc"/>
+                    </a:solidFill>
+                  </a:tcPr>
+                </a:tc>
+              </a:tr>
+              <a:tr h="719640">
+                <a:tc>
+                  <a:txBody>
+                    <a:bodyPr lIns="90000" rIns="90000" tIns="46800" bIns="46800">
+                      <a:noAutofit/>
+                    </a:bodyPr>
+                    <a:p>
+                      <a:r>
+                        <a:rPr b="0" lang="en-US" sz="1800" spc="-1" strike="noStrike">
+                          <a:latin typeface="Arial"/>
+                        </a:rPr>
+                        <a:t>ABV</a:t>
+                      </a:r>
+                      <a:endParaRPr b="0" lang="en-US" sz="1800" spc="-1" strike="noStrike">
+                        <a:latin typeface="Arial"/>
+                      </a:endParaRPr>
+                    </a:p>
+                  </a:txBody>
+                  <a:tcPr marL="90000" marR="90000">
+                    <a:lnL w="720">
+                      <a:solidFill>
+                        <a:srgbClr val="ffffff"/>
+                      </a:solidFill>
+                    </a:lnL>
+                    <a:lnR w="720">
+                      <a:solidFill>
+                        <a:srgbClr val="ffffff"/>
+                      </a:solidFill>
+                    </a:lnR>
+                    <a:lnT w="720">
+                      <a:solidFill>
+                        <a:srgbClr val="ffffff"/>
+                      </a:solidFill>
+                    </a:lnT>
+                    <a:lnB w="720">
+                      <a:solidFill>
+                        <a:srgbClr val="ffffff"/>
+                      </a:solidFill>
+                    </a:lnB>
+                    <a:solidFill>
+                      <a:srgbClr val="e6e6e6"/>
+                    </a:solidFill>
+                  </a:tcPr>
+                </a:tc>
+                <a:tc>
+                  <a:txBody>
+                    <a:bodyPr lIns="90000" rIns="90000" tIns="46800" bIns="46800">
+                      <a:noAutofit/>
+                    </a:bodyPr>
+                    <a:p>
+                      <a:r>
+                        <a:rPr b="0" lang="en-US" sz="1800" spc="-1" strike="noStrike">
+                          <a:latin typeface="Arial"/>
+                        </a:rPr>
+                        <a:t>Kentucky</a:t>
+                      </a:r>
+                      <a:endParaRPr b="0" lang="en-US" sz="1800" spc="-1" strike="noStrike">
+                        <a:latin typeface="Arial"/>
+                      </a:endParaRPr>
+                    </a:p>
+                  </a:txBody>
+                  <a:tcPr marL="90000" marR="90000">
+                    <a:lnL w="720">
+                      <a:solidFill>
+                        <a:srgbClr val="ffffff"/>
+                      </a:solidFill>
+                    </a:lnL>
+                    <a:lnR w="720">
+                      <a:solidFill>
+                        <a:srgbClr val="ffffff"/>
+                      </a:solidFill>
+                    </a:lnR>
+                    <a:lnT w="720">
+                      <a:solidFill>
+                        <a:srgbClr val="ffffff"/>
+                      </a:solidFill>
+                    </a:lnT>
+                    <a:lnB w="720">
+                      <a:solidFill>
+                        <a:srgbClr val="ffffff"/>
+                      </a:solidFill>
+                    </a:lnB>
+                    <a:solidFill>
+                      <a:srgbClr val="e6e6e6"/>
+                    </a:solidFill>
+                  </a:tcPr>
+                </a:tc>
+                <a:tc>
+                  <a:txBody>
+                    <a:bodyPr lIns="90000" rIns="90000" tIns="46800" bIns="46800">
+                      <a:noAutofit/>
+                    </a:bodyPr>
+                    <a:p>
+                      <a:r>
+                        <a:rPr b="0" lang="en-US" sz="1800" spc="-1" strike="noStrike">
+                          <a:latin typeface="Arial"/>
+                        </a:rPr>
+                        <a:t>12.8%</a:t>
+                      </a:r>
+                      <a:endParaRPr b="0" lang="en-US" sz="1800" spc="-1" strike="noStrike">
+                        <a:latin typeface="Arial"/>
+                      </a:endParaRPr>
+                    </a:p>
+                  </a:txBody>
+                  <a:tcPr marL="90000" marR="90000">
+                    <a:lnL w="720">
+                      <a:solidFill>
+                        <a:srgbClr val="ffffff"/>
+                      </a:solidFill>
+                    </a:lnL>
+                    <a:lnR w="720">
+                      <a:solidFill>
+                        <a:srgbClr val="ffffff"/>
+                      </a:solidFill>
+                    </a:lnR>
+                    <a:lnT w="720">
+                      <a:solidFill>
+                        <a:srgbClr val="ffffff"/>
+                      </a:solidFill>
+                    </a:lnT>
+                    <a:lnB w="720">
+                      <a:solidFill>
+                        <a:srgbClr val="ffffff"/>
+                      </a:solidFill>
+                    </a:lnB>
+                    <a:solidFill>
+                      <a:srgbClr val="e6e6e6"/>
+                    </a:solidFill>
+                  </a:tcPr>
+                </a:tc>
+              </a:tr>
+              <a:tr h="720720">
+                <a:tc>
+                  <a:txBody>
+                    <a:bodyPr lIns="90000" rIns="90000" tIns="46800" bIns="46800">
+                      <a:noAutofit/>
+                    </a:bodyPr>
+                    <a:p>
+                      <a:r>
+                        <a:rPr b="0" lang="en-US" sz="1800" spc="-1" strike="noStrike">
+                          <a:latin typeface="Arial"/>
+                        </a:rPr>
+                        <a:t>IBU</a:t>
+                      </a:r>
+                      <a:endParaRPr b="0" lang="en-US" sz="1800" spc="-1" strike="noStrike">
+                        <a:latin typeface="Arial"/>
+                      </a:endParaRPr>
+                    </a:p>
+                  </a:txBody>
+                  <a:tcPr marL="90000" marR="90000">
+                    <a:lnL w="720">
+                      <a:solidFill>
+                        <a:srgbClr val="ffffff"/>
+                      </a:solidFill>
+                    </a:lnL>
+                    <a:lnR w="720">
+                      <a:solidFill>
+                        <a:srgbClr val="ffffff"/>
+                      </a:solidFill>
+                    </a:lnR>
+                    <a:lnT w="720">
+                      <a:solidFill>
+                        <a:srgbClr val="ffffff"/>
+                      </a:solidFill>
+                    </a:lnT>
+                    <a:lnB w="720">
+                      <a:solidFill>
+                        <a:srgbClr val="ffffff"/>
+                      </a:solidFill>
+                    </a:lnB>
+                    <a:solidFill>
+                      <a:srgbClr val="cccccc"/>
+                    </a:solidFill>
+                  </a:tcPr>
+                </a:tc>
+                <a:tc>
+                  <a:txBody>
+                    <a:bodyPr lIns="90000" rIns="90000" tIns="46800" bIns="46800">
+                      <a:noAutofit/>
+                    </a:bodyPr>
+                    <a:p>
+                      <a:r>
+                        <a:rPr b="0" lang="en-US" sz="1800" spc="-1" strike="noStrike">
+                          <a:latin typeface="Arial"/>
+                        </a:rPr>
+                        <a:t>Maine</a:t>
+                      </a:r>
+                      <a:endParaRPr b="0" lang="en-US" sz="1800" spc="-1" strike="noStrike">
+                        <a:latin typeface="Arial"/>
+                      </a:endParaRPr>
+                    </a:p>
+                  </a:txBody>
+                  <a:tcPr marL="90000" marR="90000">
+                    <a:lnL w="720">
+                      <a:solidFill>
+                        <a:srgbClr val="ffffff"/>
+                      </a:solidFill>
+                    </a:lnL>
+                    <a:lnR w="720">
+                      <a:solidFill>
+                        <a:srgbClr val="ffffff"/>
+                      </a:solidFill>
+                    </a:lnR>
+                    <a:lnT w="720">
+                      <a:solidFill>
+                        <a:srgbClr val="ffffff"/>
+                      </a:solidFill>
+                    </a:lnT>
+                    <a:lnB w="720">
+                      <a:solidFill>
+                        <a:srgbClr val="ffffff"/>
+                      </a:solidFill>
+                    </a:lnB>
+                    <a:solidFill>
+                      <a:srgbClr val="cccccc"/>
+                    </a:solidFill>
+                  </a:tcPr>
+                </a:tc>
+                <a:tc>
+                  <a:txBody>
+                    <a:bodyPr lIns="90000" rIns="90000" tIns="46800" bIns="46800">
+                      <a:noAutofit/>
+                    </a:bodyPr>
+                    <a:p>
+                      <a:r>
+                        <a:rPr b="0" lang="en-US" sz="1800" spc="-1" strike="noStrike">
+                          <a:latin typeface="Arial"/>
+                        </a:rPr>
+                        <a:t>138</a:t>
+                      </a:r>
+                      <a:endParaRPr b="0" lang="en-US" sz="1800" spc="-1" strike="noStrike">
+                        <a:latin typeface="Arial"/>
+                      </a:endParaRPr>
+                    </a:p>
+                  </a:txBody>
+                  <a:tcPr marL="90000" marR="90000">
+                    <a:lnL w="720">
+                      <a:solidFill>
+                        <a:srgbClr val="ffffff"/>
+                      </a:solidFill>
+                    </a:lnL>
+                    <a:lnR w="720">
+                      <a:solidFill>
+                        <a:srgbClr val="ffffff"/>
+                      </a:solidFill>
+                    </a:lnR>
+                    <a:lnT w="720">
+                      <a:solidFill>
+                        <a:srgbClr val="ffffff"/>
+                      </a:solidFill>
+                    </a:lnT>
+                    <a:lnB w="720">
+                      <a:solidFill>
+                        <a:srgbClr val="ffffff"/>
+                      </a:solidFill>
+                    </a:lnB>
+                    <a:solidFill>
+                      <a:srgbClr val="cccccc"/>
+                    </a:solidFill>
+                  </a:tcPr>
+                </a:tc>
+              </a:tr>
+            </a:tbl>
+          </a:graphicData>
+        </a:graphic>
+      </p:graphicFrame>
     </p:spTree>
   </p:cSld>
   <mc:AlternateContent>
@@ -9559,14 +10418,14 @@
       </p:grpSpPr>
       <p:sp>
         <p:nvSpPr>
-          <p:cNvPr id="189" name="CustomShape 1"/>
+          <p:cNvPr id="191" name="CustomShape 1"/>
           <p:cNvSpPr/>
           <p:nvPr/>
         </p:nvSpPr>
         <p:spPr>
           <a:xfrm>
             <a:off x="504000" y="285120"/>
-            <a:ext cx="9071280" cy="669600"/>
+            <a:ext cx="9070920" cy="669600"/>
           </a:xfrm>
           <a:prstGeom prst="rect">
             <a:avLst/>
@@ -9598,8 +10457,9 @@
                   <a:srgbClr val="ffffff"/>
                 </a:solidFill>
                 <a:latin typeface="Arial"/>
-              </a:rPr>
-              <a:t>Conclusion</a:t>
+                <a:ea typeface="DejaVu Sans"/>
+              </a:rPr>
+              <a:t>Conclusions</a:t>
             </a:r>
             <a:endParaRPr b="0" lang="en-US" sz="4400" spc="-1" strike="noStrike">
               <a:latin typeface="Arial"/>
@@ -9609,14 +10469,14 @@
       </p:sp>
       <p:sp>
         <p:nvSpPr>
-          <p:cNvPr id="190" name="CustomShape 2"/>
+          <p:cNvPr id="192" name="CustomShape 2"/>
           <p:cNvSpPr/>
           <p:nvPr/>
         </p:nvSpPr>
         <p:spPr>
           <a:xfrm>
             <a:off x="504000" y="1769040"/>
-            <a:ext cx="9071280" cy="4384080"/>
+            <a:ext cx="9070920" cy="4383720"/>
           </a:xfrm>
           <a:prstGeom prst="rect">
             <a:avLst/>
@@ -9632,6 +10492,42 @@
           <a:effectRef idx="0"/>
           <a:fontRef idx="minor"/>
         </p:style>
+      </p:sp>
+      <p:sp>
+        <p:nvSpPr>
+          <p:cNvPr id="193" name="TextShape 3"/>
+          <p:cNvSpPr txBox="1"/>
+          <p:nvPr/>
+        </p:nvSpPr>
+        <p:spPr>
+          <a:xfrm>
+            <a:off x="1097280" y="1463040"/>
+            <a:ext cx="7772400" cy="602280"/>
+          </a:xfrm>
+          <a:prstGeom prst="rect">
+            <a:avLst/>
+          </a:prstGeom>
+          <a:noFill/>
+          <a:ln>
+            <a:noFill/>
+          </a:ln>
+        </p:spPr>
+        <p:txBody>
+          <a:bodyPr lIns="90000" rIns="90000" tIns="45000" bIns="45000">
+            <a:spAutoFit/>
+          </a:bodyPr>
+          <a:p>
+            <a:r>
+              <a:rPr b="0" lang="en-US" sz="1800" spc="-1" strike="noStrike">
+                <a:latin typeface="Arial"/>
+              </a:rPr>
+              <a:t>There is a critical assumption in the modeling of IBU that, if violated, would significantly bias most estimates involving IBU:</a:t>
+            </a:r>
+            <a:endParaRPr b="0" lang="en-US" sz="1800" spc="-1" strike="noStrike">
+              <a:latin typeface="Arial"/>
+            </a:endParaRPr>
+          </a:p>
+        </p:txBody>
       </p:sp>
     </p:spTree>
   </p:cSld>
@@ -9673,6 +10569,1144 @@
 </p:sld>
 </file>
 
+<file path=ppt/slides/slide25.xml><?xml version="1.0" encoding="utf-8"?>
+<p:sld xmlns:a="http://schemas.openxmlformats.org/drawingml/2006/main" xmlns:p="http://schemas.openxmlformats.org/presentationml/2006/main" xmlns:r="http://schemas.openxmlformats.org/officeDocument/2006/relationships" xmlns:p14="http://schemas.microsoft.com/office/powerpoint/2010/main" xmlns:p15="http://schemas.microsoft.com/office/powerpoint/2012/main" xmlns:mc="http://schemas.openxmlformats.org/markup-compatibility/2006">
+  <p:cSld>
+    <p:spTree>
+      <p:nvGrpSpPr>
+        <p:cNvPr id="1" name=""/>
+        <p:cNvGrpSpPr/>
+        <p:nvPr/>
+      </p:nvGrpSpPr>
+      <p:grpSpPr>
+        <a:xfrm>
+          <a:off x="0" y="0"/>
+          <a:ext cx="0" cy="0"/>
+          <a:chOff x="0" y="0"/>
+          <a:chExt cx="0" cy="0"/>
+        </a:xfrm>
+      </p:grpSpPr>
+      <p:sp>
+        <p:nvSpPr>
+          <p:cNvPr id="194" name="CustomShape 1"/>
+          <p:cNvSpPr/>
+          <p:nvPr/>
+        </p:nvSpPr>
+        <p:spPr>
+          <a:xfrm>
+            <a:off x="504000" y="285120"/>
+            <a:ext cx="9070920" cy="669600"/>
+          </a:xfrm>
+          <a:prstGeom prst="rect">
+            <a:avLst/>
+          </a:prstGeom>
+          <a:noFill/>
+          <a:ln>
+            <a:noFill/>
+          </a:ln>
+        </p:spPr>
+        <p:style>
+          <a:lnRef idx="0"/>
+          <a:fillRef idx="0"/>
+          <a:effectRef idx="0"/>
+          <a:fontRef idx="minor"/>
+        </p:style>
+        <p:txBody>
+          <a:bodyPr lIns="0" rIns="0" tIns="0" bIns="0" anchor="ctr">
+            <a:spAutoFit/>
+          </a:bodyPr>
+          <a:p>
+            <a:pPr algn="ctr">
+              <a:lnSpc>
+                <a:spcPct val="100000"/>
+              </a:lnSpc>
+            </a:pPr>
+            <a:r>
+              <a:rPr b="0" lang="en-US" sz="4400" spc="-1" strike="noStrike">
+                <a:solidFill>
+                  <a:srgbClr val="ffffff"/>
+                </a:solidFill>
+                <a:latin typeface="Arial"/>
+                <a:ea typeface="DejaVu Sans"/>
+              </a:rPr>
+              <a:t>Conclusions</a:t>
+            </a:r>
+            <a:endParaRPr b="0" lang="en-US" sz="4400" spc="-1" strike="noStrike">
+              <a:latin typeface="Arial"/>
+            </a:endParaRPr>
+          </a:p>
+        </p:txBody>
+      </p:sp>
+      <p:sp>
+        <p:nvSpPr>
+          <p:cNvPr id="195" name="CustomShape 2"/>
+          <p:cNvSpPr/>
+          <p:nvPr/>
+        </p:nvSpPr>
+        <p:spPr>
+          <a:xfrm>
+            <a:off x="504000" y="1769040"/>
+            <a:ext cx="9070920" cy="4383720"/>
+          </a:xfrm>
+          <a:prstGeom prst="rect">
+            <a:avLst/>
+          </a:prstGeom>
+          <a:noFill/>
+          <a:ln>
+            <a:noFill/>
+          </a:ln>
+        </p:spPr>
+        <p:style>
+          <a:lnRef idx="0"/>
+          <a:fillRef idx="0"/>
+          <a:effectRef idx="0"/>
+          <a:fontRef idx="minor"/>
+        </p:style>
+      </p:sp>
+      <p:sp>
+        <p:nvSpPr>
+          <p:cNvPr id="196" name="TextShape 3"/>
+          <p:cNvSpPr txBox="1"/>
+          <p:nvPr/>
+        </p:nvSpPr>
+        <p:spPr>
+          <a:xfrm>
+            <a:off x="1097280" y="1463040"/>
+            <a:ext cx="7772400" cy="1626120"/>
+          </a:xfrm>
+          <a:prstGeom prst="rect">
+            <a:avLst/>
+          </a:prstGeom>
+          <a:noFill/>
+          <a:ln>
+            <a:noFill/>
+          </a:ln>
+        </p:spPr>
+        <p:txBody>
+          <a:bodyPr lIns="90000" rIns="90000" tIns="45000" bIns="45000">
+            <a:spAutoFit/>
+          </a:bodyPr>
+          <a:p>
+            <a:r>
+              <a:rPr b="0" lang="en-US" sz="1800" spc="-1" strike="noStrike">
+                <a:latin typeface="Arial"/>
+              </a:rPr>
+              <a:t>There is a critical assumption in the modelling of IBU that, if violated, would significantly bias most estimates involving IBU:</a:t>
+            </a:r>
+            <a:endParaRPr b="0" lang="en-US" sz="1800" spc="-1" strike="noStrike">
+              <a:latin typeface="Arial"/>
+            </a:endParaRPr>
+          </a:p>
+          <a:p>
+            <a:endParaRPr b="0" lang="en-US" sz="1800" spc="-1" strike="noStrike">
+              <a:latin typeface="Arial"/>
+            </a:endParaRPr>
+          </a:p>
+          <a:p>
+            <a:r>
+              <a:rPr b="0" lang="en-US" sz="1800" spc="-1" strike="noStrike">
+                <a:latin typeface="Arial"/>
+              </a:rPr>
+              <a:t>	</a:t>
+            </a:r>
+            <a:r>
+              <a:rPr b="0" lang="en-US" sz="1800" spc="-1" strike="noStrike">
+                <a:latin typeface="Arial"/>
+              </a:rPr>
+              <a:t>	</a:t>
+            </a:r>
+            <a:r>
+              <a:rPr b="0" lang="en-US" sz="1800" spc="-1" strike="noStrike">
+                <a:latin typeface="Arial"/>
+              </a:rPr>
+              <a:t>If missingness of IBU is caused by IBU being low, then consistent </a:t>
+            </a:r>
+            <a:r>
+              <a:rPr b="0" lang="en-US" sz="1800" spc="-1" strike="noStrike">
+                <a:latin typeface="Arial"/>
+              </a:rPr>
+              <a:t>	</a:t>
+            </a:r>
+            <a:r>
+              <a:rPr b="0" lang="en-US" sz="1800" spc="-1" strike="noStrike">
+                <a:latin typeface="Arial"/>
+              </a:rPr>
+              <a:t>	</a:t>
+            </a:r>
+            <a:r>
+              <a:rPr b="0" lang="en-US" sz="1800" spc="-1" strike="noStrike">
+                <a:latin typeface="Arial"/>
+              </a:rPr>
+              <a:t>estimators involving IBU are impossible.</a:t>
+            </a:r>
+            <a:endParaRPr b="0" lang="en-US" sz="1800" spc="-1" strike="noStrike">
+              <a:latin typeface="Arial"/>
+            </a:endParaRPr>
+          </a:p>
+          <a:p>
+            <a:endParaRPr b="0" lang="en-US" sz="1800" spc="-1" strike="noStrike">
+              <a:latin typeface="Arial"/>
+            </a:endParaRPr>
+          </a:p>
+        </p:txBody>
+      </p:sp>
+    </p:spTree>
+  </p:cSld>
+  <mc:AlternateContent>
+    <mc:Choice Requires="p14">
+      <p:transition spd="slow" p14:dur="2000"/>
+    </mc:Choice>
+    <mc:Fallback>
+      <p:transition spd="slow"/>
+    </mc:Fallback>
+  </mc:AlternateContent>
+  <p:timing>
+    <p:tnLst>
+      <p:par>
+        <p:cTn id="49" dur="indefinite" restart="never" nodeType="tmRoot">
+          <p:childTnLst>
+            <p:seq>
+              <p:cTn id="50" dur="indefinite" nodeType="mainSeq"/>
+              <p:prevCondLst>
+                <p:cond delay="0" evt="onPrev">
+                  <p:tgtEl>
+                    <p:sldTgt/>
+                  </p:tgtEl>
+                </p:cond>
+              </p:prevCondLst>
+              <p:nextCondLst>
+                <p:cond delay="0" evt="onNext">
+                  <p:tgtEl>
+                    <p:sldTgt/>
+                  </p:tgtEl>
+                </p:cond>
+              </p:nextCondLst>
+            </p:seq>
+          </p:childTnLst>
+        </p:cTn>
+      </p:par>
+    </p:tnLst>
+  </p:timing>
+</p:sld>
+</file>
+
+<file path=ppt/slides/slide26.xml><?xml version="1.0" encoding="utf-8"?>
+<p:sld xmlns:a="http://schemas.openxmlformats.org/drawingml/2006/main" xmlns:p="http://schemas.openxmlformats.org/presentationml/2006/main" xmlns:r="http://schemas.openxmlformats.org/officeDocument/2006/relationships" xmlns:p14="http://schemas.microsoft.com/office/powerpoint/2010/main" xmlns:p15="http://schemas.microsoft.com/office/powerpoint/2012/main" xmlns:mc="http://schemas.openxmlformats.org/markup-compatibility/2006">
+  <p:cSld>
+    <p:spTree>
+      <p:nvGrpSpPr>
+        <p:cNvPr id="1" name=""/>
+        <p:cNvGrpSpPr/>
+        <p:nvPr/>
+      </p:nvGrpSpPr>
+      <p:grpSpPr>
+        <a:xfrm>
+          <a:off x="0" y="0"/>
+          <a:ext cx="0" cy="0"/>
+          <a:chOff x="0" y="0"/>
+          <a:chExt cx="0" cy="0"/>
+        </a:xfrm>
+      </p:grpSpPr>
+      <p:sp>
+        <p:nvSpPr>
+          <p:cNvPr id="197" name="CustomShape 1"/>
+          <p:cNvSpPr/>
+          <p:nvPr/>
+        </p:nvSpPr>
+        <p:spPr>
+          <a:xfrm>
+            <a:off x="504000" y="285120"/>
+            <a:ext cx="9070920" cy="669600"/>
+          </a:xfrm>
+          <a:prstGeom prst="rect">
+            <a:avLst/>
+          </a:prstGeom>
+          <a:noFill/>
+          <a:ln>
+            <a:noFill/>
+          </a:ln>
+        </p:spPr>
+        <p:style>
+          <a:lnRef idx="0"/>
+          <a:fillRef idx="0"/>
+          <a:effectRef idx="0"/>
+          <a:fontRef idx="minor"/>
+        </p:style>
+        <p:txBody>
+          <a:bodyPr lIns="0" rIns="0" tIns="0" bIns="0" anchor="ctr">
+            <a:spAutoFit/>
+          </a:bodyPr>
+          <a:p>
+            <a:pPr algn="ctr">
+              <a:lnSpc>
+                <a:spcPct val="100000"/>
+              </a:lnSpc>
+            </a:pPr>
+            <a:r>
+              <a:rPr b="0" lang="en-US" sz="4400" spc="-1" strike="noStrike">
+                <a:solidFill>
+                  <a:srgbClr val="ffffff"/>
+                </a:solidFill>
+                <a:latin typeface="Arial"/>
+                <a:ea typeface="DejaVu Sans"/>
+              </a:rPr>
+              <a:t>Con</a:t>
+            </a:r>
+            <a:r>
+              <a:rPr b="0" lang="en-US" sz="4400" spc="-1" strike="noStrike">
+                <a:solidFill>
+                  <a:srgbClr val="ffffff"/>
+                </a:solidFill>
+                <a:latin typeface="Arial"/>
+                <a:ea typeface="DejaVu Sans"/>
+              </a:rPr>
+              <a:t>clusi</a:t>
+            </a:r>
+            <a:r>
+              <a:rPr b="0" lang="en-US" sz="4400" spc="-1" strike="noStrike">
+                <a:solidFill>
+                  <a:srgbClr val="ffffff"/>
+                </a:solidFill>
+                <a:latin typeface="Arial"/>
+                <a:ea typeface="DejaVu Sans"/>
+              </a:rPr>
+              <a:t>ons</a:t>
+            </a:r>
+            <a:endParaRPr b="0" lang="en-US" sz="4400" spc="-1" strike="noStrike">
+              <a:latin typeface="Arial"/>
+            </a:endParaRPr>
+          </a:p>
+        </p:txBody>
+      </p:sp>
+      <p:sp>
+        <p:nvSpPr>
+          <p:cNvPr id="198" name="CustomShape 2"/>
+          <p:cNvSpPr/>
+          <p:nvPr/>
+        </p:nvSpPr>
+        <p:spPr>
+          <a:xfrm>
+            <a:off x="504000" y="1769040"/>
+            <a:ext cx="9070920" cy="4383720"/>
+          </a:xfrm>
+          <a:prstGeom prst="rect">
+            <a:avLst/>
+          </a:prstGeom>
+          <a:noFill/>
+          <a:ln>
+            <a:noFill/>
+          </a:ln>
+        </p:spPr>
+        <p:style>
+          <a:lnRef idx="0"/>
+          <a:fillRef idx="0"/>
+          <a:effectRef idx="0"/>
+          <a:fontRef idx="minor"/>
+        </p:style>
+      </p:sp>
+      <p:sp>
+        <p:nvSpPr>
+          <p:cNvPr id="199" name="TextShape 3"/>
+          <p:cNvSpPr txBox="1"/>
+          <p:nvPr/>
+        </p:nvSpPr>
+        <p:spPr>
+          <a:xfrm>
+            <a:off x="1097280" y="1463040"/>
+            <a:ext cx="7772400" cy="2138040"/>
+          </a:xfrm>
+          <a:prstGeom prst="rect">
+            <a:avLst/>
+          </a:prstGeom>
+          <a:noFill/>
+          <a:ln>
+            <a:noFill/>
+          </a:ln>
+        </p:spPr>
+        <p:txBody>
+          <a:bodyPr lIns="90000" rIns="90000" tIns="45000" bIns="45000">
+            <a:spAutoFit/>
+          </a:bodyPr>
+          <a:p>
+            <a:r>
+              <a:rPr b="0" lang="en-US" sz="1800" spc="-1" strike="noStrike">
+                <a:latin typeface="Arial"/>
+              </a:rPr>
+              <a:t>There is a critical assumption in the modelling of IBU that, if violated, would significantly bias most estimates involving IBU:</a:t>
+            </a:r>
+            <a:endParaRPr b="0" lang="en-US" sz="1800" spc="-1" strike="noStrike">
+              <a:latin typeface="Arial"/>
+            </a:endParaRPr>
+          </a:p>
+          <a:p>
+            <a:endParaRPr b="0" lang="en-US" sz="1800" spc="-1" strike="noStrike">
+              <a:latin typeface="Arial"/>
+            </a:endParaRPr>
+          </a:p>
+          <a:p>
+            <a:r>
+              <a:rPr b="0" lang="en-US" sz="1800" spc="-1" strike="noStrike">
+                <a:latin typeface="Arial"/>
+              </a:rPr>
+              <a:t>	</a:t>
+            </a:r>
+            <a:r>
+              <a:rPr b="0" lang="en-US" sz="1800" spc="-1" strike="noStrike">
+                <a:latin typeface="Arial"/>
+              </a:rPr>
+              <a:t>	</a:t>
+            </a:r>
+            <a:r>
+              <a:rPr b="0" lang="en-US" sz="1800" spc="-1" strike="noStrike">
+                <a:latin typeface="Arial"/>
+              </a:rPr>
+              <a:t>If missingness of IBU is caused by IBU being low, then consistent </a:t>
+            </a:r>
+            <a:r>
+              <a:rPr b="0" lang="en-US" sz="1800" spc="-1" strike="noStrike">
+                <a:latin typeface="Arial"/>
+              </a:rPr>
+              <a:t>	</a:t>
+            </a:r>
+            <a:r>
+              <a:rPr b="0" lang="en-US" sz="1800" spc="-1" strike="noStrike">
+                <a:latin typeface="Arial"/>
+              </a:rPr>
+              <a:t>	</a:t>
+            </a:r>
+            <a:r>
+              <a:rPr b="0" lang="en-US" sz="1800" spc="-1" strike="noStrike">
+                <a:latin typeface="Arial"/>
+              </a:rPr>
+              <a:t>estimators involving IBU are impossible.</a:t>
+            </a:r>
+            <a:endParaRPr b="0" lang="en-US" sz="1800" spc="-1" strike="noStrike">
+              <a:latin typeface="Arial"/>
+            </a:endParaRPr>
+          </a:p>
+          <a:p>
+            <a:endParaRPr b="0" lang="en-US" sz="1800" spc="-1" strike="noStrike">
+              <a:latin typeface="Arial"/>
+            </a:endParaRPr>
+          </a:p>
+          <a:p>
+            <a:r>
+              <a:rPr b="0" lang="en-US" sz="1800" spc="-1" strike="noStrike">
+                <a:latin typeface="Arial"/>
+              </a:rPr>
+              <a:t>Therefore, it is in the interest of our data strategy to investigate the missingness of IBU and develop policies to promote IBU reporting. </a:t>
+            </a:r>
+            <a:endParaRPr b="0" lang="en-US" sz="1800" spc="-1" strike="noStrike">
+              <a:latin typeface="Arial"/>
+            </a:endParaRPr>
+          </a:p>
+        </p:txBody>
+      </p:sp>
+    </p:spTree>
+  </p:cSld>
+  <mc:AlternateContent>
+    <mc:Choice Requires="p14">
+      <p:transition spd="slow" p14:dur="2000"/>
+    </mc:Choice>
+    <mc:Fallback>
+      <p:transition spd="slow"/>
+    </mc:Fallback>
+  </mc:AlternateContent>
+  <p:timing>
+    <p:tnLst>
+      <p:par>
+        <p:cTn id="51" dur="indefinite" restart="never" nodeType="tmRoot">
+          <p:childTnLst>
+            <p:seq>
+              <p:cTn id="52" dur="indefinite" nodeType="mainSeq"/>
+              <p:prevCondLst>
+                <p:cond delay="0" evt="onPrev">
+                  <p:tgtEl>
+                    <p:sldTgt/>
+                  </p:tgtEl>
+                </p:cond>
+              </p:prevCondLst>
+              <p:nextCondLst>
+                <p:cond delay="0" evt="onNext">
+                  <p:tgtEl>
+                    <p:sldTgt/>
+                  </p:tgtEl>
+                </p:cond>
+              </p:nextCondLst>
+            </p:seq>
+          </p:childTnLst>
+        </p:cTn>
+      </p:par>
+    </p:tnLst>
+  </p:timing>
+</p:sld>
+</file>
+
+<file path=ppt/slides/slide27.xml><?xml version="1.0" encoding="utf-8"?>
+<p:sld xmlns:a="http://schemas.openxmlformats.org/drawingml/2006/main" xmlns:p="http://schemas.openxmlformats.org/presentationml/2006/main" xmlns:r="http://schemas.openxmlformats.org/officeDocument/2006/relationships" xmlns:p14="http://schemas.microsoft.com/office/powerpoint/2010/main" xmlns:p15="http://schemas.microsoft.com/office/powerpoint/2012/main" xmlns:mc="http://schemas.openxmlformats.org/markup-compatibility/2006">
+  <p:cSld>
+    <p:spTree>
+      <p:nvGrpSpPr>
+        <p:cNvPr id="1" name=""/>
+        <p:cNvGrpSpPr/>
+        <p:nvPr/>
+      </p:nvGrpSpPr>
+      <p:grpSpPr>
+        <a:xfrm>
+          <a:off x="0" y="0"/>
+          <a:ext cx="0" cy="0"/>
+          <a:chOff x="0" y="0"/>
+          <a:chExt cx="0" cy="0"/>
+        </a:xfrm>
+      </p:grpSpPr>
+      <p:sp>
+        <p:nvSpPr>
+          <p:cNvPr id="200" name="CustomShape 1"/>
+          <p:cNvSpPr/>
+          <p:nvPr/>
+        </p:nvSpPr>
+        <p:spPr>
+          <a:xfrm>
+            <a:off x="504000" y="285120"/>
+            <a:ext cx="9070920" cy="669600"/>
+          </a:xfrm>
+          <a:prstGeom prst="rect">
+            <a:avLst/>
+          </a:prstGeom>
+          <a:noFill/>
+          <a:ln>
+            <a:noFill/>
+          </a:ln>
+        </p:spPr>
+        <p:style>
+          <a:lnRef idx="0"/>
+          <a:fillRef idx="0"/>
+          <a:effectRef idx="0"/>
+          <a:fontRef idx="minor"/>
+        </p:style>
+        <p:txBody>
+          <a:bodyPr lIns="0" rIns="0" tIns="0" bIns="0" anchor="ctr">
+            <a:spAutoFit/>
+          </a:bodyPr>
+          <a:p>
+            <a:pPr algn="ctr">
+              <a:lnSpc>
+                <a:spcPct val="100000"/>
+              </a:lnSpc>
+            </a:pPr>
+            <a:r>
+              <a:rPr b="0" lang="en-US" sz="4400" spc="-1" strike="noStrike">
+                <a:solidFill>
+                  <a:srgbClr val="ffffff"/>
+                </a:solidFill>
+                <a:latin typeface="Arial"/>
+                <a:ea typeface="DejaVu Sans"/>
+              </a:rPr>
+              <a:t>Conclusions</a:t>
+            </a:r>
+            <a:endParaRPr b="0" lang="en-US" sz="4400" spc="-1" strike="noStrike">
+              <a:latin typeface="Arial"/>
+            </a:endParaRPr>
+          </a:p>
+        </p:txBody>
+      </p:sp>
+      <p:sp>
+        <p:nvSpPr>
+          <p:cNvPr id="201" name="CustomShape 2"/>
+          <p:cNvSpPr/>
+          <p:nvPr/>
+        </p:nvSpPr>
+        <p:spPr>
+          <a:xfrm>
+            <a:off x="504000" y="1769040"/>
+            <a:ext cx="9070920" cy="4383720"/>
+          </a:xfrm>
+          <a:prstGeom prst="rect">
+            <a:avLst/>
+          </a:prstGeom>
+          <a:noFill/>
+          <a:ln>
+            <a:noFill/>
+          </a:ln>
+        </p:spPr>
+        <p:style>
+          <a:lnRef idx="0"/>
+          <a:fillRef idx="0"/>
+          <a:effectRef idx="0"/>
+          <a:fontRef idx="minor"/>
+        </p:style>
+      </p:sp>
+      <p:sp>
+        <p:nvSpPr>
+          <p:cNvPr id="202" name="TextShape 3"/>
+          <p:cNvSpPr txBox="1"/>
+          <p:nvPr/>
+        </p:nvSpPr>
+        <p:spPr>
+          <a:xfrm>
+            <a:off x="1097280" y="1463040"/>
+            <a:ext cx="7772400" cy="2138040"/>
+          </a:xfrm>
+          <a:prstGeom prst="rect">
+            <a:avLst/>
+          </a:prstGeom>
+          <a:noFill/>
+          <a:ln>
+            <a:noFill/>
+          </a:ln>
+        </p:spPr>
+        <p:txBody>
+          <a:bodyPr lIns="90000" rIns="90000" tIns="45000" bIns="45000">
+            <a:spAutoFit/>
+          </a:bodyPr>
+          <a:p>
+            <a:r>
+              <a:rPr b="0" lang="en-US" sz="1800" spc="-1" strike="noStrike">
+                <a:latin typeface="Arial"/>
+              </a:rPr>
+              <a:t>There is a critical assumption in the modelling of IBU that, if violated, would significantly bias most estimates involving IBU:</a:t>
+            </a:r>
+            <a:endParaRPr b="0" lang="en-US" sz="1800" spc="-1" strike="noStrike">
+              <a:latin typeface="Arial"/>
+            </a:endParaRPr>
+          </a:p>
+          <a:p>
+            <a:endParaRPr b="0" lang="en-US" sz="1800" spc="-1" strike="noStrike">
+              <a:latin typeface="Arial"/>
+            </a:endParaRPr>
+          </a:p>
+          <a:p>
+            <a:r>
+              <a:rPr b="0" lang="en-US" sz="1800" spc="-1" strike="noStrike">
+                <a:latin typeface="Arial"/>
+              </a:rPr>
+              <a:t>	</a:t>
+            </a:r>
+            <a:r>
+              <a:rPr b="0" lang="en-US" sz="1800" spc="-1" strike="noStrike">
+                <a:latin typeface="Arial"/>
+              </a:rPr>
+              <a:t>	</a:t>
+            </a:r>
+            <a:r>
+              <a:rPr b="0" lang="en-US" sz="1800" spc="-1" strike="noStrike">
+                <a:latin typeface="Arial"/>
+              </a:rPr>
+              <a:t>If missingness of IBU is caused by IBU being low, then consistent </a:t>
+            </a:r>
+            <a:r>
+              <a:rPr b="0" lang="en-US" sz="1800" spc="-1" strike="noStrike">
+                <a:latin typeface="Arial"/>
+              </a:rPr>
+              <a:t>	</a:t>
+            </a:r>
+            <a:r>
+              <a:rPr b="0" lang="en-US" sz="1800" spc="-1" strike="noStrike">
+                <a:latin typeface="Arial"/>
+              </a:rPr>
+              <a:t>	</a:t>
+            </a:r>
+            <a:r>
+              <a:rPr b="0" lang="en-US" sz="1800" spc="-1" strike="noStrike">
+                <a:latin typeface="Arial"/>
+              </a:rPr>
+              <a:t>estimators involving IBU are impossible.</a:t>
+            </a:r>
+            <a:endParaRPr b="0" lang="en-US" sz="1800" spc="-1" strike="noStrike">
+              <a:latin typeface="Arial"/>
+            </a:endParaRPr>
+          </a:p>
+          <a:p>
+            <a:endParaRPr b="0" lang="en-US" sz="1800" spc="-1" strike="noStrike">
+              <a:latin typeface="Arial"/>
+            </a:endParaRPr>
+          </a:p>
+          <a:p>
+            <a:r>
+              <a:rPr b="0" lang="en-US" sz="1800" spc="-1" strike="noStrike">
+                <a:latin typeface="Arial"/>
+              </a:rPr>
+              <a:t>Therefore, it is in the interest of our data strategy to investigate the missingness of IBU and develop policies to promote IBU reporting. </a:t>
+            </a:r>
+            <a:endParaRPr b="0" lang="en-US" sz="1800" spc="-1" strike="noStrike">
+              <a:latin typeface="Arial"/>
+            </a:endParaRPr>
+          </a:p>
+        </p:txBody>
+      </p:sp>
+      <p:sp>
+        <p:nvSpPr>
+          <p:cNvPr id="203" name="TextShape 4"/>
+          <p:cNvSpPr txBox="1"/>
+          <p:nvPr/>
+        </p:nvSpPr>
+        <p:spPr>
+          <a:xfrm>
+            <a:off x="504000" y="3840480"/>
+            <a:ext cx="8822880" cy="858240"/>
+          </a:xfrm>
+          <a:prstGeom prst="rect">
+            <a:avLst/>
+          </a:prstGeom>
+          <a:noFill/>
+          <a:ln>
+            <a:noFill/>
+          </a:ln>
+        </p:spPr>
+        <p:txBody>
+          <a:bodyPr lIns="90000" rIns="90000" tIns="45000" bIns="45000">
+            <a:spAutoFit/>
+          </a:bodyPr>
+          <a:p>
+            <a:r>
+              <a:rPr b="0" lang="en-US" sz="1800" spc="-1" strike="noStrike">
+                <a:latin typeface="Arial"/>
+              </a:rPr>
+              <a:t>If IBU does not influence its own missingness, then recovering good, consistent estimates will usually be feasible, but may require extracting additional data. This will depend on a literature review or iterative investigation.</a:t>
+            </a:r>
+            <a:endParaRPr b="0" lang="en-US" sz="1800" spc="-1" strike="noStrike">
+              <a:latin typeface="Arial"/>
+            </a:endParaRPr>
+          </a:p>
+        </p:txBody>
+      </p:sp>
+    </p:spTree>
+  </p:cSld>
+  <mc:AlternateContent>
+    <mc:Choice Requires="p14">
+      <p:transition spd="slow" p14:dur="2000"/>
+    </mc:Choice>
+    <mc:Fallback>
+      <p:transition spd="slow"/>
+    </mc:Fallback>
+  </mc:AlternateContent>
+  <p:timing>
+    <p:tnLst>
+      <p:par>
+        <p:cTn id="53" dur="indefinite" restart="never" nodeType="tmRoot">
+          <p:childTnLst>
+            <p:seq>
+              <p:cTn id="54" dur="indefinite" nodeType="mainSeq"/>
+              <p:prevCondLst>
+                <p:cond delay="0" evt="onPrev">
+                  <p:tgtEl>
+                    <p:sldTgt/>
+                  </p:tgtEl>
+                </p:cond>
+              </p:prevCondLst>
+              <p:nextCondLst>
+                <p:cond delay="0" evt="onNext">
+                  <p:tgtEl>
+                    <p:sldTgt/>
+                  </p:tgtEl>
+                </p:cond>
+              </p:nextCondLst>
+            </p:seq>
+          </p:childTnLst>
+        </p:cTn>
+      </p:par>
+    </p:tnLst>
+  </p:timing>
+</p:sld>
+</file>
+
+<file path=ppt/slides/slide28.xml><?xml version="1.0" encoding="utf-8"?>
+<p:sld xmlns:a="http://schemas.openxmlformats.org/drawingml/2006/main" xmlns:p="http://schemas.openxmlformats.org/presentationml/2006/main" xmlns:r="http://schemas.openxmlformats.org/officeDocument/2006/relationships" xmlns:p14="http://schemas.microsoft.com/office/powerpoint/2010/main" xmlns:p15="http://schemas.microsoft.com/office/powerpoint/2012/main" xmlns:mc="http://schemas.openxmlformats.org/markup-compatibility/2006">
+  <p:cSld>
+    <p:spTree>
+      <p:nvGrpSpPr>
+        <p:cNvPr id="1" name=""/>
+        <p:cNvGrpSpPr/>
+        <p:nvPr/>
+      </p:nvGrpSpPr>
+      <p:grpSpPr>
+        <a:xfrm>
+          <a:off x="0" y="0"/>
+          <a:ext cx="0" cy="0"/>
+          <a:chOff x="0" y="0"/>
+          <a:chExt cx="0" cy="0"/>
+        </a:xfrm>
+      </p:grpSpPr>
+      <p:sp>
+        <p:nvSpPr>
+          <p:cNvPr id="204" name="CustomShape 1"/>
+          <p:cNvSpPr/>
+          <p:nvPr/>
+        </p:nvSpPr>
+        <p:spPr>
+          <a:xfrm>
+            <a:off x="504000" y="285120"/>
+            <a:ext cx="9070920" cy="669600"/>
+          </a:xfrm>
+          <a:prstGeom prst="rect">
+            <a:avLst/>
+          </a:prstGeom>
+          <a:noFill/>
+          <a:ln>
+            <a:noFill/>
+          </a:ln>
+        </p:spPr>
+        <p:style>
+          <a:lnRef idx="0"/>
+          <a:fillRef idx="0"/>
+          <a:effectRef idx="0"/>
+          <a:fontRef idx="minor"/>
+        </p:style>
+        <p:txBody>
+          <a:bodyPr lIns="0" rIns="0" tIns="0" bIns="0" anchor="ctr">
+            <a:spAutoFit/>
+          </a:bodyPr>
+          <a:p>
+            <a:pPr algn="ctr">
+              <a:lnSpc>
+                <a:spcPct val="100000"/>
+              </a:lnSpc>
+            </a:pPr>
+            <a:r>
+              <a:rPr b="0" lang="en-US" sz="4400" spc="-1" strike="noStrike">
+                <a:solidFill>
+                  <a:srgbClr val="ffffff"/>
+                </a:solidFill>
+                <a:latin typeface="Arial"/>
+                <a:ea typeface="DejaVu Sans"/>
+              </a:rPr>
+              <a:t>Conclusions</a:t>
+            </a:r>
+            <a:endParaRPr b="0" lang="en-US" sz="4400" spc="-1" strike="noStrike">
+              <a:latin typeface="Arial"/>
+            </a:endParaRPr>
+          </a:p>
+        </p:txBody>
+      </p:sp>
+      <p:sp>
+        <p:nvSpPr>
+          <p:cNvPr id="205" name="CustomShape 2"/>
+          <p:cNvSpPr/>
+          <p:nvPr/>
+        </p:nvSpPr>
+        <p:spPr>
+          <a:xfrm>
+            <a:off x="504000" y="1769040"/>
+            <a:ext cx="9070920" cy="4383720"/>
+          </a:xfrm>
+          <a:prstGeom prst="rect">
+            <a:avLst/>
+          </a:prstGeom>
+          <a:noFill/>
+          <a:ln>
+            <a:noFill/>
+          </a:ln>
+        </p:spPr>
+        <p:style>
+          <a:lnRef idx="0"/>
+          <a:fillRef idx="0"/>
+          <a:effectRef idx="0"/>
+          <a:fontRef idx="minor"/>
+        </p:style>
+      </p:sp>
+      <p:sp>
+        <p:nvSpPr>
+          <p:cNvPr id="206" name="TextShape 3"/>
+          <p:cNvSpPr txBox="1"/>
+          <p:nvPr/>
+        </p:nvSpPr>
+        <p:spPr>
+          <a:xfrm>
+            <a:off x="1097280" y="1463040"/>
+            <a:ext cx="7772400" cy="2138040"/>
+          </a:xfrm>
+          <a:prstGeom prst="rect">
+            <a:avLst/>
+          </a:prstGeom>
+          <a:noFill/>
+          <a:ln>
+            <a:noFill/>
+          </a:ln>
+        </p:spPr>
+        <p:txBody>
+          <a:bodyPr lIns="90000" rIns="90000" tIns="45000" bIns="45000">
+            <a:spAutoFit/>
+          </a:bodyPr>
+          <a:p>
+            <a:r>
+              <a:rPr b="0" lang="en-US" sz="1800" spc="-1" strike="noStrike">
+                <a:latin typeface="Arial"/>
+              </a:rPr>
+              <a:t>There is a critical assumption in the modelling of IBU that, if violated, would significantly bias most estimates involving IBU:</a:t>
+            </a:r>
+            <a:endParaRPr b="0" lang="en-US" sz="1800" spc="-1" strike="noStrike">
+              <a:latin typeface="Arial"/>
+            </a:endParaRPr>
+          </a:p>
+          <a:p>
+            <a:endParaRPr b="0" lang="en-US" sz="1800" spc="-1" strike="noStrike">
+              <a:latin typeface="Arial"/>
+            </a:endParaRPr>
+          </a:p>
+          <a:p>
+            <a:r>
+              <a:rPr b="0" lang="en-US" sz="1800" spc="-1" strike="noStrike">
+                <a:latin typeface="Arial"/>
+              </a:rPr>
+              <a:t>	</a:t>
+            </a:r>
+            <a:r>
+              <a:rPr b="0" lang="en-US" sz="1800" spc="-1" strike="noStrike">
+                <a:latin typeface="Arial"/>
+              </a:rPr>
+              <a:t>	</a:t>
+            </a:r>
+            <a:r>
+              <a:rPr b="0" lang="en-US" sz="1800" spc="-1" strike="noStrike">
+                <a:latin typeface="Arial"/>
+              </a:rPr>
+              <a:t>If missingness of IBU is caused by IBU being low, then consistent </a:t>
+            </a:r>
+            <a:r>
+              <a:rPr b="0" lang="en-US" sz="1800" spc="-1" strike="noStrike">
+                <a:latin typeface="Arial"/>
+              </a:rPr>
+              <a:t>	</a:t>
+            </a:r>
+            <a:r>
+              <a:rPr b="0" lang="en-US" sz="1800" spc="-1" strike="noStrike">
+                <a:latin typeface="Arial"/>
+              </a:rPr>
+              <a:t>	</a:t>
+            </a:r>
+            <a:r>
+              <a:rPr b="0" lang="en-US" sz="1800" spc="-1" strike="noStrike">
+                <a:latin typeface="Arial"/>
+              </a:rPr>
+              <a:t>estimators involving IBU are impossible.</a:t>
+            </a:r>
+            <a:endParaRPr b="0" lang="en-US" sz="1800" spc="-1" strike="noStrike">
+              <a:latin typeface="Arial"/>
+            </a:endParaRPr>
+          </a:p>
+          <a:p>
+            <a:endParaRPr b="0" lang="en-US" sz="1800" spc="-1" strike="noStrike">
+              <a:latin typeface="Arial"/>
+            </a:endParaRPr>
+          </a:p>
+          <a:p>
+            <a:r>
+              <a:rPr b="0" lang="en-US" sz="1800" spc="-1" strike="noStrike">
+                <a:latin typeface="Arial"/>
+              </a:rPr>
+              <a:t>Therefore, it is in the interest of our data strategy to investigate the missingness of IBU and develop policies to promote IBU reporting. </a:t>
+            </a:r>
+            <a:endParaRPr b="0" lang="en-US" sz="1800" spc="-1" strike="noStrike">
+              <a:latin typeface="Arial"/>
+            </a:endParaRPr>
+          </a:p>
+        </p:txBody>
+      </p:sp>
+      <p:sp>
+        <p:nvSpPr>
+          <p:cNvPr id="207" name="TextShape 4"/>
+          <p:cNvSpPr txBox="1"/>
+          <p:nvPr/>
+        </p:nvSpPr>
+        <p:spPr>
+          <a:xfrm>
+            <a:off x="504000" y="3840480"/>
+            <a:ext cx="8822880" cy="858240"/>
+          </a:xfrm>
+          <a:prstGeom prst="rect">
+            <a:avLst/>
+          </a:prstGeom>
+          <a:noFill/>
+          <a:ln>
+            <a:noFill/>
+          </a:ln>
+        </p:spPr>
+        <p:txBody>
+          <a:bodyPr lIns="90000" rIns="90000" tIns="45000" bIns="45000">
+            <a:spAutoFit/>
+          </a:bodyPr>
+          <a:p>
+            <a:r>
+              <a:rPr b="0" lang="en-US" sz="1800" spc="-1" strike="noStrike">
+                <a:latin typeface="Arial"/>
+              </a:rPr>
+              <a:t>If IBU does not influence its own missingness, then recovering good, consistent estimates will usually be feasible, but may require extracting additional data. This will depend on a literature review or iterative investigation.</a:t>
+            </a:r>
+            <a:endParaRPr b="0" lang="en-US" sz="1800" spc="-1" strike="noStrike">
+              <a:latin typeface="Arial"/>
+            </a:endParaRPr>
+          </a:p>
+        </p:txBody>
+      </p:sp>
+      <p:sp>
+        <p:nvSpPr>
+          <p:cNvPr id="208" name="TextShape 5"/>
+          <p:cNvSpPr txBox="1"/>
+          <p:nvPr/>
+        </p:nvSpPr>
+        <p:spPr>
+          <a:xfrm>
+            <a:off x="640080" y="4937760"/>
+            <a:ext cx="8686800" cy="858240"/>
+          </a:xfrm>
+          <a:prstGeom prst="rect">
+            <a:avLst/>
+          </a:prstGeom>
+          <a:noFill/>
+          <a:ln>
+            <a:noFill/>
+          </a:ln>
+        </p:spPr>
+        <p:txBody>
+          <a:bodyPr lIns="90000" rIns="90000" tIns="45000" bIns="45000">
+            <a:spAutoFit/>
+          </a:bodyPr>
+          <a:p>
+            <a:r>
+              <a:rPr b="0" lang="en-US" sz="1800" spc="-1" strike="noStrike">
+                <a:latin typeface="Arial"/>
+              </a:rPr>
+              <a:t>The primary contribution of this analysis is that we find a positive, strong association between ABV and IBU that is robust to style and imputation, assuming that the missingness was at random. </a:t>
+            </a:r>
+            <a:endParaRPr b="0" lang="en-US" sz="1800" spc="-1" strike="noStrike">
+              <a:latin typeface="Arial"/>
+            </a:endParaRPr>
+          </a:p>
+        </p:txBody>
+      </p:sp>
+    </p:spTree>
+  </p:cSld>
+  <mc:AlternateContent>
+    <mc:Choice Requires="p14">
+      <p:transition spd="slow" p14:dur="2000"/>
+    </mc:Choice>
+    <mc:Fallback>
+      <p:transition spd="slow"/>
+    </mc:Fallback>
+  </mc:AlternateContent>
+  <p:timing>
+    <p:tnLst>
+      <p:par>
+        <p:cTn id="55" dur="indefinite" restart="never" nodeType="tmRoot">
+          <p:childTnLst>
+            <p:seq>
+              <p:cTn id="56" dur="indefinite" nodeType="mainSeq"/>
+              <p:prevCondLst>
+                <p:cond delay="0" evt="onPrev">
+                  <p:tgtEl>
+                    <p:sldTgt/>
+                  </p:tgtEl>
+                </p:cond>
+              </p:prevCondLst>
+              <p:nextCondLst>
+                <p:cond delay="0" evt="onNext">
+                  <p:tgtEl>
+                    <p:sldTgt/>
+                  </p:tgtEl>
+                </p:cond>
+              </p:nextCondLst>
+            </p:seq>
+          </p:childTnLst>
+        </p:cTn>
+      </p:par>
+    </p:tnLst>
+  </p:timing>
+</p:sld>
+</file>
+
+<file path=ppt/slides/slide29.xml><?xml version="1.0" encoding="utf-8"?>
+<p:sld xmlns:a="http://schemas.openxmlformats.org/drawingml/2006/main" xmlns:p="http://schemas.openxmlformats.org/presentationml/2006/main" xmlns:r="http://schemas.openxmlformats.org/officeDocument/2006/relationships" xmlns:p14="http://schemas.microsoft.com/office/powerpoint/2010/main" xmlns:p15="http://schemas.microsoft.com/office/powerpoint/2012/main" xmlns:mc="http://schemas.openxmlformats.org/markup-compatibility/2006">
+  <p:cSld>
+    <p:spTree>
+      <p:nvGrpSpPr>
+        <p:cNvPr id="1" name=""/>
+        <p:cNvGrpSpPr/>
+        <p:nvPr/>
+      </p:nvGrpSpPr>
+      <p:grpSpPr>
+        <a:xfrm>
+          <a:off x="0" y="0"/>
+          <a:ext cx="0" cy="0"/>
+          <a:chOff x="0" y="0"/>
+          <a:chExt cx="0" cy="0"/>
+        </a:xfrm>
+      </p:grpSpPr>
+      <p:sp>
+        <p:nvSpPr>
+          <p:cNvPr id="209" name="TextShape 1"/>
+          <p:cNvSpPr txBox="1"/>
+          <p:nvPr/>
+        </p:nvSpPr>
+        <p:spPr>
+          <a:xfrm>
+            <a:off x="1188720" y="2834640"/>
+            <a:ext cx="7680960" cy="771480"/>
+          </a:xfrm>
+          <a:prstGeom prst="rect">
+            <a:avLst/>
+          </a:prstGeom>
+          <a:noFill/>
+          <a:ln>
+            <a:noFill/>
+          </a:ln>
+        </p:spPr>
+        <p:txBody>
+          <a:bodyPr lIns="90000" rIns="90000" tIns="45000" bIns="45000">
+            <a:spAutoFit/>
+          </a:bodyPr>
+          <a:p>
+            <a:r>
+              <a:rPr b="0" lang="en-US" sz="4800" spc="-1" strike="noStrike">
+                <a:latin typeface="Arial"/>
+              </a:rPr>
+              <a:t>Thank you for your time!</a:t>
+            </a:r>
+            <a:endParaRPr b="0" lang="en-US" sz="4800" spc="-1" strike="noStrike">
+              <a:latin typeface="Arial"/>
+            </a:endParaRPr>
+          </a:p>
+        </p:txBody>
+      </p:sp>
+    </p:spTree>
+  </p:cSld>
+  <mc:AlternateContent>
+    <mc:Choice Requires="p14">
+      <p:transition spd="slow" p14:dur="2000"/>
+    </mc:Choice>
+    <mc:Fallback>
+      <p:transition spd="slow"/>
+    </mc:Fallback>
+  </mc:AlternateContent>
+  <p:timing>
+    <p:tnLst>
+      <p:par>
+        <p:cTn id="57" dur="indefinite" restart="never" nodeType="tmRoot">
+          <p:childTnLst>
+            <p:seq>
+              <p:cTn id="58" dur="indefinite" nodeType="mainSeq"/>
+              <p:prevCondLst>
+                <p:cond delay="0" evt="onPrev">
+                  <p:tgtEl>
+                    <p:sldTgt/>
+                  </p:tgtEl>
+                </p:cond>
+              </p:prevCondLst>
+              <p:nextCondLst>
+                <p:cond delay="0" evt="onNext">
+                  <p:tgtEl>
+                    <p:sldTgt/>
+                  </p:tgtEl>
+                </p:cond>
+              </p:nextCondLst>
+            </p:seq>
+          </p:childTnLst>
+        </p:cTn>
+      </p:par>
+    </p:tnLst>
+  </p:timing>
+</p:sld>
+</file>
+
 <file path=ppt/slides/slide3.xml><?xml version="1.0" encoding="utf-8"?>
 <p:sld xmlns:a="http://schemas.openxmlformats.org/drawingml/2006/main" xmlns:p="http://schemas.openxmlformats.org/presentationml/2006/main" xmlns:r="http://schemas.openxmlformats.org/officeDocument/2006/relationships" xmlns:p14="http://schemas.microsoft.com/office/powerpoint/2010/main" xmlns:p15="http://schemas.microsoft.com/office/powerpoint/2012/main" xmlns:mc="http://schemas.openxmlformats.org/markup-compatibility/2006">
   <p:cSld>
@@ -9699,7 +11733,7 @@
         <p:spPr>
           <a:xfrm>
             <a:off x="822960" y="1097280"/>
-            <a:ext cx="7954920" cy="1186920"/>
+            <a:ext cx="7954560" cy="1186920"/>
           </a:xfrm>
           <a:prstGeom prst="rect">
             <a:avLst/>
@@ -9727,8 +11761,12 @@
             </a:pPr>
             <a:r>
               <a:rPr b="1" lang="en-US" sz="2400" spc="-1" strike="noStrike" u="sng">
+                <a:solidFill>
+                  <a:srgbClr val="000000"/>
+                </a:solidFill>
                 <a:uFillTx/>
                 <a:latin typeface="Arial"/>
+                <a:ea typeface="DejaVu Sans"/>
               </a:rPr>
               <a:t>Overview</a:t>
             </a:r>
@@ -9747,7 +11785,7 @@
             </a:endParaRPr>
           </a:p>
           <a:p>
-            <a:pPr marL="216000" indent="-215640">
+            <a:pPr marL="216000" indent="-215280">
               <a:lnSpc>
                 <a:spcPct val="100000"/>
               </a:lnSpc>
@@ -9759,13 +11797,21 @@
             </a:pPr>
             <a:r>
               <a:rPr b="0" lang="en-US" sz="2400" spc="-1" strike="noStrike">
-                <a:latin typeface="Arial"/>
+                <a:solidFill>
+                  <a:srgbClr val="000000"/>
+                </a:solidFill>
+                <a:latin typeface="Arial"/>
+                <a:ea typeface="DejaVu Sans"/>
               </a:rPr>
               <a:t> </a:t>
             </a:r>
             <a:r>
               <a:rPr b="0" lang="en-US" sz="2400" spc="-1" strike="noStrike">
-                <a:latin typeface="Arial"/>
+                <a:solidFill>
+                  <a:srgbClr val="000000"/>
+                </a:solidFill>
+                <a:latin typeface="Arial"/>
+                <a:ea typeface="DejaVu Sans"/>
               </a:rPr>
               <a:t>Discussion Of Prior Beliefs</a:t>
             </a:r>
@@ -9841,7 +11887,7 @@
         <p:spPr>
           <a:xfrm>
             <a:off x="822960" y="1097280"/>
-            <a:ext cx="7954920" cy="1552680"/>
+            <a:ext cx="7954560" cy="1552680"/>
           </a:xfrm>
           <a:prstGeom prst="rect">
             <a:avLst/>
@@ -9869,8 +11915,12 @@
             </a:pPr>
             <a:r>
               <a:rPr b="1" lang="en-US" sz="2400" spc="-1" strike="noStrike" u="sng">
+                <a:solidFill>
+                  <a:srgbClr val="000000"/>
+                </a:solidFill>
                 <a:uFillTx/>
                 <a:latin typeface="Arial"/>
+                <a:ea typeface="DejaVu Sans"/>
               </a:rPr>
               <a:t>Overview</a:t>
             </a:r>
@@ -9889,7 +11939,7 @@
             </a:endParaRPr>
           </a:p>
           <a:p>
-            <a:pPr marL="216000" indent="-215640">
+            <a:pPr marL="216000" indent="-215280">
               <a:lnSpc>
                 <a:spcPct val="100000"/>
               </a:lnSpc>
@@ -9901,13 +11951,21 @@
             </a:pPr>
             <a:r>
               <a:rPr b="0" lang="en-US" sz="2400" spc="-1" strike="noStrike">
-                <a:latin typeface="Arial"/>
+                <a:solidFill>
+                  <a:srgbClr val="000000"/>
+                </a:solidFill>
+                <a:latin typeface="Arial"/>
+                <a:ea typeface="DejaVu Sans"/>
               </a:rPr>
               <a:t> </a:t>
             </a:r>
             <a:r>
               <a:rPr b="0" lang="en-US" sz="2400" spc="-1" strike="noStrike">
-                <a:latin typeface="Arial"/>
+                <a:solidFill>
+                  <a:srgbClr val="000000"/>
+                </a:solidFill>
+                <a:latin typeface="Arial"/>
+                <a:ea typeface="DejaVu Sans"/>
               </a:rPr>
               <a:t>Discussion Of Prior Beliefs</a:t>
             </a:r>
@@ -9916,7 +11974,7 @@
             </a:endParaRPr>
           </a:p>
           <a:p>
-            <a:pPr marL="216000" indent="-215640">
+            <a:pPr marL="216000" indent="-215280">
               <a:lnSpc>
                 <a:spcPct val="100000"/>
               </a:lnSpc>
@@ -9928,13 +11986,21 @@
             </a:pPr>
             <a:r>
               <a:rPr b="0" lang="en-US" sz="2400" spc="-1" strike="noStrike">
-                <a:latin typeface="Arial"/>
+                <a:solidFill>
+                  <a:srgbClr val="000000"/>
+                </a:solidFill>
+                <a:latin typeface="Arial"/>
+                <a:ea typeface="DejaVu Sans"/>
               </a:rPr>
               <a:t> </a:t>
             </a:r>
             <a:r>
               <a:rPr b="0" lang="en-US" sz="2400" spc="-1" strike="noStrike">
-                <a:latin typeface="Arial"/>
+                <a:solidFill>
+                  <a:srgbClr val="000000"/>
+                </a:solidFill>
+                <a:latin typeface="Arial"/>
+                <a:ea typeface="DejaVu Sans"/>
               </a:rPr>
               <a:t>Exploratory Analysis</a:t>
             </a:r>
@@ -10010,7 +12076,7 @@
         <p:spPr>
           <a:xfrm>
             <a:off x="822960" y="1097280"/>
-            <a:ext cx="7954920" cy="1918440"/>
+            <a:ext cx="7954560" cy="1918440"/>
           </a:xfrm>
           <a:prstGeom prst="rect">
             <a:avLst/>
@@ -10038,8 +12104,12 @@
             </a:pPr>
             <a:r>
               <a:rPr b="1" lang="en-US" sz="2400" spc="-1" strike="noStrike" u="sng">
+                <a:solidFill>
+                  <a:srgbClr val="000000"/>
+                </a:solidFill>
                 <a:uFillTx/>
                 <a:latin typeface="Arial"/>
+                <a:ea typeface="DejaVu Sans"/>
               </a:rPr>
               <a:t>Overview</a:t>
             </a:r>
@@ -10058,7 +12128,7 @@
             </a:endParaRPr>
           </a:p>
           <a:p>
-            <a:pPr marL="216000" indent="-215640">
+            <a:pPr marL="216000" indent="-215280">
               <a:lnSpc>
                 <a:spcPct val="100000"/>
               </a:lnSpc>
@@ -10070,13 +12140,21 @@
             </a:pPr>
             <a:r>
               <a:rPr b="0" lang="en-US" sz="2400" spc="-1" strike="noStrike">
-                <a:latin typeface="Arial"/>
+                <a:solidFill>
+                  <a:srgbClr val="000000"/>
+                </a:solidFill>
+                <a:latin typeface="Arial"/>
+                <a:ea typeface="DejaVu Sans"/>
               </a:rPr>
               <a:t> </a:t>
             </a:r>
             <a:r>
               <a:rPr b="0" lang="en-US" sz="2400" spc="-1" strike="noStrike">
-                <a:latin typeface="Arial"/>
+                <a:solidFill>
+                  <a:srgbClr val="000000"/>
+                </a:solidFill>
+                <a:latin typeface="Arial"/>
+                <a:ea typeface="DejaVu Sans"/>
               </a:rPr>
               <a:t>Discussion Of Prior Beliefs</a:t>
             </a:r>
@@ -10085,7 +12163,7 @@
             </a:endParaRPr>
           </a:p>
           <a:p>
-            <a:pPr marL="216000" indent="-215640">
+            <a:pPr marL="216000" indent="-215280">
               <a:lnSpc>
                 <a:spcPct val="100000"/>
               </a:lnSpc>
@@ -10097,13 +12175,21 @@
             </a:pPr>
             <a:r>
               <a:rPr b="0" lang="en-US" sz="2400" spc="-1" strike="noStrike">
-                <a:latin typeface="Arial"/>
+                <a:solidFill>
+                  <a:srgbClr val="000000"/>
+                </a:solidFill>
+                <a:latin typeface="Arial"/>
+                <a:ea typeface="DejaVu Sans"/>
               </a:rPr>
               <a:t> </a:t>
             </a:r>
             <a:r>
               <a:rPr b="0" lang="en-US" sz="2400" spc="-1" strike="noStrike">
-                <a:latin typeface="Arial"/>
+                <a:solidFill>
+                  <a:srgbClr val="000000"/>
+                </a:solidFill>
+                <a:latin typeface="Arial"/>
+                <a:ea typeface="DejaVu Sans"/>
               </a:rPr>
               <a:t>Exploratory Analysis</a:t>
             </a:r>
@@ -10112,7 +12198,7 @@
             </a:endParaRPr>
           </a:p>
           <a:p>
-            <a:pPr marL="216000" indent="-215640">
+            <a:pPr marL="216000" indent="-215280">
               <a:lnSpc>
                 <a:spcPct val="100000"/>
               </a:lnSpc>
@@ -10124,13 +12210,21 @@
             </a:pPr>
             <a:r>
               <a:rPr b="0" lang="en-US" sz="2400" spc="-1" strike="noStrike">
-                <a:latin typeface="Arial"/>
+                <a:solidFill>
+                  <a:srgbClr val="000000"/>
+                </a:solidFill>
+                <a:latin typeface="Arial"/>
+                <a:ea typeface="DejaVu Sans"/>
               </a:rPr>
               <a:t> </a:t>
             </a:r>
             <a:r>
               <a:rPr b="0" lang="en-US" sz="2400" spc="-1" strike="noStrike">
-                <a:latin typeface="Arial"/>
+                <a:solidFill>
+                  <a:srgbClr val="000000"/>
+                </a:solidFill>
+                <a:latin typeface="Arial"/>
+                <a:ea typeface="DejaVu Sans"/>
               </a:rPr>
               <a:t>Updated Pre-Estimation Beliefs</a:t>
             </a:r>
@@ -10206,7 +12300,7 @@
         <p:spPr>
           <a:xfrm>
             <a:off x="822960" y="1097280"/>
-            <a:ext cx="7954920" cy="2284200"/>
+            <a:ext cx="7954560" cy="2284200"/>
           </a:xfrm>
           <a:prstGeom prst="rect">
             <a:avLst/>
@@ -10234,8 +12328,12 @@
             </a:pPr>
             <a:r>
               <a:rPr b="1" lang="en-US" sz="2400" spc="-1" strike="noStrike" u="sng">
+                <a:solidFill>
+                  <a:srgbClr val="000000"/>
+                </a:solidFill>
                 <a:uFillTx/>
                 <a:latin typeface="Arial"/>
+                <a:ea typeface="DejaVu Sans"/>
               </a:rPr>
               <a:t>Overview</a:t>
             </a:r>
@@ -10254,7 +12352,7 @@
             </a:endParaRPr>
           </a:p>
           <a:p>
-            <a:pPr marL="216000" indent="-215640">
+            <a:pPr marL="216000" indent="-215280">
               <a:lnSpc>
                 <a:spcPct val="100000"/>
               </a:lnSpc>
@@ -10266,13 +12364,21 @@
             </a:pPr>
             <a:r>
               <a:rPr b="0" lang="en-US" sz="2400" spc="-1" strike="noStrike">
-                <a:latin typeface="Arial"/>
+                <a:solidFill>
+                  <a:srgbClr val="000000"/>
+                </a:solidFill>
+                <a:latin typeface="Arial"/>
+                <a:ea typeface="DejaVu Sans"/>
               </a:rPr>
               <a:t> </a:t>
             </a:r>
             <a:r>
               <a:rPr b="0" lang="en-US" sz="2400" spc="-1" strike="noStrike">
-                <a:latin typeface="Arial"/>
+                <a:solidFill>
+                  <a:srgbClr val="000000"/>
+                </a:solidFill>
+                <a:latin typeface="Arial"/>
+                <a:ea typeface="DejaVu Sans"/>
               </a:rPr>
               <a:t>Discussion Of Prior Beliefs</a:t>
             </a:r>
@@ -10281,7 +12387,7 @@
             </a:endParaRPr>
           </a:p>
           <a:p>
-            <a:pPr marL="216000" indent="-215640">
+            <a:pPr marL="216000" indent="-215280">
               <a:lnSpc>
                 <a:spcPct val="100000"/>
               </a:lnSpc>
@@ -10293,13 +12399,21 @@
             </a:pPr>
             <a:r>
               <a:rPr b="0" lang="en-US" sz="2400" spc="-1" strike="noStrike">
-                <a:latin typeface="Arial"/>
+                <a:solidFill>
+                  <a:srgbClr val="000000"/>
+                </a:solidFill>
+                <a:latin typeface="Arial"/>
+                <a:ea typeface="DejaVu Sans"/>
               </a:rPr>
               <a:t> </a:t>
             </a:r>
             <a:r>
               <a:rPr b="0" lang="en-US" sz="2400" spc="-1" strike="noStrike">
-                <a:latin typeface="Arial"/>
+                <a:solidFill>
+                  <a:srgbClr val="000000"/>
+                </a:solidFill>
+                <a:latin typeface="Arial"/>
+                <a:ea typeface="DejaVu Sans"/>
               </a:rPr>
               <a:t>Exploratory Analysis</a:t>
             </a:r>
@@ -10308,7 +12422,7 @@
             </a:endParaRPr>
           </a:p>
           <a:p>
-            <a:pPr marL="216000" indent="-215640">
+            <a:pPr marL="216000" indent="-215280">
               <a:lnSpc>
                 <a:spcPct val="100000"/>
               </a:lnSpc>
@@ -10320,13 +12434,21 @@
             </a:pPr>
             <a:r>
               <a:rPr b="0" lang="en-US" sz="2400" spc="-1" strike="noStrike">
-                <a:latin typeface="Arial"/>
+                <a:solidFill>
+                  <a:srgbClr val="000000"/>
+                </a:solidFill>
+                <a:latin typeface="Arial"/>
+                <a:ea typeface="DejaVu Sans"/>
               </a:rPr>
               <a:t> </a:t>
             </a:r>
             <a:r>
               <a:rPr b="0" lang="en-US" sz="2400" spc="-1" strike="noStrike">
-                <a:latin typeface="Arial"/>
+                <a:solidFill>
+                  <a:srgbClr val="000000"/>
+                </a:solidFill>
+                <a:latin typeface="Arial"/>
+                <a:ea typeface="DejaVu Sans"/>
               </a:rPr>
               <a:t>Updated Pre-Estimation Beliefs</a:t>
             </a:r>
@@ -10335,7 +12457,7 @@
             </a:endParaRPr>
           </a:p>
           <a:p>
-            <a:pPr marL="216000" indent="-215640">
+            <a:pPr marL="216000" indent="-215280">
               <a:lnSpc>
                 <a:spcPct val="100000"/>
               </a:lnSpc>
@@ -10347,13 +12469,21 @@
             </a:pPr>
             <a:r>
               <a:rPr b="0" lang="en-US" sz="2400" spc="-1" strike="noStrike">
-                <a:latin typeface="Arial"/>
+                <a:solidFill>
+                  <a:srgbClr val="000000"/>
+                </a:solidFill>
+                <a:latin typeface="Arial"/>
+                <a:ea typeface="DejaVu Sans"/>
               </a:rPr>
               <a:t> </a:t>
             </a:r>
             <a:r>
               <a:rPr b="0" lang="en-US" sz="2400" spc="-1" strike="noStrike">
-                <a:latin typeface="Arial"/>
+                <a:solidFill>
+                  <a:srgbClr val="000000"/>
+                </a:solidFill>
+                <a:latin typeface="Arial"/>
+                <a:ea typeface="DejaVu Sans"/>
               </a:rPr>
               <a:t>Estimation of Relationship between ABV and IBU</a:t>
             </a:r>
@@ -10429,7 +12559,7 @@
         <p:spPr>
           <a:xfrm>
             <a:off x="822960" y="1097280"/>
-            <a:ext cx="7954920" cy="2650680"/>
+            <a:ext cx="7954560" cy="2650320"/>
           </a:xfrm>
           <a:prstGeom prst="rect">
             <a:avLst/>
@@ -10457,8 +12587,12 @@
             </a:pPr>
             <a:r>
               <a:rPr b="1" lang="en-US" sz="2400" spc="-1" strike="noStrike" u="sng">
+                <a:solidFill>
+                  <a:srgbClr val="000000"/>
+                </a:solidFill>
                 <a:uFillTx/>
                 <a:latin typeface="Arial"/>
+                <a:ea typeface="DejaVu Sans"/>
               </a:rPr>
               <a:t>Overview</a:t>
             </a:r>
@@ -10477,7 +12611,7 @@
             </a:endParaRPr>
           </a:p>
           <a:p>
-            <a:pPr marL="216000" indent="-215640">
+            <a:pPr marL="216000" indent="-215280">
               <a:lnSpc>
                 <a:spcPct val="100000"/>
               </a:lnSpc>
@@ -10489,13 +12623,21 @@
             </a:pPr>
             <a:r>
               <a:rPr b="0" lang="en-US" sz="2400" spc="-1" strike="noStrike">
-                <a:latin typeface="Arial"/>
+                <a:solidFill>
+                  <a:srgbClr val="000000"/>
+                </a:solidFill>
+                <a:latin typeface="Arial"/>
+                <a:ea typeface="DejaVu Sans"/>
               </a:rPr>
               <a:t> </a:t>
             </a:r>
             <a:r>
               <a:rPr b="0" lang="en-US" sz="2400" spc="-1" strike="noStrike">
-                <a:latin typeface="Arial"/>
+                <a:solidFill>
+                  <a:srgbClr val="000000"/>
+                </a:solidFill>
+                <a:latin typeface="Arial"/>
+                <a:ea typeface="DejaVu Sans"/>
               </a:rPr>
               <a:t>Discussion Of Prior Beliefs</a:t>
             </a:r>
@@ -10504,7 +12646,7 @@
             </a:endParaRPr>
           </a:p>
           <a:p>
-            <a:pPr marL="216000" indent="-215640">
+            <a:pPr marL="216000" indent="-215280">
               <a:lnSpc>
                 <a:spcPct val="100000"/>
               </a:lnSpc>
@@ -10516,13 +12658,21 @@
             </a:pPr>
             <a:r>
               <a:rPr b="0" lang="en-US" sz="2400" spc="-1" strike="noStrike">
-                <a:latin typeface="Arial"/>
+                <a:solidFill>
+                  <a:srgbClr val="000000"/>
+                </a:solidFill>
+                <a:latin typeface="Arial"/>
+                <a:ea typeface="DejaVu Sans"/>
               </a:rPr>
               <a:t> </a:t>
             </a:r>
             <a:r>
               <a:rPr b="0" lang="en-US" sz="2400" spc="-1" strike="noStrike">
-                <a:latin typeface="Arial"/>
+                <a:solidFill>
+                  <a:srgbClr val="000000"/>
+                </a:solidFill>
+                <a:latin typeface="Arial"/>
+                <a:ea typeface="DejaVu Sans"/>
               </a:rPr>
               <a:t>Exploratory Analysis</a:t>
             </a:r>
@@ -10531,7 +12681,7 @@
             </a:endParaRPr>
           </a:p>
           <a:p>
-            <a:pPr marL="216000" indent="-215640">
+            <a:pPr marL="216000" indent="-215280">
               <a:lnSpc>
                 <a:spcPct val="100000"/>
               </a:lnSpc>
@@ -10543,13 +12693,21 @@
             </a:pPr>
             <a:r>
               <a:rPr b="0" lang="en-US" sz="2400" spc="-1" strike="noStrike">
-                <a:latin typeface="Arial"/>
+                <a:solidFill>
+                  <a:srgbClr val="000000"/>
+                </a:solidFill>
+                <a:latin typeface="Arial"/>
+                <a:ea typeface="DejaVu Sans"/>
               </a:rPr>
               <a:t> </a:t>
             </a:r>
             <a:r>
               <a:rPr b="0" lang="en-US" sz="2400" spc="-1" strike="noStrike">
-                <a:latin typeface="Arial"/>
+                <a:solidFill>
+                  <a:srgbClr val="000000"/>
+                </a:solidFill>
+                <a:latin typeface="Arial"/>
+                <a:ea typeface="DejaVu Sans"/>
               </a:rPr>
               <a:t>Updated Pre-Estimation Beliefs</a:t>
             </a:r>
@@ -10558,7 +12716,7 @@
             </a:endParaRPr>
           </a:p>
           <a:p>
-            <a:pPr marL="216000" indent="-215640">
+            <a:pPr marL="216000" indent="-215280">
               <a:lnSpc>
                 <a:spcPct val="100000"/>
               </a:lnSpc>
@@ -10570,13 +12728,21 @@
             </a:pPr>
             <a:r>
               <a:rPr b="0" lang="en-US" sz="2400" spc="-1" strike="noStrike">
-                <a:latin typeface="Arial"/>
+                <a:solidFill>
+                  <a:srgbClr val="000000"/>
+                </a:solidFill>
+                <a:latin typeface="Arial"/>
+                <a:ea typeface="DejaVu Sans"/>
               </a:rPr>
               <a:t> </a:t>
             </a:r>
             <a:r>
               <a:rPr b="0" lang="en-US" sz="2400" spc="-1" strike="noStrike">
-                <a:latin typeface="Arial"/>
+                <a:solidFill>
+                  <a:srgbClr val="000000"/>
+                </a:solidFill>
+                <a:latin typeface="Arial"/>
+                <a:ea typeface="DejaVu Sans"/>
               </a:rPr>
               <a:t>Estimation of Relationship between ABV and IBU</a:t>
             </a:r>
@@ -10585,7 +12751,7 @@
             </a:endParaRPr>
           </a:p>
           <a:p>
-            <a:pPr marL="216000" indent="-215640">
+            <a:pPr marL="216000" indent="-215280">
               <a:lnSpc>
                 <a:spcPct val="100000"/>
               </a:lnSpc>
@@ -10597,13 +12763,21 @@
             </a:pPr>
             <a:r>
               <a:rPr b="0" lang="en-US" sz="2400" spc="-1" strike="noStrike">
-                <a:latin typeface="Arial"/>
+                <a:solidFill>
+                  <a:srgbClr val="000000"/>
+                </a:solidFill>
+                <a:latin typeface="Arial"/>
+                <a:ea typeface="DejaVu Sans"/>
               </a:rPr>
               <a:t> </a:t>
             </a:r>
             <a:r>
               <a:rPr b="0" lang="en-US" sz="2400" spc="-1" strike="noStrike">
-                <a:latin typeface="Arial"/>
+                <a:solidFill>
+                  <a:srgbClr val="000000"/>
+                </a:solidFill>
+                <a:latin typeface="Arial"/>
+                <a:ea typeface="DejaVu Sans"/>
               </a:rPr>
               <a:t>Facts of Interest</a:t>
             </a:r>
@@ -10679,7 +12853,7 @@
         <p:spPr>
           <a:xfrm>
             <a:off x="822960" y="1097280"/>
-            <a:ext cx="7954920" cy="3015720"/>
+            <a:ext cx="7954560" cy="3015720"/>
           </a:xfrm>
           <a:prstGeom prst="rect">
             <a:avLst/>
@@ -10707,8 +12881,12 @@
             </a:pPr>
             <a:r>
               <a:rPr b="1" lang="en-US" sz="2400" spc="-1" strike="noStrike" u="sng">
+                <a:solidFill>
+                  <a:srgbClr val="000000"/>
+                </a:solidFill>
                 <a:uFillTx/>
                 <a:latin typeface="Arial"/>
+                <a:ea typeface="DejaVu Sans"/>
               </a:rPr>
               <a:t>Overview</a:t>
             </a:r>
@@ -10727,7 +12905,7 @@
             </a:endParaRPr>
           </a:p>
           <a:p>
-            <a:pPr marL="216000" indent="-215640">
+            <a:pPr marL="216000" indent="-215280">
               <a:lnSpc>
                 <a:spcPct val="100000"/>
               </a:lnSpc>
@@ -10739,13 +12917,21 @@
             </a:pPr>
             <a:r>
               <a:rPr b="0" lang="en-US" sz="2400" spc="-1" strike="noStrike">
-                <a:latin typeface="Arial"/>
+                <a:solidFill>
+                  <a:srgbClr val="000000"/>
+                </a:solidFill>
+                <a:latin typeface="Arial"/>
+                <a:ea typeface="DejaVu Sans"/>
               </a:rPr>
               <a:t> </a:t>
             </a:r>
             <a:r>
               <a:rPr b="0" lang="en-US" sz="2400" spc="-1" strike="noStrike">
-                <a:latin typeface="Arial"/>
+                <a:solidFill>
+                  <a:srgbClr val="000000"/>
+                </a:solidFill>
+                <a:latin typeface="Arial"/>
+                <a:ea typeface="DejaVu Sans"/>
               </a:rPr>
               <a:t>Discussion Of Prior Beliefs</a:t>
             </a:r>
@@ -10754,7 +12940,7 @@
             </a:endParaRPr>
           </a:p>
           <a:p>
-            <a:pPr marL="216000" indent="-215640">
+            <a:pPr marL="216000" indent="-215280">
               <a:lnSpc>
                 <a:spcPct val="100000"/>
               </a:lnSpc>
@@ -10766,13 +12952,21 @@
             </a:pPr>
             <a:r>
               <a:rPr b="0" lang="en-US" sz="2400" spc="-1" strike="noStrike">
-                <a:latin typeface="Arial"/>
+                <a:solidFill>
+                  <a:srgbClr val="000000"/>
+                </a:solidFill>
+                <a:latin typeface="Arial"/>
+                <a:ea typeface="DejaVu Sans"/>
               </a:rPr>
               <a:t> </a:t>
             </a:r>
             <a:r>
               <a:rPr b="0" lang="en-US" sz="2400" spc="-1" strike="noStrike">
-                <a:latin typeface="Arial"/>
+                <a:solidFill>
+                  <a:srgbClr val="000000"/>
+                </a:solidFill>
+                <a:latin typeface="Arial"/>
+                <a:ea typeface="DejaVu Sans"/>
               </a:rPr>
               <a:t>Exploratory Analysis</a:t>
             </a:r>
@@ -10781,7 +12975,7 @@
             </a:endParaRPr>
           </a:p>
           <a:p>
-            <a:pPr marL="216000" indent="-215640">
+            <a:pPr marL="216000" indent="-215280">
               <a:lnSpc>
                 <a:spcPct val="100000"/>
               </a:lnSpc>
@@ -10793,13 +12987,21 @@
             </a:pPr>
             <a:r>
               <a:rPr b="0" lang="en-US" sz="2400" spc="-1" strike="noStrike">
-                <a:latin typeface="Arial"/>
+                <a:solidFill>
+                  <a:srgbClr val="000000"/>
+                </a:solidFill>
+                <a:latin typeface="Arial"/>
+                <a:ea typeface="DejaVu Sans"/>
               </a:rPr>
               <a:t> </a:t>
             </a:r>
             <a:r>
               <a:rPr b="0" lang="en-US" sz="2400" spc="-1" strike="noStrike">
-                <a:latin typeface="Arial"/>
+                <a:solidFill>
+                  <a:srgbClr val="000000"/>
+                </a:solidFill>
+                <a:latin typeface="Arial"/>
+                <a:ea typeface="DejaVu Sans"/>
               </a:rPr>
               <a:t>Updated Pre-Estimation Beliefs</a:t>
             </a:r>
@@ -10808,7 +13010,7 @@
             </a:endParaRPr>
           </a:p>
           <a:p>
-            <a:pPr marL="216000" indent="-215640">
+            <a:pPr marL="216000" indent="-215280">
               <a:lnSpc>
                 <a:spcPct val="100000"/>
               </a:lnSpc>
@@ -10820,13 +13022,21 @@
             </a:pPr>
             <a:r>
               <a:rPr b="0" lang="en-US" sz="2400" spc="-1" strike="noStrike">
-                <a:latin typeface="Arial"/>
+                <a:solidFill>
+                  <a:srgbClr val="000000"/>
+                </a:solidFill>
+                <a:latin typeface="Arial"/>
+                <a:ea typeface="DejaVu Sans"/>
               </a:rPr>
               <a:t> </a:t>
             </a:r>
             <a:r>
               <a:rPr b="0" lang="en-US" sz="2400" spc="-1" strike="noStrike">
-                <a:latin typeface="Arial"/>
+                <a:solidFill>
+                  <a:srgbClr val="000000"/>
+                </a:solidFill>
+                <a:latin typeface="Arial"/>
+                <a:ea typeface="DejaVu Sans"/>
               </a:rPr>
               <a:t>Estimation of Relationship between ABV and IBU</a:t>
             </a:r>
@@ -10835,7 +13045,7 @@
             </a:endParaRPr>
           </a:p>
           <a:p>
-            <a:pPr marL="216000" indent="-215640">
+            <a:pPr marL="216000" indent="-215280">
               <a:lnSpc>
                 <a:spcPct val="100000"/>
               </a:lnSpc>
@@ -10847,13 +13057,21 @@
             </a:pPr>
             <a:r>
               <a:rPr b="0" lang="en-US" sz="2400" spc="-1" strike="noStrike">
-                <a:latin typeface="Arial"/>
+                <a:solidFill>
+                  <a:srgbClr val="000000"/>
+                </a:solidFill>
+                <a:latin typeface="Arial"/>
+                <a:ea typeface="DejaVu Sans"/>
               </a:rPr>
               <a:t> </a:t>
             </a:r>
             <a:r>
               <a:rPr b="0" lang="en-US" sz="2400" spc="-1" strike="noStrike">
-                <a:latin typeface="Arial"/>
+                <a:solidFill>
+                  <a:srgbClr val="000000"/>
+                </a:solidFill>
+                <a:latin typeface="Arial"/>
+                <a:ea typeface="DejaVu Sans"/>
               </a:rPr>
               <a:t>Facts of Interest</a:t>
             </a:r>
@@ -10862,7 +13080,7 @@
             </a:endParaRPr>
           </a:p>
           <a:p>
-            <a:pPr marL="216000" indent="-215640">
+            <a:pPr marL="216000" indent="-215280">
               <a:lnSpc>
                 <a:spcPct val="100000"/>
               </a:lnSpc>
@@ -10874,15 +13092,23 @@
             </a:pPr>
             <a:r>
               <a:rPr b="0" lang="en-US" sz="2400" spc="-1" strike="noStrike">
-                <a:latin typeface="Arial"/>
+                <a:solidFill>
+                  <a:srgbClr val="000000"/>
+                </a:solidFill>
+                <a:latin typeface="Arial"/>
+                <a:ea typeface="DejaVu Sans"/>
               </a:rPr>
               <a:t> </a:t>
             </a:r>
             <a:r>
               <a:rPr b="0" lang="en-US" sz="2400" spc="-1" strike="noStrike">
-                <a:latin typeface="Arial"/>
-              </a:rPr>
-              <a:t>Conclusion</a:t>
+                <a:solidFill>
+                  <a:srgbClr val="000000"/>
+                </a:solidFill>
+                <a:latin typeface="Arial"/>
+                <a:ea typeface="DejaVu Sans"/>
+              </a:rPr>
+              <a:t>Conclusions</a:t>
             </a:r>
             <a:endParaRPr b="0" lang="en-US" sz="2400" spc="-1" strike="noStrike">
               <a:latin typeface="Arial"/>
@@ -10956,7 +13182,7 @@
         <p:spPr>
           <a:xfrm>
             <a:off x="504000" y="285120"/>
-            <a:ext cx="9071280" cy="669600"/>
+            <a:ext cx="9070920" cy="669600"/>
           </a:xfrm>
           <a:prstGeom prst="rect">
             <a:avLst/>
@@ -10988,6 +13214,7 @@
                   <a:srgbClr val="ffffff"/>
                 </a:solidFill>
                 <a:latin typeface="Arial"/>
+                <a:ea typeface="DejaVu Sans"/>
               </a:rPr>
               <a:t>Discussion of Prior Beliefs</a:t>
             </a:r>
@@ -11006,7 +13233,7 @@
         <p:spPr>
           <a:xfrm>
             <a:off x="6949440" y="1554480"/>
-            <a:ext cx="3130200" cy="4478760"/>
+            <a:ext cx="3129840" cy="4478760"/>
           </a:xfrm>
           <a:prstGeom prst="rect">
             <a:avLst/>
@@ -11034,7 +13261,11 @@
             </a:pPr>
             <a:r>
               <a:rPr b="0" lang="en-US" sz="1800" spc="-1" strike="noStrike">
-                <a:latin typeface="Arial"/>
+                <a:solidFill>
+                  <a:srgbClr val="000000"/>
+                </a:solidFill>
+                <a:latin typeface="Arial"/>
+                <a:ea typeface="DejaVu Sans"/>
               </a:rPr>
               <a:t>Some Implications:</a:t>
             </a:r>
@@ -11060,7 +13291,11 @@
             </a:pPr>
             <a:r>
               <a:rPr b="0" lang="en-US" sz="1800" spc="-1" strike="noStrike">
-                <a:latin typeface="Arial"/>
+                <a:solidFill>
+                  <a:srgbClr val="000000"/>
+                </a:solidFill>
+                <a:latin typeface="Arial"/>
+                <a:ea typeface="DejaVu Sans"/>
               </a:rPr>
               <a:t>1) Style Depends on State</a:t>
             </a:r>
@@ -11086,7 +13321,11 @@
             </a:pPr>
             <a:r>
               <a:rPr b="0" lang="en-US" sz="1800" spc="-1" strike="noStrike">
-                <a:latin typeface="Arial"/>
+                <a:solidFill>
+                  <a:srgbClr val="000000"/>
+                </a:solidFill>
+                <a:latin typeface="Arial"/>
+                <a:ea typeface="DejaVu Sans"/>
               </a:rPr>
               <a:t>2) Ounces Depends on Style</a:t>
             </a:r>
@@ -11112,7 +13351,11 @@
             </a:pPr>
             <a:r>
               <a:rPr b="0" lang="en-US" sz="1800" spc="-1" strike="noStrike">
-                <a:latin typeface="Arial"/>
+                <a:solidFill>
+                  <a:srgbClr val="000000"/>
+                </a:solidFill>
+                <a:latin typeface="Arial"/>
+                <a:ea typeface="DejaVu Sans"/>
               </a:rPr>
               <a:t>3) Missingness is MCAR</a:t>
             </a:r>
@@ -11138,7 +13381,11 @@
             </a:pPr>
             <a:r>
               <a:rPr b="0" lang="en-US" sz="1800" spc="-1" strike="noStrike">
-                <a:latin typeface="Arial"/>
+                <a:solidFill>
+                  <a:srgbClr val="000000"/>
+                </a:solidFill>
+                <a:latin typeface="Arial"/>
+                <a:ea typeface="DejaVu Sans"/>
               </a:rPr>
               <a:t>4) ABV Depends on Ounces</a:t>
             </a:r>
@@ -11164,7 +13411,11 @@
             </a:pPr>
             <a:r>
               <a:rPr b="0" lang="en-US" sz="1800" spc="-1" strike="noStrike">
-                <a:latin typeface="Arial"/>
+                <a:solidFill>
+                  <a:srgbClr val="000000"/>
+                </a:solidFill>
+                <a:latin typeface="Arial"/>
+                <a:ea typeface="DejaVu Sans"/>
               </a:rPr>
               <a:t>5) ABV Depends on Style</a:t>
             </a:r>
@@ -11190,7 +13441,11 @@
             </a:pPr>
             <a:r>
               <a:rPr b="0" lang="en-US" sz="1800" spc="-1" strike="noStrike">
-                <a:latin typeface="Arial"/>
+                <a:solidFill>
+                  <a:srgbClr val="000000"/>
+                </a:solidFill>
+                <a:latin typeface="Arial"/>
+                <a:ea typeface="DejaVu Sans"/>
               </a:rPr>
               <a:t>6) ABV Depends on IBU</a:t>
             </a:r>
@@ -11216,7 +13471,11 @@
             </a:pPr>
             <a:r>
               <a:rPr b="0" lang="en-US" sz="1800" spc="-1" strike="noStrike">
-                <a:latin typeface="Arial"/>
+                <a:solidFill>
+                  <a:srgbClr val="000000"/>
+                </a:solidFill>
+                <a:latin typeface="Arial"/>
+                <a:ea typeface="DejaVu Sans"/>
               </a:rPr>
               <a:t>7) ABV Unrelated to the Missingness of IBU</a:t>
             </a:r>
@@ -11239,7 +13498,7 @@
         <p:spPr>
           <a:xfrm>
             <a:off x="634680" y="1183320"/>
-            <a:ext cx="5491800" cy="5217480"/>
+            <a:ext cx="5491440" cy="5217120"/>
           </a:xfrm>
           <a:prstGeom prst="rect">
             <a:avLst/>
